--- a/Day3-VPC_and_Networks/VPC.pptx
+++ b/Day3-VPC_and_Networks/VPC.pptx
@@ -5,7 +5,7 @@
     <p:sldMasterId id="2147483648" r:id="rId4"/>
   </p:sldMasterIdLst>
   <p:notesMasterIdLst>
-    <p:notesMasterId r:id="rId42"/>
+    <p:notesMasterId r:id="rId51"/>
   </p:notesMasterIdLst>
   <p:sldIdLst>
     <p:sldId id="258" r:id="rId5"/>
@@ -14,37 +14,46 @@
     <p:sldId id="279" r:id="rId8"/>
     <p:sldId id="282" r:id="rId9"/>
     <p:sldId id="281" r:id="rId10"/>
-    <p:sldId id="300" r:id="rId11"/>
-    <p:sldId id="259" r:id="rId12"/>
-    <p:sldId id="260" r:id="rId13"/>
-    <p:sldId id="261" r:id="rId14"/>
-    <p:sldId id="299" r:id="rId15"/>
-    <p:sldId id="267" r:id="rId16"/>
-    <p:sldId id="270" r:id="rId17"/>
-    <p:sldId id="268" r:id="rId18"/>
-    <p:sldId id="280" r:id="rId19"/>
-    <p:sldId id="269" r:id="rId20"/>
-    <p:sldId id="283" r:id="rId21"/>
-    <p:sldId id="278" r:id="rId22"/>
-    <p:sldId id="271" r:id="rId23"/>
-    <p:sldId id="272" r:id="rId24"/>
-    <p:sldId id="273" r:id="rId25"/>
-    <p:sldId id="274" r:id="rId26"/>
-    <p:sldId id="288" r:id="rId27"/>
-    <p:sldId id="296" r:id="rId28"/>
-    <p:sldId id="275" r:id="rId29"/>
-    <p:sldId id="276" r:id="rId30"/>
-    <p:sldId id="284" r:id="rId31"/>
-    <p:sldId id="292" r:id="rId32"/>
-    <p:sldId id="294" r:id="rId33"/>
-    <p:sldId id="289" r:id="rId34"/>
-    <p:sldId id="285" r:id="rId35"/>
-    <p:sldId id="286" r:id="rId36"/>
-    <p:sldId id="291" r:id="rId37"/>
-    <p:sldId id="290" r:id="rId38"/>
-    <p:sldId id="295" r:id="rId39"/>
-    <p:sldId id="287" r:id="rId40"/>
+    <p:sldId id="309" r:id="rId11"/>
+    <p:sldId id="310" r:id="rId12"/>
+    <p:sldId id="311" r:id="rId13"/>
+    <p:sldId id="312" r:id="rId14"/>
+    <p:sldId id="300" r:id="rId15"/>
+    <p:sldId id="303" r:id="rId16"/>
+    <p:sldId id="259" r:id="rId17"/>
+    <p:sldId id="260" r:id="rId18"/>
+    <p:sldId id="261" r:id="rId19"/>
+    <p:sldId id="299" r:id="rId20"/>
+    <p:sldId id="267" r:id="rId21"/>
+    <p:sldId id="270" r:id="rId22"/>
+    <p:sldId id="268" r:id="rId23"/>
+    <p:sldId id="280" r:id="rId24"/>
+    <p:sldId id="269" r:id="rId25"/>
+    <p:sldId id="283" r:id="rId26"/>
+    <p:sldId id="304" r:id="rId27"/>
+    <p:sldId id="278" r:id="rId28"/>
+    <p:sldId id="271" r:id="rId29"/>
+    <p:sldId id="272" r:id="rId30"/>
+    <p:sldId id="273" r:id="rId31"/>
+    <p:sldId id="274" r:id="rId32"/>
+    <p:sldId id="288" r:id="rId33"/>
+    <p:sldId id="296" r:id="rId34"/>
+    <p:sldId id="275" r:id="rId35"/>
+    <p:sldId id="276" r:id="rId36"/>
+    <p:sldId id="284" r:id="rId37"/>
+    <p:sldId id="292" r:id="rId38"/>
+    <p:sldId id="305" r:id="rId39"/>
+    <p:sldId id="294" r:id="rId40"/>
     <p:sldId id="277" r:id="rId41"/>
+    <p:sldId id="289" r:id="rId42"/>
+    <p:sldId id="285" r:id="rId43"/>
+    <p:sldId id="286" r:id="rId44"/>
+    <p:sldId id="291" r:id="rId45"/>
+    <p:sldId id="302" r:id="rId46"/>
+    <p:sldId id="306" r:id="rId47"/>
+    <p:sldId id="295" r:id="rId48"/>
+    <p:sldId id="287" r:id="rId49"/>
+    <p:sldId id="301" r:id="rId50"/>
   </p:sldIdLst>
   <p:sldSz cx="12192000" cy="6858000"/>
   <p:notesSz cx="6858000" cy="9144000"/>
@@ -2134,14 +2143,38 @@
           <a:bodyPr/>
           <a:lstStyle/>
           <a:p>
+            <a:r>
+              <a:rPr lang="en-US" dirty="0"/>
+              <a:t>Inbound Public</a:t>
+            </a:r>
+          </a:p>
+          <a:p>
+            <a:r>
+              <a:rPr lang="en-US" dirty="0"/>
+              <a:t>Outbound public</a:t>
+            </a:r>
+          </a:p>
+          <a:p>
             <a:endParaRPr lang="en-US" dirty="0"/>
+          </a:p>
+          <a:p>
+            <a:r>
+              <a:rPr lang="en-US" dirty="0"/>
+              <a:t>Outbound Private</a:t>
+            </a:r>
+          </a:p>
+          <a:p>
+            <a:r>
+              <a:rPr lang="en-US" dirty="0"/>
+              <a:t>Inbound Private</a:t>
+            </a:r>
           </a:p>
         </p:txBody>
       </p:sp>
     </p:spTree>
     <p:extLst>
       <p:ext uri="{BB962C8B-B14F-4D97-AF65-F5344CB8AC3E}">
-        <p14:creationId xmlns:p14="http://schemas.microsoft.com/office/powerpoint/2010/main" val="1819308247"/>
+        <p14:creationId xmlns:p14="http://schemas.microsoft.com/office/powerpoint/2010/main" val="1937887902"/>
       </p:ext>
     </p:extLst>
   </p:cSld>
@@ -2207,7 +2240,73 @@
     </p:spTree>
     <p:extLst>
       <p:ext uri="{BB962C8B-B14F-4D97-AF65-F5344CB8AC3E}">
-        <p14:creationId xmlns:p14="http://schemas.microsoft.com/office/powerpoint/2010/main" val="1941793693"/>
+        <p14:creationId xmlns:p14="http://schemas.microsoft.com/office/powerpoint/2010/main" val="1819308247"/>
+      </p:ext>
+    </p:extLst>
+  </p:cSld>
+  <p:clrMapOvr>
+    <a:masterClrMapping/>
+  </p:clrMapOvr>
+</p:notes>
+</file>
+
+<file path=ppt/notesSlides/notesSlide12.xml><?xml version="1.0" encoding="utf-8"?>
+<p:notes xmlns:a="http://schemas.openxmlformats.org/drawingml/2006/main" xmlns:r="http://schemas.openxmlformats.org/officeDocument/2006/relationships" xmlns:p="http://schemas.openxmlformats.org/presentationml/2006/main">
+  <p:cSld>
+    <p:spTree>
+      <p:nvGrpSpPr>
+        <p:cNvPr id="1" name=""/>
+        <p:cNvGrpSpPr/>
+        <p:nvPr/>
+      </p:nvGrpSpPr>
+      <p:grpSpPr>
+        <a:xfrm>
+          <a:off x="0" y="0"/>
+          <a:ext cx="0" cy="0"/>
+          <a:chOff x="0" y="0"/>
+          <a:chExt cx="0" cy="0"/>
+        </a:xfrm>
+      </p:grpSpPr>
+      <p:sp>
+        <p:nvSpPr>
+          <p:cNvPr id="2" name="Slide Image Placeholder 1"/>
+          <p:cNvSpPr>
+            <a:spLocks noGrp="1" noRot="1" noChangeAspect="1"/>
+          </p:cNvSpPr>
+          <p:nvPr>
+            <p:ph type="sldImg"/>
+          </p:nvPr>
+        </p:nvSpPr>
+        <p:spPr>
+          <a:xfrm>
+            <a:off x="381000" y="685800"/>
+            <a:ext cx="6096000" cy="3429000"/>
+          </a:xfrm>
+        </p:spPr>
+      </p:sp>
+      <p:sp>
+        <p:nvSpPr>
+          <p:cNvPr id="3" name="Notes Placeholder 2"/>
+          <p:cNvSpPr>
+            <a:spLocks noGrp="1"/>
+          </p:cNvSpPr>
+          <p:nvPr>
+            <p:ph type="body" idx="1"/>
+          </p:nvPr>
+        </p:nvSpPr>
+        <p:spPr/>
+        <p:txBody>
+          <a:bodyPr/>
+          <a:lstStyle/>
+          <a:p>
+            <a:endParaRPr lang="en-US" dirty="0"/>
+          </a:p>
+        </p:txBody>
+      </p:sp>
+    </p:spTree>
+    <p:extLst>
+      <p:ext uri="{BB962C8B-B14F-4D97-AF65-F5344CB8AC3E}">
+        <p14:creationId xmlns:p14="http://schemas.microsoft.com/office/powerpoint/2010/main" val="1871818417"/>
       </p:ext>
     </p:extLst>
   </p:cSld>
@@ -2266,147 +2365,21 @@
           <a:bodyPr/>
           <a:lstStyle/>
           <a:p>
-            <a:endParaRPr lang="en-US" sz="1200" b="0" i="0" u="none" strike="noStrike" baseline="0" dirty="0">
-              <a:latin typeface="+mj-lt"/>
-              <a:ea typeface="+mj-ea"/>
-              <a:cs typeface="+mj-cs"/>
-              <a:sym typeface="Calibri"/>
-            </a:endParaRPr>
-          </a:p>
-          <a:p>
-            <a:r>
-              <a:rPr lang="en-US" sz="1200" b="0" i="0" u="none" strike="noStrike" baseline="0" dirty="0">
-                <a:latin typeface="+mj-lt"/>
-                <a:ea typeface="+mj-ea"/>
-                <a:cs typeface="+mj-cs"/>
-                <a:sym typeface="Calibri"/>
-              </a:rPr>
-              <a:t>The architectural need - You need to deploy and manage AWS resources in a networked environment that provides workload isolation.</a:t>
-            </a:r>
-          </a:p>
-          <a:p>
-            <a:endParaRPr lang="en-US" sz="1200" b="0" i="0" u="none" strike="noStrike" baseline="0" dirty="0">
-              <a:latin typeface="+mj-lt"/>
-              <a:ea typeface="+mj-ea"/>
-              <a:cs typeface="+mj-cs"/>
-              <a:sym typeface="Calibri"/>
-            </a:endParaRPr>
-          </a:p>
-          <a:p>
-            <a:pPr marL="171450" indent="-171450">
-              <a:buFont typeface="Arial" panose="020B0604020202020204" pitchFamily="34" charset="0"/>
-              <a:buChar char="•"/>
-            </a:pPr>
-            <a:r>
-              <a:rPr lang="en-US" sz="1200" b="0" i="0" u="none" strike="noStrike" baseline="0" dirty="0">
-                <a:latin typeface="+mj-lt"/>
-                <a:ea typeface="+mj-ea"/>
-                <a:cs typeface="+mj-cs"/>
-                <a:sym typeface="Calibri"/>
-              </a:rPr>
-              <a:t>Your private network space in the AWS Cloud</a:t>
-            </a:r>
-          </a:p>
-          <a:p>
-            <a:pPr marL="171450" indent="-171450">
-              <a:buFont typeface="Arial" panose="020B0604020202020204" pitchFamily="34" charset="0"/>
-              <a:buChar char="•"/>
-            </a:pPr>
-            <a:r>
-              <a:rPr lang="en-US" sz="1200" b="0" i="0" u="none" strike="noStrike" baseline="0" dirty="0">
-                <a:latin typeface="+mj-lt"/>
-                <a:ea typeface="+mj-ea"/>
-                <a:cs typeface="+mj-cs"/>
-                <a:sym typeface="Calibri"/>
-              </a:rPr>
-              <a:t>Provides logical isolation for your workloads:  </a:t>
-            </a:r>
-            <a:r>
-              <a:rPr lang="en-US" sz="1200" b="0" i="0" u="none" strike="noStrike" baseline="0" dirty="0" err="1">
-                <a:latin typeface="+mj-lt"/>
-                <a:ea typeface="+mj-ea"/>
-                <a:cs typeface="+mj-cs"/>
-                <a:sym typeface="Calibri"/>
-              </a:rPr>
-              <a:t>Dev,Test</a:t>
-            </a:r>
-            <a:endParaRPr lang="en-US" sz="1200" b="0" i="0" u="none" strike="noStrike" baseline="0" dirty="0">
-              <a:latin typeface="+mj-lt"/>
-              <a:ea typeface="+mj-ea"/>
-              <a:cs typeface="+mj-cs"/>
-              <a:sym typeface="Calibri"/>
-            </a:endParaRPr>
-          </a:p>
-          <a:p>
-            <a:pPr marL="171450" indent="-171450">
-              <a:buFont typeface="Arial" panose="020B0604020202020204" pitchFamily="34" charset="0"/>
-              <a:buChar char="•"/>
-            </a:pPr>
-            <a:r>
-              <a:rPr lang="en-US" sz="1200" b="0" i="0" u="none" strike="noStrike" baseline="0" dirty="0">
-                <a:latin typeface="+mj-lt"/>
-                <a:ea typeface="+mj-ea"/>
-                <a:cs typeface="+mj-cs"/>
-                <a:sym typeface="Calibri"/>
-              </a:rPr>
-              <a:t>Allows custom access controls and security settings for your resources</a:t>
-            </a:r>
-          </a:p>
-          <a:p>
-            <a:pPr marL="171450" indent="-171450">
-              <a:buFont typeface="Arial" panose="020B0604020202020204" pitchFamily="34" charset="0"/>
-              <a:buChar char="•"/>
-            </a:pPr>
-            <a:endParaRPr lang="en-US" sz="1200" b="0" i="0" u="none" strike="noStrike" baseline="0" dirty="0">
-              <a:latin typeface="+mj-lt"/>
-              <a:ea typeface="+mj-ea"/>
-              <a:cs typeface="+mj-cs"/>
-              <a:sym typeface="Calibri"/>
-            </a:endParaRPr>
-          </a:p>
-          <a:p>
-            <a:pPr marL="171450" indent="-171450">
-              <a:buFont typeface="Arial" panose="020B0604020202020204" pitchFamily="34" charset="0"/>
-              <a:buChar char="•"/>
-            </a:pPr>
-            <a:r>
-              <a:rPr lang="en-US" sz="1200" b="0" i="0" u="none" strike="noStrike" baseline="0" dirty="0">
-                <a:latin typeface="+mj-lt"/>
-                <a:ea typeface="+mj-ea"/>
-                <a:cs typeface="+mj-cs"/>
-                <a:sym typeface="Calibri"/>
-              </a:rPr>
-              <a:t>IPv4 vs. IPv6</a:t>
-            </a:r>
-          </a:p>
-          <a:p>
-            <a:pPr marL="171450" indent="-171450">
-              <a:buFont typeface="Arial" panose="020B0604020202020204" pitchFamily="34" charset="0"/>
-              <a:buChar char="•"/>
-            </a:pPr>
-            <a:r>
-              <a:rPr lang="en-US" sz="1200" b="0" i="0" u="none" strike="noStrike" baseline="0" dirty="0">
-                <a:latin typeface="+mj-lt"/>
-                <a:ea typeface="+mj-ea"/>
-                <a:cs typeface="+mj-cs"/>
-                <a:sym typeface="Calibri"/>
-              </a:rPr>
-              <a:t>Classless Inter-Domain </a:t>
-            </a:r>
-          </a:p>
-          <a:p>
-            <a:pPr marL="171450" indent="-171450">
-              <a:buFont typeface="Arial" panose="020B0604020202020204" pitchFamily="34" charset="0"/>
-              <a:buChar char="•"/>
-            </a:pPr>
-            <a:endParaRPr lang="en-US" dirty="0"/>
+            <a:r>
+              <a:rPr lang="en-US" dirty="0" err="1"/>
+              <a:t>Clasful</a:t>
+            </a:r>
+            <a:r>
+              <a:rPr lang="en-US" dirty="0"/>
+              <a:t> </a:t>
+            </a:r>
           </a:p>
         </p:txBody>
       </p:sp>
     </p:spTree>
     <p:extLst>
       <p:ext uri="{BB962C8B-B14F-4D97-AF65-F5344CB8AC3E}">
-        <p14:creationId xmlns:p14="http://schemas.microsoft.com/office/powerpoint/2010/main" val="3152739105"/>
+        <p14:creationId xmlns:p14="http://schemas.microsoft.com/office/powerpoint/2010/main" val="2249474030"/>
       </p:ext>
     </p:extLst>
   </p:cSld>
@@ -2465,21 +2438,139 @@
           <a:bodyPr/>
           <a:lstStyle/>
           <a:p>
-            <a:r>
-              <a:rPr lang="en-US" dirty="0"/>
-              <a:t>Does not provide isolation</a:t>
-            </a:r>
-          </a:p>
-          <a:p>
-            <a:endParaRPr lang="en-US" dirty="0"/>
-          </a:p>
-          <a:p>
-            <a:r>
-              <a:rPr lang="en-US" dirty="0"/>
-              <a:t>Easier to maintain than multiple accounts</a:t>
-            </a:r>
-          </a:p>
-          <a:p>
+            <a:endParaRPr lang="en-US" sz="1200" b="0" i="0" u="none" strike="noStrike" baseline="0" dirty="0">
+              <a:latin typeface="+mj-lt"/>
+              <a:ea typeface="+mj-ea"/>
+              <a:cs typeface="+mj-cs"/>
+              <a:sym typeface="Calibri"/>
+            </a:endParaRPr>
+          </a:p>
+          <a:p>
+            <a:r>
+              <a:rPr lang="en-US" sz="1200" b="0" i="0" u="none" strike="noStrike" baseline="0" dirty="0">
+                <a:latin typeface="+mj-lt"/>
+                <a:ea typeface="+mj-ea"/>
+                <a:cs typeface="+mj-cs"/>
+                <a:sym typeface="Calibri"/>
+              </a:rPr>
+              <a:t>The architectural need - You need to deploy and manage AWS resources in a networked environment that provides workload isolation.</a:t>
+            </a:r>
+          </a:p>
+          <a:p>
+            <a:endParaRPr lang="en-US" sz="1200" b="0" i="0" u="none" strike="noStrike" baseline="0" dirty="0">
+              <a:latin typeface="+mj-lt"/>
+              <a:ea typeface="+mj-ea"/>
+              <a:cs typeface="+mj-cs"/>
+              <a:sym typeface="Calibri"/>
+            </a:endParaRPr>
+          </a:p>
+          <a:p>
+            <a:pPr marL="171450" indent="-171450">
+              <a:buFont typeface="Arial" panose="020B0604020202020204" pitchFamily="34" charset="0"/>
+              <a:buChar char="•"/>
+            </a:pPr>
+            <a:r>
+              <a:rPr lang="en-US" sz="1200" b="0" i="0" u="none" strike="noStrike" baseline="0" dirty="0">
+                <a:latin typeface="+mj-lt"/>
+                <a:ea typeface="+mj-ea"/>
+                <a:cs typeface="+mj-cs"/>
+                <a:sym typeface="Calibri"/>
+              </a:rPr>
+              <a:t>Your private network space in the AWS Cloud</a:t>
+            </a:r>
+          </a:p>
+          <a:p>
+            <a:pPr marL="171450" indent="-171450">
+              <a:buFont typeface="Arial" panose="020B0604020202020204" pitchFamily="34" charset="0"/>
+              <a:buChar char="•"/>
+            </a:pPr>
+            <a:r>
+              <a:rPr lang="en-US" sz="1200" b="0" i="0" u="none" strike="noStrike" baseline="0" dirty="0">
+                <a:latin typeface="+mj-lt"/>
+                <a:ea typeface="+mj-ea"/>
+                <a:cs typeface="+mj-cs"/>
+                <a:sym typeface="Calibri"/>
+              </a:rPr>
+              <a:t>Provides logical isolation for your workloads:  </a:t>
+            </a:r>
+            <a:r>
+              <a:rPr lang="en-US" sz="1200" b="0" i="0" u="none" strike="noStrike" baseline="0" dirty="0" err="1">
+                <a:latin typeface="+mj-lt"/>
+                <a:ea typeface="+mj-ea"/>
+                <a:cs typeface="+mj-cs"/>
+                <a:sym typeface="Calibri"/>
+              </a:rPr>
+              <a:t>Dev,Test</a:t>
+            </a:r>
+            <a:endParaRPr lang="en-US" sz="1200" b="0" i="0" u="none" strike="noStrike" baseline="0" dirty="0">
+              <a:latin typeface="+mj-lt"/>
+              <a:ea typeface="+mj-ea"/>
+              <a:cs typeface="+mj-cs"/>
+              <a:sym typeface="Calibri"/>
+            </a:endParaRPr>
+          </a:p>
+          <a:p>
+            <a:pPr marL="171450" indent="-171450">
+              <a:buFont typeface="Arial" panose="020B0604020202020204" pitchFamily="34" charset="0"/>
+              <a:buChar char="•"/>
+            </a:pPr>
+            <a:r>
+              <a:rPr lang="en-US" sz="1200" b="0" i="0" u="none" strike="noStrike" baseline="0" dirty="0">
+                <a:latin typeface="+mj-lt"/>
+                <a:ea typeface="+mj-ea"/>
+                <a:cs typeface="+mj-cs"/>
+                <a:sym typeface="Calibri"/>
+              </a:rPr>
+              <a:t>Allows custom access controls and security settings for your resources</a:t>
+            </a:r>
+          </a:p>
+          <a:p>
+            <a:pPr marL="171450" indent="-171450">
+              <a:buFont typeface="Arial" panose="020B0604020202020204" pitchFamily="34" charset="0"/>
+              <a:buChar char="•"/>
+            </a:pPr>
+            <a:endParaRPr lang="en-US" sz="1200" b="0" i="0" u="none" strike="noStrike" baseline="0" dirty="0">
+              <a:latin typeface="+mj-lt"/>
+              <a:ea typeface="+mj-ea"/>
+              <a:cs typeface="+mj-cs"/>
+              <a:sym typeface="Calibri"/>
+            </a:endParaRPr>
+          </a:p>
+          <a:p>
+            <a:pPr marL="171450" indent="-171450">
+              <a:buFont typeface="Arial" panose="020B0604020202020204" pitchFamily="34" charset="0"/>
+              <a:buChar char="•"/>
+            </a:pPr>
+            <a:r>
+              <a:rPr lang="en-US" sz="1200" b="0" i="0" u="none" strike="noStrike" baseline="0" dirty="0">
+                <a:latin typeface="+mj-lt"/>
+                <a:ea typeface="+mj-ea"/>
+                <a:cs typeface="+mj-cs"/>
+                <a:sym typeface="Calibri"/>
+              </a:rPr>
+              <a:t>IPv4 vs. IPv6</a:t>
+            </a:r>
+          </a:p>
+          <a:p>
+            <a:pPr marL="171450" indent="-171450">
+              <a:buFont typeface="Arial" panose="020B0604020202020204" pitchFamily="34" charset="0"/>
+              <a:buChar char="•"/>
+            </a:pPr>
+            <a:r>
+              <a:rPr lang="en-US" sz="1200" b="0" i="0" u="none" strike="noStrike" baseline="0" dirty="0">
+                <a:latin typeface="+mj-lt"/>
+                <a:ea typeface="+mj-ea"/>
+                <a:cs typeface="+mj-cs"/>
+                <a:sym typeface="Calibri"/>
+              </a:rPr>
+              <a:t>Classless Inter-Domain </a:t>
+            </a:r>
+          </a:p>
+          <a:p>
+            <a:pPr marL="171450" indent="-171450">
+              <a:buFont typeface="Arial" panose="020B0604020202020204" pitchFamily="34" charset="0"/>
+              <a:buChar char="•"/>
+            </a:pPr>
             <a:endParaRPr lang="en-US" dirty="0"/>
           </a:p>
         </p:txBody>
@@ -2487,7 +2578,7 @@
     </p:spTree>
     <p:extLst>
       <p:ext uri="{BB962C8B-B14F-4D97-AF65-F5344CB8AC3E}">
-        <p14:creationId xmlns:p14="http://schemas.microsoft.com/office/powerpoint/2010/main" val="107567197"/>
+        <p14:creationId xmlns:p14="http://schemas.microsoft.com/office/powerpoint/2010/main" val="3152739105"/>
       </p:ext>
     </p:extLst>
   </p:cSld>
@@ -2548,33 +2639,27 @@
           <a:p>
             <a:r>
               <a:rPr lang="en-US" dirty="0"/>
-              <a:t>VPC1 = App1-Dev </a:t>
-            </a:r>
-          </a:p>
-          <a:p>
-            <a:r>
-              <a:rPr lang="en-US" dirty="0"/>
-              <a:t>VPC2 = App1-Prod</a:t>
-            </a:r>
-          </a:p>
-          <a:p>
-            <a:r>
-              <a:rPr lang="en-US" dirty="0"/>
-              <a:t>VPC3 = App2-Dev</a:t>
-            </a:r>
-          </a:p>
-          <a:p>
-            <a:r>
-              <a:rPr lang="en-US" dirty="0"/>
-              <a:t>VPC4 = App2-Prod</a:t>
-            </a:r>
+              <a:t>Does not provide isolation</a:t>
+            </a:r>
+          </a:p>
+          <a:p>
+            <a:endParaRPr lang="en-US" dirty="0"/>
+          </a:p>
+          <a:p>
+            <a:r>
+              <a:rPr lang="en-US" dirty="0"/>
+              <a:t>Easier to maintain than multiple accounts</a:t>
+            </a:r>
+          </a:p>
+          <a:p>
+            <a:endParaRPr lang="en-US" dirty="0"/>
           </a:p>
         </p:txBody>
       </p:sp>
     </p:spTree>
     <p:extLst>
       <p:ext uri="{BB962C8B-B14F-4D97-AF65-F5344CB8AC3E}">
-        <p14:creationId xmlns:p14="http://schemas.microsoft.com/office/powerpoint/2010/main" val="559327955"/>
+        <p14:creationId xmlns:p14="http://schemas.microsoft.com/office/powerpoint/2010/main" val="107567197"/>
       </p:ext>
     </p:extLst>
   </p:cSld>
@@ -2635,7 +2720,25 @@
           <a:p>
             <a:r>
               <a:rPr lang="en-US" dirty="0"/>
-              <a:t>Account per Application and Environment</a:t>
+              <a:t>VPC1 = App1-Dev </a:t>
+            </a:r>
+          </a:p>
+          <a:p>
+            <a:r>
+              <a:rPr lang="en-US" dirty="0"/>
+              <a:t>VPC2 = App1-Prod</a:t>
+            </a:r>
+          </a:p>
+          <a:p>
+            <a:r>
+              <a:rPr lang="en-US" dirty="0"/>
+              <a:t>VPC3 = App2-Dev</a:t>
+            </a:r>
+          </a:p>
+          <a:p>
+            <a:r>
+              <a:rPr lang="en-US" dirty="0"/>
+              <a:t>VPC4 = App2-Prod</a:t>
             </a:r>
           </a:p>
         </p:txBody>
@@ -2643,7 +2746,7 @@
     </p:spTree>
     <p:extLst>
       <p:ext uri="{BB962C8B-B14F-4D97-AF65-F5344CB8AC3E}">
-        <p14:creationId xmlns:p14="http://schemas.microsoft.com/office/powerpoint/2010/main" val="1215075431"/>
+        <p14:creationId xmlns:p14="http://schemas.microsoft.com/office/powerpoint/2010/main" val="559327955"/>
       </p:ext>
     </p:extLst>
   </p:cSld>
@@ -2712,7 +2815,7 @@
     </p:spTree>
     <p:extLst>
       <p:ext uri="{BB962C8B-B14F-4D97-AF65-F5344CB8AC3E}">
-        <p14:creationId xmlns:p14="http://schemas.microsoft.com/office/powerpoint/2010/main" val="303190239"/>
+        <p14:creationId xmlns:p14="http://schemas.microsoft.com/office/powerpoint/2010/main" val="1215075431"/>
       </p:ext>
     </p:extLst>
   </p:cSld>
@@ -2773,34 +2876,7 @@
           <a:p>
             <a:r>
               <a:rPr lang="en-US" dirty="0"/>
-              <a:t>Some limits for example</a:t>
-            </a:r>
-          </a:p>
-          <a:p>
-            <a:endParaRPr lang="en-US" dirty="0"/>
-          </a:p>
-          <a:p>
-            <a:r>
-              <a:rPr lang="en-US" dirty="0"/>
-              <a:t>They have sensible values.</a:t>
-            </a:r>
-          </a:p>
-          <a:p>
-            <a:endParaRPr lang="en-US" dirty="0"/>
-          </a:p>
-          <a:p>
-            <a:r>
-              <a:rPr lang="en-US" dirty="0"/>
-              <a:t>Some are hard to reach.</a:t>
-            </a:r>
-          </a:p>
-          <a:p>
-            <a:endParaRPr lang="en-US" dirty="0"/>
-          </a:p>
-          <a:p>
-            <a:r>
-              <a:rPr lang="en-US" dirty="0"/>
-              <a:t>Some can be increased.</a:t>
+              <a:t>Account per Application and Environment</a:t>
             </a:r>
           </a:p>
         </p:txBody>
@@ -2808,7 +2884,7 @@
     </p:spTree>
     <p:extLst>
       <p:ext uri="{BB962C8B-B14F-4D97-AF65-F5344CB8AC3E}">
-        <p14:creationId xmlns:p14="http://schemas.microsoft.com/office/powerpoint/2010/main" val="1445610889"/>
+        <p14:creationId xmlns:p14="http://schemas.microsoft.com/office/powerpoint/2010/main" val="303190239"/>
       </p:ext>
     </p:extLst>
   </p:cSld>
@@ -2867,20 +2943,36 @@
           <a:bodyPr/>
           <a:lstStyle/>
           <a:p>
+            <a:r>
+              <a:rPr lang="en-US" dirty="0"/>
+              <a:t>Some limits for example</a:t>
+            </a:r>
+          </a:p>
+          <a:p>
             <a:endParaRPr lang="en-US" dirty="0"/>
           </a:p>
           <a:p>
             <a:r>
               <a:rPr lang="en-US" dirty="0"/>
-              <a:t>Subnets which have no explicit </a:t>
-            </a:r>
-            <a:r>
-              <a:rPr lang="en-US" dirty="0" err="1"/>
-              <a:t>associatin</a:t>
-            </a:r>
-            <a:r>
-              <a:rPr lang="en-US" dirty="0"/>
-              <a:t> with Route Table are associated with the default RT</a:t>
+              <a:t>They have sensible values.</a:t>
+            </a:r>
+          </a:p>
+          <a:p>
+            <a:endParaRPr lang="en-US" dirty="0"/>
+          </a:p>
+          <a:p>
+            <a:r>
+              <a:rPr lang="en-US" dirty="0"/>
+              <a:t>Some are hard to reach.</a:t>
+            </a:r>
+          </a:p>
+          <a:p>
+            <a:endParaRPr lang="en-US" dirty="0"/>
+          </a:p>
+          <a:p>
+            <a:r>
+              <a:rPr lang="en-US" dirty="0"/>
+              <a:t>Some can be increased.</a:t>
             </a:r>
           </a:p>
         </p:txBody>
@@ -2888,7 +2980,7 @@
     </p:spTree>
     <p:extLst>
       <p:ext uri="{BB962C8B-B14F-4D97-AF65-F5344CB8AC3E}">
-        <p14:creationId xmlns:p14="http://schemas.microsoft.com/office/powerpoint/2010/main" val="3318302661"/>
+        <p14:creationId xmlns:p14="http://schemas.microsoft.com/office/powerpoint/2010/main" val="1445610889"/>
       </p:ext>
     </p:extLst>
   </p:cSld>
@@ -2949,12 +3041,26 @@
           <a:p>
             <a:endParaRPr lang="en-US" dirty="0"/>
           </a:p>
+          <a:p>
+            <a:r>
+              <a:rPr lang="en-US" dirty="0"/>
+              <a:t>Subnets which have no explicit </a:t>
+            </a:r>
+            <a:r>
+              <a:rPr lang="en-US" dirty="0" err="1"/>
+              <a:t>associatin</a:t>
+            </a:r>
+            <a:r>
+              <a:rPr lang="en-US" dirty="0"/>
+              <a:t> with Route Table are associated with the default RT</a:t>
+            </a:r>
+          </a:p>
         </p:txBody>
       </p:sp>
     </p:spTree>
     <p:extLst>
       <p:ext uri="{BB962C8B-B14F-4D97-AF65-F5344CB8AC3E}">
-        <p14:creationId xmlns:p14="http://schemas.microsoft.com/office/powerpoint/2010/main" val="1937887902"/>
+        <p14:creationId xmlns:p14="http://schemas.microsoft.com/office/powerpoint/2010/main" val="3318302661"/>
       </p:ext>
     </p:extLst>
   </p:cSld>
@@ -3833,6 +3939,312 @@
 </p:sldLayout>
 </file>
 
+<file path=ppt/slideLayouts/slideLayout5.xml><?xml version="1.0" encoding="utf-8"?>
+<p:sldLayout xmlns:a="http://schemas.openxmlformats.org/drawingml/2006/main" xmlns:r="http://schemas.openxmlformats.org/officeDocument/2006/relationships" xmlns:p="http://schemas.openxmlformats.org/presentationml/2006/main" showMasterSp="0" userDrawn="1">
+  <p:cSld name="1_Title and Content Minimal Branding">
+    <p:spTree>
+      <p:nvGrpSpPr>
+        <p:cNvPr id="1" name=""/>
+        <p:cNvGrpSpPr/>
+        <p:nvPr/>
+      </p:nvGrpSpPr>
+      <p:grpSpPr>
+        <a:xfrm>
+          <a:off x="0" y="0"/>
+          <a:ext cx="0" cy="0"/>
+          <a:chOff x="0" y="0"/>
+          <a:chExt cx="0" cy="0"/>
+        </a:xfrm>
+      </p:grpSpPr>
+      <p:pic>
+        <p:nvPicPr>
+          <p:cNvPr id="7" name="back-elements3.jpg" descr="back-elements3.jpg">
+            <a:extLst>
+              <a:ext uri="{FF2B5EF4-FFF2-40B4-BE49-F238E27FC236}">
+                <a16:creationId xmlns:a16="http://schemas.microsoft.com/office/drawing/2014/main" id="{EEE08E6A-D376-4318-AF95-CABD96938E7A}"/>
+              </a:ext>
+            </a:extLst>
+          </p:cNvPr>
+          <p:cNvPicPr>
+            <a:picLocks noChangeAspect="1"/>
+          </p:cNvPicPr>
+          <p:nvPr userDrawn="1"/>
+        </p:nvPicPr>
+        <p:blipFill>
+          <a:blip r:embed="rId2"/>
+          <a:stretch>
+            <a:fillRect/>
+          </a:stretch>
+        </p:blipFill>
+        <p:spPr>
+          <a:xfrm>
+            <a:off x="0" y="0"/>
+            <a:ext cx="12192000" cy="6858000"/>
+          </a:xfrm>
+          <a:prstGeom prst="rect">
+            <a:avLst/>
+          </a:prstGeom>
+          <a:ln w="12700">
+            <a:miter lim="400000"/>
+          </a:ln>
+        </p:spPr>
+      </p:pic>
+      <p:sp>
+        <p:nvSpPr>
+          <p:cNvPr id="49" name="Content Placeholder 2"/>
+          <p:cNvSpPr txBox="1"/>
+          <p:nvPr/>
+        </p:nvSpPr>
+        <p:spPr>
+          <a:xfrm>
+            <a:off x="10496586" y="6139007"/>
+            <a:ext cx="1701469" cy="712756"/>
+          </a:xfrm>
+          <a:prstGeom prst="rect">
+            <a:avLst/>
+          </a:prstGeom>
+          <a:ln w="12700">
+            <a:miter lim="400000"/>
+          </a:ln>
+          <a:extLst>
+            <a:ext uri="{C572A759-6A51-4108-AA02-DFA0A04FC94B}">
+              <ma14:wrappingTextBoxFlag xmlns="" xmlns:m="http://schemas.openxmlformats.org/officeDocument/2006/math" xmlns:a14="http://schemas.microsoft.com/office/drawing/2010/main" xmlns:ma14="http://schemas.microsoft.com/office/mac/drawingml/2011/main" val="1"/>
+            </a:ext>
+          </a:extLst>
+        </p:spPr>
+        <p:txBody>
+          <a:bodyPr lIns="45718" tIns="45718" rIns="45718" bIns="45718">
+            <a:normAutofit/>
+          </a:bodyPr>
+          <a:lstStyle/>
+          <a:p>
+            <a:pPr>
+              <a:defRPr sz="1600">
+                <a:solidFill>
+                  <a:srgbClr val="FF8000"/>
+                </a:solidFill>
+                <a:latin typeface="AccordAlternate Regular"/>
+                <a:ea typeface="AccordAlternate Regular"/>
+                <a:cs typeface="AccordAlternate Regular"/>
+                <a:sym typeface="AccordAlternate Regular"/>
+              </a:defRPr>
+            </a:pPr>
+            <a:r>
+              <a:t>BRIGHT PEOPLE.</a:t>
+            </a:r>
+            <a:br/>
+            <a:r>
+              <a:rPr>
+                <a:solidFill>
+                  <a:srgbClr val="CC0000"/>
+                </a:solidFill>
+              </a:rPr>
+              <a:t>BRAVE WAYS.</a:t>
+            </a:r>
+          </a:p>
+        </p:txBody>
+      </p:sp>
+      <p:sp>
+        <p:nvSpPr>
+          <p:cNvPr id="51" name="Slide Number"/>
+          <p:cNvSpPr txBox="1">
+            <a:spLocks noGrp="1"/>
+          </p:cNvSpPr>
+          <p:nvPr>
+            <p:ph type="sldNum" sz="quarter" idx="2"/>
+          </p:nvPr>
+        </p:nvSpPr>
+        <p:spPr>
+          <a:prstGeom prst="rect">
+            <a:avLst/>
+          </a:prstGeom>
+        </p:spPr>
+        <p:txBody>
+          <a:bodyPr/>
+          <a:lstStyle/>
+          <a:p>
+            <a:fld id="{86CB4B4D-7CA3-9044-876B-883B54F8677D}" type="slidenum">
+              <a:t>‹#›</a:t>
+            </a:fld>
+            <a:endParaRPr/>
+          </a:p>
+        </p:txBody>
+      </p:sp>
+      <p:pic>
+        <p:nvPicPr>
+          <p:cNvPr id="8" name="logo.tif" descr="logo.tif">
+            <a:extLst>
+              <a:ext uri="{FF2B5EF4-FFF2-40B4-BE49-F238E27FC236}">
+                <a16:creationId xmlns:a16="http://schemas.microsoft.com/office/drawing/2014/main" id="{3E7945E6-295C-4286-B97F-9F97440320E4}"/>
+              </a:ext>
+            </a:extLst>
+          </p:cNvPr>
+          <p:cNvPicPr>
+            <a:picLocks noChangeAspect="1"/>
+          </p:cNvPicPr>
+          <p:nvPr userDrawn="1"/>
+        </p:nvPicPr>
+        <p:blipFill>
+          <a:blip r:embed="rId3"/>
+          <a:stretch>
+            <a:fillRect/>
+          </a:stretch>
+        </p:blipFill>
+        <p:spPr>
+          <a:xfrm>
+            <a:off x="889000" y="6183753"/>
+            <a:ext cx="1446787" cy="407547"/>
+          </a:xfrm>
+          <a:prstGeom prst="rect">
+            <a:avLst/>
+          </a:prstGeom>
+          <a:ln w="12700">
+            <a:miter lim="400000"/>
+          </a:ln>
+        </p:spPr>
+      </p:pic>
+      <p:sp>
+        <p:nvSpPr>
+          <p:cNvPr id="10" name="Body Level One…">
+            <a:extLst>
+              <a:ext uri="{FF2B5EF4-FFF2-40B4-BE49-F238E27FC236}">
+                <a16:creationId xmlns:a16="http://schemas.microsoft.com/office/drawing/2014/main" id="{2FC99793-2A86-4074-AF67-2420A390BC0F}"/>
+              </a:ext>
+            </a:extLst>
+          </p:cNvPr>
+          <p:cNvSpPr txBox="1">
+            <a:spLocks noGrp="1"/>
+          </p:cNvSpPr>
+          <p:nvPr>
+            <p:ph type="body" sz="half" idx="10"/>
+          </p:nvPr>
+        </p:nvSpPr>
+        <p:spPr>
+          <a:xfrm>
+            <a:off x="4959600" y="2591679"/>
+            <a:ext cx="5754203" cy="2465925"/>
+          </a:xfrm>
+          <a:prstGeom prst="rect">
+            <a:avLst/>
+          </a:prstGeom>
+          <a:ln>
+            <a:noFill/>
+          </a:ln>
+        </p:spPr>
+        <p:txBody>
+          <a:bodyPr>
+            <a:noAutofit/>
+          </a:bodyPr>
+          <a:lstStyle>
+            <a:lvl1pPr marL="0" indent="0">
+              <a:buClrTx/>
+              <a:buSzTx/>
+              <a:buFontTx/>
+              <a:buNone/>
+            </a:lvl1pPr>
+            <a:lvl2pPr marL="0" indent="0">
+              <a:buClrTx/>
+              <a:buSzTx/>
+              <a:buFontTx/>
+              <a:buNone/>
+            </a:lvl2pPr>
+            <a:lvl3pPr marL="0" indent="0">
+              <a:buClrTx/>
+              <a:buSzTx/>
+              <a:buFontTx/>
+              <a:buNone/>
+            </a:lvl3pPr>
+            <a:lvl4pPr marL="0" indent="0">
+              <a:buClrTx/>
+              <a:buSzTx/>
+              <a:buFontTx/>
+              <a:buNone/>
+            </a:lvl4pPr>
+            <a:lvl5pPr marL="0" indent="0">
+              <a:buClrTx/>
+              <a:buSzTx/>
+              <a:buFontTx/>
+              <a:buNone/>
+            </a:lvl5pPr>
+          </a:lstStyle>
+          <a:p>
+            <a:r>
+              <a:t>Body Level One</a:t>
+            </a:r>
+          </a:p>
+          <a:p>
+            <a:pPr lvl="1"/>
+            <a:r>
+              <a:t>Body Level Two</a:t>
+            </a:r>
+          </a:p>
+          <a:p>
+            <a:pPr lvl="2"/>
+            <a:r>
+              <a:t>Body Level Three</a:t>
+            </a:r>
+          </a:p>
+          <a:p>
+            <a:pPr lvl="3"/>
+            <a:r>
+              <a:t>Body Level Four</a:t>
+            </a:r>
+          </a:p>
+          <a:p>
+            <a:pPr lvl="4"/>
+            <a:r>
+              <a:t>Body Level Five</a:t>
+            </a:r>
+          </a:p>
+        </p:txBody>
+      </p:sp>
+      <p:sp>
+        <p:nvSpPr>
+          <p:cNvPr id="11" name="Title Text">
+            <a:extLst>
+              <a:ext uri="{FF2B5EF4-FFF2-40B4-BE49-F238E27FC236}">
+                <a16:creationId xmlns:a16="http://schemas.microsoft.com/office/drawing/2014/main" id="{1117BEED-9EDC-4A38-9063-FD075BBCBA6C}"/>
+              </a:ext>
+            </a:extLst>
+          </p:cNvPr>
+          <p:cNvSpPr txBox="1">
+            <a:spLocks noGrp="1"/>
+          </p:cNvSpPr>
+          <p:nvPr>
+            <p:ph type="title"/>
+          </p:nvPr>
+        </p:nvSpPr>
+        <p:spPr>
+          <a:xfrm>
+            <a:off x="4960144" y="1284404"/>
+            <a:ext cx="6716743" cy="1997788"/>
+          </a:xfrm>
+          <a:prstGeom prst="rect">
+            <a:avLst/>
+          </a:prstGeom>
+        </p:spPr>
+        <p:txBody>
+          <a:bodyPr/>
+          <a:lstStyle/>
+          <a:p>
+            <a:endParaRPr lang="en-US"/>
+          </a:p>
+        </p:txBody>
+      </p:sp>
+    </p:spTree>
+    <p:extLst>
+      <p:ext uri="{BB962C8B-B14F-4D97-AF65-F5344CB8AC3E}">
+        <p14:creationId xmlns:p14="http://schemas.microsoft.com/office/powerpoint/2010/main" val="2369005984"/>
+      </p:ext>
+    </p:extLst>
+  </p:cSld>
+  <p:clrMapOvr>
+    <a:masterClrMapping/>
+  </p:clrMapOvr>
+  <p:transition spd="med"/>
+</p:sldLayout>
+</file>
+
 <file path=ppt/slideMasters/slideMaster1.xml><?xml version="1.0" encoding="utf-8"?>
 <p:sldMaster xmlns:a="http://schemas.openxmlformats.org/drawingml/2006/main" xmlns:r="http://schemas.openxmlformats.org/officeDocument/2006/relationships" xmlns:p="http://schemas.openxmlformats.org/presentationml/2006/main">
   <p:cSld>
@@ -3974,7 +4386,7 @@
           <p:nvPr/>
         </p:nvPicPr>
         <p:blipFill>
-          <a:blip r:embed="rId6"/>
+          <a:blip r:embed="rId7"/>
           <a:srcRect t="31108" b="55870"/>
           <a:stretch>
             <a:fillRect/>
@@ -4049,7 +4461,7 @@
           <p:nvPr/>
         </p:nvPicPr>
         <p:blipFill>
-          <a:blip r:embed="rId7"/>
+          <a:blip r:embed="rId8"/>
           <a:stretch>
             <a:fillRect/>
           </a:stretch>
@@ -4110,6 +4522,7 @@
     <p:sldLayoutId id="2147483650" r:id="rId2"/>
     <p:sldLayoutId id="2147483651" r:id="rId3"/>
     <p:sldLayoutId id="2147483652" r:id="rId4"/>
+    <p:sldLayoutId id="2147483653" r:id="rId5"/>
   </p:sldLayoutIdLst>
   <p:transition spd="med"/>
   <p:txStyles>
@@ -5070,7 +5483,7 @@
           <a:p>
             <a:r>
               <a:rPr lang="en-US" dirty="0"/>
-              <a:t>VPC Deployment</a:t>
+              <a:t>NETWORKs and HOSTS SUBNET4</a:t>
             </a:r>
           </a:p>
         </p:txBody>
@@ -5093,73 +5506,317 @@
         </p:nvSpPr>
         <p:spPr/>
         <p:txBody>
-          <a:bodyPr/>
+          <a:bodyPr>
+            <a:normAutofit/>
+          </a:bodyPr>
           <a:lstStyle/>
-          <a:p>
-            <a:r>
-              <a:rPr lang="en-US" dirty="0"/>
-              <a:t>Located in 1 of 22 AWS Regions</a:t>
-            </a:r>
-          </a:p>
-          <a:p>
-            <a:r>
-              <a:rPr lang="en-US" dirty="0"/>
-              <a:t>Can host resources in </a:t>
-            </a:r>
-            <a:r>
-              <a:rPr lang="en-US" b="1" dirty="0"/>
-              <a:t>any</a:t>
-            </a:r>
-            <a:r>
-              <a:rPr lang="en-US" dirty="0"/>
-              <a:t> </a:t>
-            </a:r>
-          </a:p>
           <a:p>
             <a:pPr marL="0" indent="0">
               <a:buNone/>
             </a:pPr>
             <a:r>
               <a:rPr lang="en-US" dirty="0"/>
-              <a:t>Availability Zone within its Region</a:t>
+              <a:t>                                                                   Network (26bits)           Hosts (6bits)</a:t>
+            </a:r>
+          </a:p>
+          <a:p>
+            <a:pPr marL="0" indent="0">
+              <a:buNone/>
+            </a:pPr>
+            <a:endParaRPr lang="en-US" dirty="0"/>
+          </a:p>
+          <a:p>
+            <a:pPr marL="0" indent="0">
+              <a:buNone/>
+            </a:pPr>
+            <a:r>
+              <a:rPr lang="en-US" dirty="0"/>
+              <a:t>CIDR block:       10.0.0.192/26 = 00001010.00000000.00000000.</a:t>
+            </a:r>
+            <a:r>
+              <a:rPr lang="en-US" dirty="0">
+                <a:solidFill>
+                  <a:srgbClr val="C00000"/>
+                </a:solidFill>
+              </a:rPr>
+              <a:t>11</a:t>
+            </a:r>
+            <a:r>
+              <a:rPr lang="en-US" dirty="0"/>
+              <a:t>000000</a:t>
+            </a:r>
+          </a:p>
+          <a:p>
+            <a:pPr marL="0" indent="0">
+              <a:buNone/>
+            </a:pPr>
+            <a:r>
+              <a:rPr lang="en-US" dirty="0"/>
+              <a:t>Mask: /26 = 255.255.255.192 = 11111111.11111111.11111111.</a:t>
+            </a:r>
+            <a:r>
+              <a:rPr lang="en-US" dirty="0">
+                <a:solidFill>
+                  <a:srgbClr val="C00000"/>
+                </a:solidFill>
+              </a:rPr>
+              <a:t>11</a:t>
+            </a:r>
+            <a:r>
+              <a:rPr lang="en-US" dirty="0"/>
+              <a:t>000000</a:t>
+            </a:r>
+          </a:p>
+          <a:p>
+            <a:pPr marL="0" indent="0">
+              <a:buNone/>
+            </a:pPr>
+            <a:r>
+              <a:rPr lang="en-US" dirty="0"/>
+              <a:t>Hosts:                  2</a:t>
+            </a:r>
+            <a:r>
+              <a:rPr lang="en-US" baseline="30000" dirty="0"/>
+              <a:t>32-26</a:t>
+            </a:r>
+            <a:r>
+              <a:rPr lang="en-US" dirty="0"/>
+              <a:t>=2</a:t>
+            </a:r>
+            <a:r>
+              <a:rPr lang="en-US" baseline="30000" dirty="0"/>
+              <a:t>6</a:t>
+            </a:r>
+            <a:r>
+              <a:rPr lang="en-US" dirty="0"/>
+              <a:t>=64  ={00001010.00000000.00000000.</a:t>
+            </a:r>
+            <a:r>
+              <a:rPr lang="en-US" dirty="0">
+                <a:solidFill>
+                  <a:srgbClr val="C00000"/>
+                </a:solidFill>
+              </a:rPr>
+              <a:t>11</a:t>
+            </a:r>
+            <a:r>
+              <a:rPr lang="en-US" dirty="0"/>
+              <a:t>000000 -</a:t>
+            </a:r>
+          </a:p>
+          <a:p>
+            <a:pPr marL="0" indent="0">
+              <a:buNone/>
+            </a:pPr>
+            <a:r>
+              <a:rPr lang="en-US" dirty="0"/>
+              <a:t>			                    00001010.00000000.00000000.</a:t>
+            </a:r>
+            <a:r>
+              <a:rPr lang="en-US" dirty="0">
+                <a:solidFill>
+                  <a:srgbClr val="C00000"/>
+                </a:solidFill>
+              </a:rPr>
+              <a:t>11</a:t>
+            </a:r>
+            <a:r>
+              <a:rPr lang="en-US" dirty="0"/>
+              <a:t>111111}=</a:t>
+            </a:r>
+          </a:p>
+          <a:p>
+            <a:pPr marL="0" indent="0">
+              <a:buNone/>
+            </a:pPr>
+            <a:r>
+              <a:rPr lang="en-US" dirty="0"/>
+              <a:t>				   ={10.0.0.192 - 10.0.0.255}</a:t>
+            </a:r>
+          </a:p>
+          <a:p>
+            <a:pPr marL="0" indent="0">
+              <a:buNone/>
+            </a:pPr>
+            <a:endParaRPr lang="en-US" dirty="0"/>
+          </a:p>
+          <a:p>
+            <a:pPr marL="0" indent="0">
+              <a:buNone/>
+            </a:pPr>
+            <a:r>
+              <a:rPr lang="en-US" dirty="0"/>
+              <a:t>Hosts in 10.0.0.0/26 are from 10.0.0.192 to 10.0.0. 255</a:t>
             </a:r>
           </a:p>
         </p:txBody>
       </p:sp>
-      <p:pic>
-        <p:nvPicPr>
-          <p:cNvPr id="3" name="Picture 2">
+      <p:sp>
+        <p:nvSpPr>
+          <p:cNvPr id="3" name="Left Brace 2">
             <a:extLst>
               <a:ext uri="{FF2B5EF4-FFF2-40B4-BE49-F238E27FC236}">
-                <a16:creationId xmlns:a16="http://schemas.microsoft.com/office/drawing/2014/main" id="{E2B9015D-4B77-49AF-B4C1-842658857885}"/>
+                <a16:creationId xmlns:a16="http://schemas.microsoft.com/office/drawing/2014/main" id="{5B73840E-4324-4075-B595-9F9659BA9698}"/>
               </a:ext>
             </a:extLst>
           </p:cNvPr>
-          <p:cNvPicPr>
-            <a:picLocks noChangeAspect="1"/>
-          </p:cNvPicPr>
+          <p:cNvSpPr/>
           <p:nvPr/>
-        </p:nvPicPr>
-        <p:blipFill>
-          <a:blip r:embed="rId2"/>
-          <a:stretch>
-            <a:fillRect/>
-          </a:stretch>
-        </p:blipFill>
+        </p:nvSpPr>
         <p:spPr>
-          <a:xfrm>
-            <a:off x="5637301" y="288925"/>
-            <a:ext cx="5874215" cy="5752941"/>
+          <a:xfrm rot="5400000">
+            <a:off x="7267351" y="-177771"/>
+            <a:ext cx="324296" cy="4523015"/>
           </a:xfrm>
-          <a:prstGeom prst="rect">
-            <a:avLst/>
+          <a:prstGeom prst="leftBrace">
+            <a:avLst>
+              <a:gd name="adj1" fmla="val 8332"/>
+              <a:gd name="adj2" fmla="val 52172"/>
+            </a:avLst>
           </a:prstGeom>
+          <a:noFill/>
+          <a:ln w="25400" cap="flat">
+            <a:solidFill>
+              <a:srgbClr val="666666"/>
+            </a:solidFill>
+            <a:prstDash val="solid"/>
+            <a:round/>
+          </a:ln>
+          <a:effectLst/>
+          <a:sp3d/>
         </p:spPr>
-      </p:pic>
+        <p:style>
+          <a:lnRef idx="0">
+            <a:scrgbClr r="0" g="0" b="0"/>
+          </a:lnRef>
+          <a:fillRef idx="0">
+            <a:scrgbClr r="0" g="0" b="0"/>
+          </a:fillRef>
+          <a:effectRef idx="0">
+            <a:scrgbClr r="0" g="0" b="0"/>
+          </a:effectRef>
+          <a:fontRef idx="none"/>
+        </p:style>
+        <p:txBody>
+          <a:bodyPr rot="0" spcFirstLastPara="1" vertOverflow="overflow" horzOverflow="overflow" vert="horz" wrap="square" lIns="91439" tIns="45719" rIns="91439" bIns="45719" numCol="1" spcCol="38100" rtlCol="0" anchor="t">
+            <a:noAutofit/>
+          </a:bodyPr>
+          <a:lstStyle/>
+          <a:p>
+            <a:pPr marL="0" marR="0" indent="0" algn="l" defTabSz="914400" rtl="0" fontAlgn="auto" latinLnBrk="1" hangingPunct="0">
+              <a:lnSpc>
+                <a:spcPct val="100000"/>
+              </a:lnSpc>
+              <a:spcBef>
+                <a:spcPts val="0"/>
+              </a:spcBef>
+              <a:spcAft>
+                <a:spcPts val="0"/>
+              </a:spcAft>
+              <a:buClrTx/>
+              <a:buSzTx/>
+              <a:buFontTx/>
+              <a:buNone/>
+              <a:tabLst/>
+            </a:pPr>
+            <a:endParaRPr kumimoji="0" lang="en-US" sz="1800" b="0" i="0" u="none" strike="noStrike" cap="none" spc="0" normalizeH="0" baseline="0" dirty="0">
+              <a:ln>
+                <a:noFill/>
+              </a:ln>
+              <a:solidFill>
+                <a:srgbClr val="000000"/>
+              </a:solidFill>
+              <a:effectLst/>
+              <a:uFillTx/>
+            </a:endParaRPr>
+          </a:p>
+        </p:txBody>
+      </p:sp>
+      <p:sp>
+        <p:nvSpPr>
+          <p:cNvPr id="6" name="Left Brace 5">
+            <a:extLst>
+              <a:ext uri="{FF2B5EF4-FFF2-40B4-BE49-F238E27FC236}">
+                <a16:creationId xmlns:a16="http://schemas.microsoft.com/office/drawing/2014/main" id="{F658BFF4-2D83-4BD9-A02B-207F37C480EB}"/>
+              </a:ext>
+            </a:extLst>
+          </p:cNvPr>
+          <p:cNvSpPr/>
+          <p:nvPr/>
+        </p:nvSpPr>
+        <p:spPr>
+          <a:xfrm rot="5400000">
+            <a:off x="10059537" y="1610210"/>
+            <a:ext cx="324295" cy="947056"/>
+          </a:xfrm>
+          <a:prstGeom prst="leftBrace">
+            <a:avLst>
+              <a:gd name="adj1" fmla="val 8332"/>
+              <a:gd name="adj2" fmla="val 52172"/>
+            </a:avLst>
+          </a:prstGeom>
+          <a:noFill/>
+          <a:ln w="25400" cap="flat">
+            <a:solidFill>
+              <a:srgbClr val="666666"/>
+            </a:solidFill>
+            <a:prstDash val="solid"/>
+            <a:round/>
+          </a:ln>
+          <a:effectLst/>
+          <a:sp3d/>
+        </p:spPr>
+        <p:style>
+          <a:lnRef idx="0">
+            <a:scrgbClr r="0" g="0" b="0"/>
+          </a:lnRef>
+          <a:fillRef idx="0">
+            <a:scrgbClr r="0" g="0" b="0"/>
+          </a:fillRef>
+          <a:effectRef idx="0">
+            <a:scrgbClr r="0" g="0" b="0"/>
+          </a:effectRef>
+          <a:fontRef idx="none"/>
+        </p:style>
+        <p:txBody>
+          <a:bodyPr rot="0" spcFirstLastPara="1" vertOverflow="overflow" horzOverflow="overflow" vert="horz" wrap="square" lIns="91439" tIns="45719" rIns="91439" bIns="45719" numCol="1" spcCol="38100" rtlCol="0" anchor="t">
+            <a:noAutofit/>
+          </a:bodyPr>
+          <a:lstStyle/>
+          <a:p>
+            <a:pPr marL="0" marR="0" indent="0" algn="l" defTabSz="914400" rtl="0" fontAlgn="auto" latinLnBrk="1" hangingPunct="0">
+              <a:lnSpc>
+                <a:spcPct val="100000"/>
+              </a:lnSpc>
+              <a:spcBef>
+                <a:spcPts val="0"/>
+              </a:spcBef>
+              <a:spcAft>
+                <a:spcPts val="0"/>
+              </a:spcAft>
+              <a:buClrTx/>
+              <a:buSzTx/>
+              <a:buFontTx/>
+              <a:buNone/>
+              <a:tabLst/>
+            </a:pPr>
+            <a:endParaRPr kumimoji="0" lang="en-US" sz="1800" b="0" i="0" u="none" strike="noStrike" cap="none" spc="0" normalizeH="0" baseline="0" dirty="0">
+              <a:ln>
+                <a:noFill/>
+              </a:ln>
+              <a:solidFill>
+                <a:srgbClr val="000000"/>
+              </a:solidFill>
+              <a:effectLst/>
+              <a:uFillTx/>
+            </a:endParaRPr>
+          </a:p>
+        </p:txBody>
+      </p:sp>
     </p:spTree>
     <p:extLst>
       <p:ext uri="{BB962C8B-B14F-4D97-AF65-F5344CB8AC3E}">
-        <p14:creationId xmlns:p14="http://schemas.microsoft.com/office/powerpoint/2010/main" val="1712277426"/>
+        <p14:creationId xmlns:p14="http://schemas.microsoft.com/office/powerpoint/2010/main" val="1737821489"/>
       </p:ext>
     </p:extLst>
   </p:cSld>
@@ -5210,13 +5867,504 @@
           <a:p>
             <a:r>
               <a:rPr lang="en-US" dirty="0"/>
-              <a:t>CIDR block of </a:t>
-            </a:r>
+              <a:t>Private networks</a:t>
+            </a:r>
+          </a:p>
+        </p:txBody>
+      </p:sp>
+      <p:sp>
+        <p:nvSpPr>
+          <p:cNvPr id="5" name="Text Placeholder 4">
+            <a:extLst>
+              <a:ext uri="{FF2B5EF4-FFF2-40B4-BE49-F238E27FC236}">
+                <a16:creationId xmlns:a16="http://schemas.microsoft.com/office/drawing/2014/main" id="{820F42A9-79D7-4349-9926-4AF55D7A6A29}"/>
+              </a:ext>
+            </a:extLst>
+          </p:cNvPr>
+          <p:cNvSpPr>
+            <a:spLocks noGrp="1"/>
+          </p:cNvSpPr>
+          <p:nvPr>
+            <p:ph type="body" idx="1"/>
+          </p:nvPr>
+        </p:nvSpPr>
+        <p:spPr/>
+        <p:txBody>
+          <a:bodyPr>
+            <a:normAutofit/>
+          </a:bodyPr>
+          <a:lstStyle/>
+          <a:p>
+            <a:r>
+              <a:rPr lang="en-US" dirty="0"/>
+              <a:t>Originated from IPv4 address exhaustion but now used for security</a:t>
+            </a:r>
+          </a:p>
+          <a:p>
+            <a:r>
+              <a:rPr lang="en-US" dirty="0"/>
+              <a:t>IP addresses reserved for Private networks</a:t>
+            </a:r>
+          </a:p>
+          <a:p>
+            <a:pPr lvl="1"/>
+            <a:r>
+              <a:rPr lang="en-US" dirty="0"/>
+              <a:t>10.0.0.0/8 , 172.16.0.0/12  or 192.168.0.0/16</a:t>
+            </a:r>
+          </a:p>
+          <a:p>
+            <a:r>
+              <a:rPr lang="en-US" dirty="0"/>
+              <a:t>Private IP packets not routed in Internet</a:t>
+            </a:r>
+          </a:p>
+          <a:p>
+            <a:r>
+              <a:rPr lang="en-US" dirty="0"/>
+              <a:t>Network address translation (NAT) between Private networks and Internet (or other Private networks)</a:t>
+            </a:r>
+          </a:p>
+          <a:p>
+            <a:pPr lvl="1"/>
+            <a:r>
+              <a:rPr lang="en-US" dirty="0"/>
+              <a:t>Mapping between IP addresses from different address spaces</a:t>
+            </a:r>
+          </a:p>
+        </p:txBody>
+      </p:sp>
+    </p:spTree>
+    <p:extLst>
+      <p:ext uri="{BB962C8B-B14F-4D97-AF65-F5344CB8AC3E}">
+        <p14:creationId xmlns:p14="http://schemas.microsoft.com/office/powerpoint/2010/main" val="3020914967"/>
+      </p:ext>
+    </p:extLst>
+  </p:cSld>
+  <p:clrMapOvr>
+    <a:masterClrMapping/>
+  </p:clrMapOvr>
+  <p:transition spd="med"/>
+</p:sld>
+</file>
+
+<file path=ppt/slides/slide12.xml><?xml version="1.0" encoding="utf-8"?>
+<p:sld xmlns:a="http://schemas.openxmlformats.org/drawingml/2006/main" xmlns:r="http://schemas.openxmlformats.org/officeDocument/2006/relationships" xmlns:p="http://schemas.openxmlformats.org/presentationml/2006/main">
+  <p:cSld>
+    <p:spTree>
+      <p:nvGrpSpPr>
+        <p:cNvPr id="1" name=""/>
+        <p:cNvGrpSpPr/>
+        <p:nvPr/>
+      </p:nvGrpSpPr>
+      <p:grpSpPr>
+        <a:xfrm>
+          <a:off x="0" y="0"/>
+          <a:ext cx="0" cy="0"/>
+          <a:chOff x="0" y="0"/>
+          <a:chExt cx="0" cy="0"/>
+        </a:xfrm>
+      </p:grpSpPr>
+      <p:sp>
+        <p:nvSpPr>
+          <p:cNvPr id="3" name="Title 2">
+            <a:extLst>
+              <a:ext uri="{FF2B5EF4-FFF2-40B4-BE49-F238E27FC236}">
+                <a16:creationId xmlns:a16="http://schemas.microsoft.com/office/drawing/2014/main" id="{2DDAC821-55EE-4A40-B8B7-6B13F4B9DE25}"/>
+              </a:ext>
+            </a:extLst>
+          </p:cNvPr>
+          <p:cNvSpPr>
+            <a:spLocks noGrp="1"/>
+          </p:cNvSpPr>
+          <p:nvPr>
+            <p:ph type="title"/>
+          </p:nvPr>
+        </p:nvSpPr>
+        <p:spPr>
+          <a:xfrm>
+            <a:off x="0" y="0"/>
+            <a:ext cx="12192000" cy="6858000"/>
+          </a:xfrm>
+        </p:spPr>
+        <p:txBody>
+          <a:bodyPr>
+            <a:normAutofit/>
+          </a:bodyPr>
+          <a:lstStyle/>
+          <a:p>
+            <a:pPr algn="ctr"/>
+            <a:r>
+              <a:rPr lang="en-US" dirty="0"/>
+              <a:t>Q&amp;A</a:t>
+            </a:r>
+          </a:p>
+        </p:txBody>
+      </p:sp>
+    </p:spTree>
+    <p:extLst>
+      <p:ext uri="{BB962C8B-B14F-4D97-AF65-F5344CB8AC3E}">
+        <p14:creationId xmlns:p14="http://schemas.microsoft.com/office/powerpoint/2010/main" val="2875385472"/>
+      </p:ext>
+    </p:extLst>
+  </p:cSld>
+  <p:clrMapOvr>
+    <a:masterClrMapping/>
+  </p:clrMapOvr>
+  <p:transition spd="med"/>
+</p:sld>
+</file>
+
+<file path=ppt/slides/slide13.xml><?xml version="1.0" encoding="utf-8"?>
+<p:sld xmlns:a="http://schemas.openxmlformats.org/drawingml/2006/main" xmlns:r="http://schemas.openxmlformats.org/officeDocument/2006/relationships" xmlns:p="http://schemas.openxmlformats.org/presentationml/2006/main">
+  <p:cSld>
+    <p:spTree>
+      <p:nvGrpSpPr>
+        <p:cNvPr id="1" name=""/>
+        <p:cNvGrpSpPr/>
+        <p:nvPr/>
+      </p:nvGrpSpPr>
+      <p:grpSpPr>
+        <a:xfrm>
+          <a:off x="0" y="0"/>
+          <a:ext cx="0" cy="0"/>
+          <a:chOff x="0" y="0"/>
+          <a:chExt cx="0" cy="0"/>
+        </a:xfrm>
+      </p:grpSpPr>
+      <p:sp>
+        <p:nvSpPr>
+          <p:cNvPr id="4" name="Title 3">
+            <a:extLst>
+              <a:ext uri="{FF2B5EF4-FFF2-40B4-BE49-F238E27FC236}">
+                <a16:creationId xmlns:a16="http://schemas.microsoft.com/office/drawing/2014/main" id="{0B5E89EB-6726-48BB-A178-4BC22FD7EFD1}"/>
+              </a:ext>
+            </a:extLst>
+          </p:cNvPr>
+          <p:cNvSpPr>
+            <a:spLocks noGrp="1"/>
+          </p:cNvSpPr>
+          <p:nvPr>
+            <p:ph type="title"/>
+          </p:nvPr>
+        </p:nvSpPr>
+        <p:spPr/>
+        <p:txBody>
+          <a:bodyPr/>
+          <a:lstStyle/>
+          <a:p>
+            <a:r>
+              <a:rPr lang="en-US" dirty="0"/>
+              <a:t>AWS VPC</a:t>
+            </a:r>
+          </a:p>
+        </p:txBody>
+      </p:sp>
+      <p:sp>
+        <p:nvSpPr>
+          <p:cNvPr id="5" name="Text Placeholder 4">
+            <a:extLst>
+              <a:ext uri="{FF2B5EF4-FFF2-40B4-BE49-F238E27FC236}">
+                <a16:creationId xmlns:a16="http://schemas.microsoft.com/office/drawing/2014/main" id="{D609D132-43E9-4C95-A4F8-5420DDE3FF85}"/>
+              </a:ext>
+            </a:extLst>
+          </p:cNvPr>
+          <p:cNvSpPr>
+            <a:spLocks noGrp="1"/>
+          </p:cNvSpPr>
+          <p:nvPr>
+            <p:ph type="body" sz="half" idx="1"/>
+          </p:nvPr>
+        </p:nvSpPr>
+        <p:spPr/>
+        <p:txBody>
+          <a:bodyPr/>
+          <a:lstStyle/>
+          <a:p>
+            <a:r>
+              <a:rPr lang="en-US" dirty="0"/>
+              <a:t>What is VPC?</a:t>
+            </a:r>
+          </a:p>
+          <a:p>
+            <a:r>
+              <a:rPr lang="en-US" dirty="0"/>
+              <a:t>Deployment</a:t>
+            </a:r>
+          </a:p>
+          <a:p>
+            <a:r>
+              <a:rPr lang="en-US" dirty="0"/>
+              <a:t>CIDR blocks</a:t>
+            </a:r>
+          </a:p>
+          <a:p>
             <a:r>
               <a:rPr lang="en-US" dirty="0" err="1"/>
-              <a:t>vpc</a:t>
-            </a:r>
+              <a:t>Single,Multi</a:t>
+            </a:r>
+            <a:r>
+              <a:rPr lang="en-US" dirty="0"/>
+              <a:t>-VPC and Multi-account setup</a:t>
+            </a:r>
+          </a:p>
+          <a:p>
+            <a:r>
+              <a:rPr lang="en-US" dirty="0"/>
+              <a:t>Accounts and VPC management</a:t>
+            </a:r>
+          </a:p>
+        </p:txBody>
+      </p:sp>
+      <p:pic>
+        <p:nvPicPr>
+          <p:cNvPr id="1026" name="Picture 2">
+            <a:extLst>
+              <a:ext uri="{FF2B5EF4-FFF2-40B4-BE49-F238E27FC236}">
+                <a16:creationId xmlns:a16="http://schemas.microsoft.com/office/drawing/2014/main" id="{9D2BCE8C-300F-4D80-8C47-BCD75D92A86D}"/>
+              </a:ext>
+            </a:extLst>
+          </p:cNvPr>
+          <p:cNvPicPr>
+            <a:picLocks noChangeAspect="1" noChangeArrowheads="1"/>
+          </p:cNvPicPr>
+          <p:nvPr/>
+        </p:nvPicPr>
+        <p:blipFill>
+          <a:blip r:embed="rId2">
+            <a:extLst>
+              <a:ext uri="{28A0092B-C50C-407E-A947-70E740481C1C}">
+                <a14:useLocalDpi xmlns:a14="http://schemas.microsoft.com/office/drawing/2010/main" val="0"/>
+              </a:ext>
+            </a:extLst>
+          </a:blip>
+          <a:srcRect/>
+          <a:stretch>
+            <a:fillRect/>
+          </a:stretch>
+        </p:blipFill>
+        <p:spPr bwMode="auto">
+          <a:xfrm>
+            <a:off x="5293896" y="222890"/>
+            <a:ext cx="4120816" cy="4120816"/>
+          </a:xfrm>
+          <a:prstGeom prst="rect">
+            <a:avLst/>
+          </a:prstGeom>
+          <a:noFill/>
+          <a:extLst>
+            <a:ext uri="{909E8E84-426E-40DD-AFC4-6F175D3DCCD1}">
+              <a14:hiddenFill xmlns:a14="http://schemas.microsoft.com/office/drawing/2010/main">
+                <a:solidFill>
+                  <a:srgbClr val="FFFFFF"/>
+                </a:solidFill>
+              </a14:hiddenFill>
+            </a:ext>
+          </a:extLst>
+        </p:spPr>
+      </p:pic>
+    </p:spTree>
+    <p:extLst>
+      <p:ext uri="{BB962C8B-B14F-4D97-AF65-F5344CB8AC3E}">
+        <p14:creationId xmlns:p14="http://schemas.microsoft.com/office/powerpoint/2010/main" val="4220228028"/>
+      </p:ext>
+    </p:extLst>
+  </p:cSld>
+  <p:clrMapOvr>
+    <a:masterClrMapping/>
+  </p:clrMapOvr>
+  <p:transition spd="med"/>
+</p:sld>
+</file>
+
+<file path=ppt/slides/slide14.xml><?xml version="1.0" encoding="utf-8"?>
+<p:sld xmlns:a="http://schemas.openxmlformats.org/drawingml/2006/main" xmlns:r="http://schemas.openxmlformats.org/officeDocument/2006/relationships" xmlns:p="http://schemas.openxmlformats.org/presentationml/2006/main">
+  <p:cSld>
+    <p:spTree>
+      <p:nvGrpSpPr>
+        <p:cNvPr id="1" name=""/>
+        <p:cNvGrpSpPr/>
+        <p:nvPr/>
+      </p:nvGrpSpPr>
+      <p:grpSpPr>
+        <a:xfrm>
+          <a:off x="0" y="0"/>
+          <a:ext cx="0" cy="0"/>
+          <a:chOff x="0" y="0"/>
+          <a:chExt cx="0" cy="0"/>
+        </a:xfrm>
+      </p:grpSpPr>
+      <p:sp>
+        <p:nvSpPr>
+          <p:cNvPr id="4" name="Title 3">
+            <a:extLst>
+              <a:ext uri="{FF2B5EF4-FFF2-40B4-BE49-F238E27FC236}">
+                <a16:creationId xmlns:a16="http://schemas.microsoft.com/office/drawing/2014/main" id="{DF5F6649-48D7-4E9B-98EA-8A431F049DBE}"/>
+              </a:ext>
+            </a:extLst>
+          </p:cNvPr>
+          <p:cNvSpPr>
+            <a:spLocks noGrp="1"/>
+          </p:cNvSpPr>
+          <p:nvPr>
+            <p:ph type="title"/>
+          </p:nvPr>
+        </p:nvSpPr>
+        <p:spPr/>
+        <p:txBody>
+          <a:bodyPr>
+            <a:normAutofit/>
+          </a:bodyPr>
+          <a:lstStyle/>
+          <a:p>
+            <a:r>
+              <a:rPr lang="en-US" dirty="0"/>
+              <a:t>What is VPC?</a:t>
+            </a:r>
+          </a:p>
+        </p:txBody>
+      </p:sp>
+      <p:sp>
+        <p:nvSpPr>
+          <p:cNvPr id="5" name="Text Placeholder 4">
+            <a:extLst>
+              <a:ext uri="{FF2B5EF4-FFF2-40B4-BE49-F238E27FC236}">
+                <a16:creationId xmlns:a16="http://schemas.microsoft.com/office/drawing/2014/main" id="{54BF426A-51D6-44C7-81E3-E520C705BAEC}"/>
+              </a:ext>
+            </a:extLst>
+          </p:cNvPr>
+          <p:cNvSpPr>
+            <a:spLocks noGrp="1"/>
+          </p:cNvSpPr>
+          <p:nvPr>
+            <p:ph type="body" idx="1"/>
+          </p:nvPr>
+        </p:nvSpPr>
+        <p:spPr/>
+        <p:txBody>
+          <a:bodyPr/>
+          <a:lstStyle/>
+          <a:p>
+            <a:pPr marL="0" indent="0">
+              <a:buNone/>
+            </a:pPr>
+            <a:r>
+              <a:rPr lang="en-US" dirty="0"/>
+              <a:t>Amazon Virtual Private Cloud</a:t>
+            </a:r>
+          </a:p>
+          <a:p>
+            <a:pPr marL="0" indent="0">
+              <a:buNone/>
+            </a:pPr>
             <a:endParaRPr lang="en-US" dirty="0"/>
+          </a:p>
+          <a:p>
+            <a:r>
+              <a:rPr lang="en-US" dirty="0"/>
+              <a:t>A virtual network residing in you AWS account </a:t>
+            </a:r>
+          </a:p>
+          <a:p>
+            <a:pPr marL="0" indent="0">
+              <a:buNone/>
+            </a:pPr>
+            <a:endParaRPr lang="en-US" dirty="0"/>
+          </a:p>
+          <a:p>
+            <a:r>
+              <a:rPr lang="en-US" dirty="0"/>
+              <a:t>Supports IPv4 &amp; IPv6</a:t>
+            </a:r>
+          </a:p>
+          <a:p>
+            <a:endParaRPr lang="en-US" dirty="0"/>
+          </a:p>
+          <a:p>
+            <a:r>
+              <a:rPr lang="en-US" dirty="0"/>
+              <a:t>Defined by CIDR block</a:t>
+            </a:r>
+          </a:p>
+          <a:p>
+            <a:endParaRPr lang="en-US" dirty="0"/>
+          </a:p>
+          <a:p>
+            <a:pPr marL="0" indent="0">
+              <a:buNone/>
+            </a:pPr>
+            <a:endParaRPr lang="en-US" dirty="0"/>
+          </a:p>
+          <a:p>
+            <a:endParaRPr lang="en-US" dirty="0"/>
+          </a:p>
+          <a:p>
+            <a:pPr marL="0" indent="0">
+              <a:buNone/>
+            </a:pPr>
+            <a:endParaRPr lang="en-US" dirty="0"/>
+          </a:p>
+          <a:p>
+            <a:endParaRPr lang="en-US" dirty="0"/>
+          </a:p>
+        </p:txBody>
+      </p:sp>
+    </p:spTree>
+    <p:extLst>
+      <p:ext uri="{BB962C8B-B14F-4D97-AF65-F5344CB8AC3E}">
+        <p14:creationId xmlns:p14="http://schemas.microsoft.com/office/powerpoint/2010/main" val="2573425930"/>
+      </p:ext>
+    </p:extLst>
+  </p:cSld>
+  <p:clrMapOvr>
+    <a:masterClrMapping/>
+  </p:clrMapOvr>
+  <p:transition spd="med"/>
+</p:sld>
+</file>
+
+<file path=ppt/slides/slide15.xml><?xml version="1.0" encoding="utf-8"?>
+<p:sld xmlns:a="http://schemas.openxmlformats.org/drawingml/2006/main" xmlns:r="http://schemas.openxmlformats.org/officeDocument/2006/relationships" xmlns:p="http://schemas.openxmlformats.org/presentationml/2006/main">
+  <p:cSld>
+    <p:spTree>
+      <p:nvGrpSpPr>
+        <p:cNvPr id="1" name=""/>
+        <p:cNvGrpSpPr/>
+        <p:nvPr/>
+      </p:nvGrpSpPr>
+      <p:grpSpPr>
+        <a:xfrm>
+          <a:off x="0" y="0"/>
+          <a:ext cx="0" cy="0"/>
+          <a:chOff x="0" y="0"/>
+          <a:chExt cx="0" cy="0"/>
+        </a:xfrm>
+      </p:grpSpPr>
+      <p:sp>
+        <p:nvSpPr>
+          <p:cNvPr id="4" name="Title 3">
+            <a:extLst>
+              <a:ext uri="{FF2B5EF4-FFF2-40B4-BE49-F238E27FC236}">
+                <a16:creationId xmlns:a16="http://schemas.microsoft.com/office/drawing/2014/main" id="{CC5E2F0B-67F5-49A0-BA6A-1B76D496ADA6}"/>
+              </a:ext>
+            </a:extLst>
+          </p:cNvPr>
+          <p:cNvSpPr>
+            <a:spLocks noGrp="1"/>
+          </p:cNvSpPr>
+          <p:nvPr>
+            <p:ph type="title"/>
+          </p:nvPr>
+        </p:nvSpPr>
+        <p:spPr/>
+        <p:txBody>
+          <a:bodyPr/>
+          <a:lstStyle/>
+          <a:p>
+            <a:r>
+              <a:rPr lang="en-US" dirty="0"/>
+              <a:t>VPC Deployment</a:t>
+            </a:r>
           </a:p>
         </p:txBody>
       </p:sp>
@@ -5243,6 +6391,151 @@
           <a:p>
             <a:r>
               <a:rPr lang="en-US" dirty="0"/>
+              <a:t>Located in 1 of 22 AWS Regions</a:t>
+            </a:r>
+          </a:p>
+          <a:p>
+            <a:r>
+              <a:rPr lang="en-US" dirty="0"/>
+              <a:t>Can host resources in </a:t>
+            </a:r>
+            <a:r>
+              <a:rPr lang="en-US" b="1" dirty="0"/>
+              <a:t>any</a:t>
+            </a:r>
+            <a:r>
+              <a:rPr lang="en-US" dirty="0"/>
+              <a:t> </a:t>
+            </a:r>
+          </a:p>
+          <a:p>
+            <a:pPr marL="0" indent="0">
+              <a:buNone/>
+            </a:pPr>
+            <a:r>
+              <a:rPr lang="en-US" dirty="0"/>
+              <a:t>Availability Zone within its Region</a:t>
+            </a:r>
+          </a:p>
+        </p:txBody>
+      </p:sp>
+      <p:pic>
+        <p:nvPicPr>
+          <p:cNvPr id="3" name="Picture 2">
+            <a:extLst>
+              <a:ext uri="{FF2B5EF4-FFF2-40B4-BE49-F238E27FC236}">
+                <a16:creationId xmlns:a16="http://schemas.microsoft.com/office/drawing/2014/main" id="{E2B9015D-4B77-49AF-B4C1-842658857885}"/>
+              </a:ext>
+            </a:extLst>
+          </p:cNvPr>
+          <p:cNvPicPr>
+            <a:picLocks noChangeAspect="1"/>
+          </p:cNvPicPr>
+          <p:nvPr/>
+        </p:nvPicPr>
+        <p:blipFill>
+          <a:blip r:embed="rId2"/>
+          <a:stretch>
+            <a:fillRect/>
+          </a:stretch>
+        </p:blipFill>
+        <p:spPr>
+          <a:xfrm>
+            <a:off x="5637301" y="288925"/>
+            <a:ext cx="5874215" cy="5752941"/>
+          </a:xfrm>
+          <a:prstGeom prst="rect">
+            <a:avLst/>
+          </a:prstGeom>
+        </p:spPr>
+      </p:pic>
+    </p:spTree>
+    <p:extLst>
+      <p:ext uri="{BB962C8B-B14F-4D97-AF65-F5344CB8AC3E}">
+        <p14:creationId xmlns:p14="http://schemas.microsoft.com/office/powerpoint/2010/main" val="1712277426"/>
+      </p:ext>
+    </p:extLst>
+  </p:cSld>
+  <p:clrMapOvr>
+    <a:masterClrMapping/>
+  </p:clrMapOvr>
+  <p:transition spd="med"/>
+</p:sld>
+</file>
+
+<file path=ppt/slides/slide16.xml><?xml version="1.0" encoding="utf-8"?>
+<p:sld xmlns:a="http://schemas.openxmlformats.org/drawingml/2006/main" xmlns:r="http://schemas.openxmlformats.org/officeDocument/2006/relationships" xmlns:p="http://schemas.openxmlformats.org/presentationml/2006/main">
+  <p:cSld>
+    <p:spTree>
+      <p:nvGrpSpPr>
+        <p:cNvPr id="1" name=""/>
+        <p:cNvGrpSpPr/>
+        <p:nvPr/>
+      </p:nvGrpSpPr>
+      <p:grpSpPr>
+        <a:xfrm>
+          <a:off x="0" y="0"/>
+          <a:ext cx="0" cy="0"/>
+          <a:chOff x="0" y="0"/>
+          <a:chExt cx="0" cy="0"/>
+        </a:xfrm>
+      </p:grpSpPr>
+      <p:sp>
+        <p:nvSpPr>
+          <p:cNvPr id="4" name="Title 3">
+            <a:extLst>
+              <a:ext uri="{FF2B5EF4-FFF2-40B4-BE49-F238E27FC236}">
+                <a16:creationId xmlns:a16="http://schemas.microsoft.com/office/drawing/2014/main" id="{CC5E2F0B-67F5-49A0-BA6A-1B76D496ADA6}"/>
+              </a:ext>
+            </a:extLst>
+          </p:cNvPr>
+          <p:cNvSpPr>
+            <a:spLocks noGrp="1"/>
+          </p:cNvSpPr>
+          <p:nvPr>
+            <p:ph type="title"/>
+          </p:nvPr>
+        </p:nvSpPr>
+        <p:spPr/>
+        <p:txBody>
+          <a:bodyPr/>
+          <a:lstStyle/>
+          <a:p>
+            <a:r>
+              <a:rPr lang="en-US" dirty="0"/>
+              <a:t>CIDR block of </a:t>
+            </a:r>
+            <a:r>
+              <a:rPr lang="en-US" dirty="0" err="1"/>
+              <a:t>vpc</a:t>
+            </a:r>
+            <a:endParaRPr lang="en-US" dirty="0"/>
+          </a:p>
+        </p:txBody>
+      </p:sp>
+      <p:sp>
+        <p:nvSpPr>
+          <p:cNvPr id="5" name="Text Placeholder 4">
+            <a:extLst>
+              <a:ext uri="{FF2B5EF4-FFF2-40B4-BE49-F238E27FC236}">
+                <a16:creationId xmlns:a16="http://schemas.microsoft.com/office/drawing/2014/main" id="{820F42A9-79D7-4349-9926-4AF55D7A6A29}"/>
+              </a:ext>
+            </a:extLst>
+          </p:cNvPr>
+          <p:cNvSpPr>
+            <a:spLocks noGrp="1"/>
+          </p:cNvSpPr>
+          <p:nvPr>
+            <p:ph type="body" idx="1"/>
+          </p:nvPr>
+        </p:nvSpPr>
+        <p:spPr/>
+        <p:txBody>
+          <a:bodyPr/>
+          <a:lstStyle/>
+          <a:p>
+            <a:r>
+              <a:rPr lang="en-US" dirty="0"/>
               <a:t>Each VPC reserves a range of </a:t>
             </a:r>
             <a:r>
@@ -5294,7 +6587,7 @@
 </p:sld>
 </file>
 
-<file path=ppt/slides/slide12.xml><?xml version="1.0" encoding="utf-8"?>
+<file path=ppt/slides/slide17.xml><?xml version="1.0" encoding="utf-8"?>
 <p:sld xmlns:a="http://schemas.openxmlformats.org/drawingml/2006/main" xmlns:r="http://schemas.openxmlformats.org/officeDocument/2006/relationships" xmlns:p="http://schemas.openxmlformats.org/presentationml/2006/main">
   <p:cSld>
     <p:spTree>
@@ -5658,7 +6951,7 @@
 </p:sld>
 </file>
 
-<file path=ppt/slides/slide13.xml><?xml version="1.0" encoding="utf-8"?>
+<file path=ppt/slides/slide18.xml><?xml version="1.0" encoding="utf-8"?>
 <p:sld xmlns:a="http://schemas.openxmlformats.org/drawingml/2006/main" xmlns:r="http://schemas.openxmlformats.org/officeDocument/2006/relationships" xmlns:p="http://schemas.openxmlformats.org/presentationml/2006/main">
   <p:cSld>
     <p:spTree>
@@ -5805,7 +7098,7 @@
 </p:sld>
 </file>
 
-<file path=ppt/slides/slide14.xml><?xml version="1.0" encoding="utf-8"?>
+<file path=ppt/slides/slide19.xml><?xml version="1.0" encoding="utf-8"?>
 <p:sld xmlns:a="http://schemas.openxmlformats.org/drawingml/2006/main" xmlns:r="http://schemas.openxmlformats.org/officeDocument/2006/relationships" xmlns:p="http://schemas.openxmlformats.org/presentationml/2006/main">
   <p:cSld>
     <p:spTree>
@@ -6130,7 +7423,658 @@
 </p:sld>
 </file>
 
-<file path=ppt/slides/slide15.xml><?xml version="1.0" encoding="utf-8"?>
+<file path=ppt/slides/slide2.xml><?xml version="1.0" encoding="utf-8"?>
+<p:sld xmlns:a="http://schemas.openxmlformats.org/drawingml/2006/main" xmlns:r="http://schemas.openxmlformats.org/officeDocument/2006/relationships" xmlns:p="http://schemas.openxmlformats.org/presentationml/2006/main">
+  <p:cSld>
+    <p:spTree>
+      <p:nvGrpSpPr>
+        <p:cNvPr id="1" name=""/>
+        <p:cNvGrpSpPr/>
+        <p:nvPr/>
+      </p:nvGrpSpPr>
+      <p:grpSpPr>
+        <a:xfrm>
+          <a:off x="0" y="0"/>
+          <a:ext cx="0" cy="0"/>
+          <a:chOff x="0" y="0"/>
+          <a:chExt cx="0" cy="0"/>
+        </a:xfrm>
+      </p:grpSpPr>
+      <p:sp>
+        <p:nvSpPr>
+          <p:cNvPr id="4" name="Title 3">
+            <a:extLst>
+              <a:ext uri="{FF2B5EF4-FFF2-40B4-BE49-F238E27FC236}">
+                <a16:creationId xmlns:a16="http://schemas.microsoft.com/office/drawing/2014/main" id="{CC5E2F0B-67F5-49A0-BA6A-1B76D496ADA6}"/>
+              </a:ext>
+            </a:extLst>
+          </p:cNvPr>
+          <p:cNvSpPr>
+            <a:spLocks noGrp="1"/>
+          </p:cNvSpPr>
+          <p:nvPr>
+            <p:ph type="title"/>
+          </p:nvPr>
+        </p:nvSpPr>
+        <p:spPr/>
+        <p:txBody>
+          <a:bodyPr/>
+          <a:lstStyle/>
+          <a:p>
+            <a:r>
+              <a:rPr lang="en-US" dirty="0"/>
+              <a:t>Preface – TCP/</a:t>
+            </a:r>
+            <a:r>
+              <a:rPr lang="en-US" dirty="0" err="1"/>
+              <a:t>ip</a:t>
+            </a:r>
+            <a:r>
+              <a:rPr lang="en-US" dirty="0"/>
+              <a:t> model</a:t>
+            </a:r>
+          </a:p>
+        </p:txBody>
+      </p:sp>
+      <p:pic>
+        <p:nvPicPr>
+          <p:cNvPr id="6146" name="Picture 2">
+            <a:extLst>
+              <a:ext uri="{FF2B5EF4-FFF2-40B4-BE49-F238E27FC236}">
+                <a16:creationId xmlns:a16="http://schemas.microsoft.com/office/drawing/2014/main" id="{BCFCF19F-FBBD-4870-B5F7-381B71BF1857}"/>
+              </a:ext>
+            </a:extLst>
+          </p:cNvPr>
+          <p:cNvPicPr>
+            <a:picLocks noChangeAspect="1" noChangeArrowheads="1"/>
+          </p:cNvPicPr>
+          <p:nvPr/>
+        </p:nvPicPr>
+        <p:blipFill>
+          <a:blip r:embed="rId2">
+            <a:extLst>
+              <a:ext uri="{28A0092B-C50C-407E-A947-70E740481C1C}">
+                <a14:useLocalDpi xmlns:a14="http://schemas.microsoft.com/office/drawing/2010/main" val="0"/>
+              </a:ext>
+            </a:extLst>
+          </a:blip>
+          <a:srcRect/>
+          <a:stretch>
+            <a:fillRect/>
+          </a:stretch>
+        </p:blipFill>
+        <p:spPr bwMode="auto">
+          <a:xfrm>
+            <a:off x="1162656" y="2110100"/>
+            <a:ext cx="5838903" cy="3447496"/>
+          </a:xfrm>
+          <a:prstGeom prst="rect">
+            <a:avLst/>
+          </a:prstGeom>
+          <a:noFill/>
+          <a:extLst>
+            <a:ext uri="{909E8E84-426E-40DD-AFC4-6F175D3DCCD1}">
+              <a14:hiddenFill xmlns:a14="http://schemas.microsoft.com/office/drawing/2010/main">
+                <a:solidFill>
+                  <a:srgbClr val="FFFFFF"/>
+                </a:solidFill>
+              </a14:hiddenFill>
+            </a:ext>
+          </a:extLst>
+        </p:spPr>
+      </p:pic>
+      <p:pic>
+        <p:nvPicPr>
+          <p:cNvPr id="11" name="Picture 10">
+            <a:extLst>
+              <a:ext uri="{FF2B5EF4-FFF2-40B4-BE49-F238E27FC236}">
+                <a16:creationId xmlns:a16="http://schemas.microsoft.com/office/drawing/2014/main" id="{BD014446-6F64-4073-923A-A649DBC36759}"/>
+              </a:ext>
+            </a:extLst>
+          </p:cNvPr>
+          <p:cNvPicPr>
+            <a:picLocks noChangeAspect="1"/>
+          </p:cNvPicPr>
+          <p:nvPr/>
+        </p:nvPicPr>
+        <p:blipFill>
+          <a:blip r:embed="rId3"/>
+          <a:stretch>
+            <a:fillRect/>
+          </a:stretch>
+        </p:blipFill>
+        <p:spPr>
+          <a:xfrm>
+            <a:off x="5023873" y="1279702"/>
+            <a:ext cx="6423829" cy="4947384"/>
+          </a:xfrm>
+          <a:prstGeom prst="rect">
+            <a:avLst/>
+          </a:prstGeom>
+        </p:spPr>
+      </p:pic>
+      <p:cxnSp>
+        <p:nvCxnSpPr>
+          <p:cNvPr id="6" name="Straight Connector 5">
+            <a:extLst>
+              <a:ext uri="{FF2B5EF4-FFF2-40B4-BE49-F238E27FC236}">
+                <a16:creationId xmlns:a16="http://schemas.microsoft.com/office/drawing/2014/main" id="{0DC7290E-500A-4B2A-983F-5DD05ED9C14A}"/>
+              </a:ext>
+            </a:extLst>
+          </p:cNvPr>
+          <p:cNvCxnSpPr/>
+          <p:nvPr/>
+        </p:nvCxnSpPr>
+        <p:spPr>
+          <a:xfrm flipH="1">
+            <a:off x="4161939" y="2593670"/>
+            <a:ext cx="1723868" cy="0"/>
+          </a:xfrm>
+          <a:prstGeom prst="line">
+            <a:avLst/>
+          </a:prstGeom>
+          <a:noFill/>
+          <a:ln w="25400" cap="flat">
+            <a:solidFill>
+              <a:schemeClr val="bg1"/>
+            </a:solidFill>
+            <a:prstDash val="dash"/>
+            <a:round/>
+          </a:ln>
+          <a:effectLst/>
+          <a:sp3d/>
+        </p:spPr>
+        <p:style>
+          <a:lnRef idx="0">
+            <a:scrgbClr r="0" g="0" b="0"/>
+          </a:lnRef>
+          <a:fillRef idx="0">
+            <a:scrgbClr r="0" g="0" b="0"/>
+          </a:fillRef>
+          <a:effectRef idx="0">
+            <a:scrgbClr r="0" g="0" b="0"/>
+          </a:effectRef>
+          <a:fontRef idx="none"/>
+        </p:style>
+      </p:cxnSp>
+      <p:cxnSp>
+        <p:nvCxnSpPr>
+          <p:cNvPr id="8" name="Straight Connector 7">
+            <a:extLst>
+              <a:ext uri="{FF2B5EF4-FFF2-40B4-BE49-F238E27FC236}">
+                <a16:creationId xmlns:a16="http://schemas.microsoft.com/office/drawing/2014/main" id="{4AB201F0-212E-4800-A2C0-517854707DE3}"/>
+              </a:ext>
+            </a:extLst>
+          </p:cNvPr>
+          <p:cNvCxnSpPr/>
+          <p:nvPr/>
+        </p:nvCxnSpPr>
+        <p:spPr>
+          <a:xfrm flipH="1">
+            <a:off x="4161939" y="3474342"/>
+            <a:ext cx="1723868" cy="0"/>
+          </a:xfrm>
+          <a:prstGeom prst="line">
+            <a:avLst/>
+          </a:prstGeom>
+          <a:noFill/>
+          <a:ln w="25400" cap="flat">
+            <a:solidFill>
+              <a:schemeClr val="bg1"/>
+            </a:solidFill>
+            <a:prstDash val="dash"/>
+            <a:round/>
+          </a:ln>
+          <a:effectLst/>
+          <a:sp3d/>
+        </p:spPr>
+        <p:style>
+          <a:lnRef idx="0">
+            <a:scrgbClr r="0" g="0" b="0"/>
+          </a:lnRef>
+          <a:fillRef idx="0">
+            <a:scrgbClr r="0" g="0" b="0"/>
+          </a:fillRef>
+          <a:effectRef idx="0">
+            <a:scrgbClr r="0" g="0" b="0"/>
+          </a:effectRef>
+          <a:fontRef idx="none"/>
+        </p:style>
+      </p:cxnSp>
+      <p:cxnSp>
+        <p:nvCxnSpPr>
+          <p:cNvPr id="9" name="Straight Connector 8">
+            <a:extLst>
+              <a:ext uri="{FF2B5EF4-FFF2-40B4-BE49-F238E27FC236}">
+                <a16:creationId xmlns:a16="http://schemas.microsoft.com/office/drawing/2014/main" id="{B63AD307-1F49-41E3-8A5F-BCBCCD512528}"/>
+              </a:ext>
+            </a:extLst>
+          </p:cNvPr>
+          <p:cNvCxnSpPr/>
+          <p:nvPr/>
+        </p:nvCxnSpPr>
+        <p:spPr>
+          <a:xfrm flipH="1">
+            <a:off x="4161939" y="4253830"/>
+            <a:ext cx="1723868" cy="0"/>
+          </a:xfrm>
+          <a:prstGeom prst="line">
+            <a:avLst/>
+          </a:prstGeom>
+          <a:noFill/>
+          <a:ln w="25400" cap="flat">
+            <a:solidFill>
+              <a:schemeClr val="bg1"/>
+            </a:solidFill>
+            <a:prstDash val="dash"/>
+            <a:round/>
+          </a:ln>
+          <a:effectLst/>
+          <a:sp3d/>
+        </p:spPr>
+        <p:style>
+          <a:lnRef idx="0">
+            <a:scrgbClr r="0" g="0" b="0"/>
+          </a:lnRef>
+          <a:fillRef idx="0">
+            <a:scrgbClr r="0" g="0" b="0"/>
+          </a:fillRef>
+          <a:effectRef idx="0">
+            <a:scrgbClr r="0" g="0" b="0"/>
+          </a:effectRef>
+          <a:fontRef idx="none"/>
+        </p:style>
+      </p:cxnSp>
+      <p:cxnSp>
+        <p:nvCxnSpPr>
+          <p:cNvPr id="10" name="Straight Connector 9">
+            <a:extLst>
+              <a:ext uri="{FF2B5EF4-FFF2-40B4-BE49-F238E27FC236}">
+                <a16:creationId xmlns:a16="http://schemas.microsoft.com/office/drawing/2014/main" id="{11E5E8C8-10CB-4AAC-97BD-B420E413D3E5}"/>
+              </a:ext>
+            </a:extLst>
+          </p:cNvPr>
+          <p:cNvCxnSpPr>
+            <a:cxnSpLocks/>
+          </p:cNvCxnSpPr>
+          <p:nvPr/>
+        </p:nvCxnSpPr>
+        <p:spPr>
+          <a:xfrm flipH="1">
+            <a:off x="4903952" y="5108269"/>
+            <a:ext cx="981855" cy="0"/>
+          </a:xfrm>
+          <a:prstGeom prst="line">
+            <a:avLst/>
+          </a:prstGeom>
+          <a:noFill/>
+          <a:ln w="25400" cap="flat">
+            <a:solidFill>
+              <a:schemeClr val="bg1"/>
+            </a:solidFill>
+            <a:prstDash val="dash"/>
+            <a:round/>
+          </a:ln>
+          <a:effectLst/>
+          <a:sp3d/>
+        </p:spPr>
+        <p:style>
+          <a:lnRef idx="0">
+            <a:scrgbClr r="0" g="0" b="0"/>
+          </a:lnRef>
+          <a:fillRef idx="0">
+            <a:scrgbClr r="0" g="0" b="0"/>
+          </a:fillRef>
+          <a:effectRef idx="0">
+            <a:scrgbClr r="0" g="0" b="0"/>
+          </a:effectRef>
+          <a:fontRef idx="none"/>
+        </p:style>
+      </p:cxnSp>
+      <p:sp>
+        <p:nvSpPr>
+          <p:cNvPr id="2" name="Left Brace 1">
+            <a:extLst>
+              <a:ext uri="{FF2B5EF4-FFF2-40B4-BE49-F238E27FC236}">
+                <a16:creationId xmlns:a16="http://schemas.microsoft.com/office/drawing/2014/main" id="{4E8BD736-8846-4E8C-B149-D4CA2ADE2D7A}"/>
+              </a:ext>
+            </a:extLst>
+          </p:cNvPr>
+          <p:cNvSpPr/>
+          <p:nvPr/>
+        </p:nvSpPr>
+        <p:spPr>
+          <a:xfrm>
+            <a:off x="1273290" y="2992594"/>
+            <a:ext cx="623523" cy="1586961"/>
+          </a:xfrm>
+          <a:prstGeom prst="leftBrace">
+            <a:avLst>
+              <a:gd name="adj1" fmla="val 8333"/>
+              <a:gd name="adj2" fmla="val 50000"/>
+            </a:avLst>
+          </a:prstGeom>
+          <a:noFill/>
+          <a:ln w="25400" cap="flat">
+            <a:solidFill>
+              <a:schemeClr val="bg1"/>
+            </a:solidFill>
+            <a:prstDash val="solid"/>
+            <a:round/>
+          </a:ln>
+          <a:effectLst/>
+          <a:sp3d/>
+        </p:spPr>
+        <p:style>
+          <a:lnRef idx="0">
+            <a:scrgbClr r="0" g="0" b="0"/>
+          </a:lnRef>
+          <a:fillRef idx="0">
+            <a:scrgbClr r="0" g="0" b="0"/>
+          </a:fillRef>
+          <a:effectRef idx="0">
+            <a:scrgbClr r="0" g="0" b="0"/>
+          </a:effectRef>
+          <a:fontRef idx="none"/>
+        </p:style>
+        <p:txBody>
+          <a:bodyPr rot="0" spcFirstLastPara="1" vertOverflow="overflow" horzOverflow="overflow" vert="horz" wrap="square" lIns="91439" tIns="45719" rIns="91439" bIns="45719" numCol="1" spcCol="38100" rtlCol="0" anchor="t">
+            <a:noAutofit/>
+          </a:bodyPr>
+          <a:lstStyle/>
+          <a:p>
+            <a:pPr marL="0" marR="0" indent="0" algn="l" defTabSz="914400" rtl="0" fontAlgn="auto" latinLnBrk="1" hangingPunct="0">
+              <a:lnSpc>
+                <a:spcPct val="100000"/>
+              </a:lnSpc>
+              <a:spcBef>
+                <a:spcPts val="0"/>
+              </a:spcBef>
+              <a:spcAft>
+                <a:spcPts val="0"/>
+              </a:spcAft>
+              <a:buClrTx/>
+              <a:buSzTx/>
+              <a:buFontTx/>
+              <a:buNone/>
+              <a:tabLst/>
+            </a:pPr>
+            <a:endParaRPr kumimoji="0" lang="en-US" sz="1800" b="0" i="0" u="none" strike="noStrike" cap="none" spc="0" normalizeH="0" baseline="0">
+              <a:ln>
+                <a:solidFill>
+                  <a:schemeClr val="bg1"/>
+                </a:solidFill>
+              </a:ln>
+              <a:solidFill>
+                <a:srgbClr val="000000"/>
+              </a:solidFill>
+              <a:effectLst/>
+              <a:uFillTx/>
+            </a:endParaRPr>
+          </a:p>
+        </p:txBody>
+      </p:sp>
+      <p:sp>
+        <p:nvSpPr>
+          <p:cNvPr id="3" name="TextBox 2">
+            <a:extLst>
+              <a:ext uri="{FF2B5EF4-FFF2-40B4-BE49-F238E27FC236}">
+                <a16:creationId xmlns:a16="http://schemas.microsoft.com/office/drawing/2014/main" id="{14504B72-C2C4-41CD-82C7-4E10132DE658}"/>
+              </a:ext>
+            </a:extLst>
+          </p:cNvPr>
+          <p:cNvSpPr txBox="1"/>
+          <p:nvPr/>
+        </p:nvSpPr>
+        <p:spPr>
+          <a:xfrm>
+            <a:off x="633338" y="3517434"/>
+            <a:ext cx="380869" cy="471920"/>
+          </a:xfrm>
+          <a:prstGeom prst="rect">
+            <a:avLst/>
+          </a:prstGeom>
+          <a:noFill/>
+          <a:ln w="12700" cap="flat">
+            <a:noFill/>
+            <a:miter lim="400000"/>
+          </a:ln>
+          <a:effectLst/>
+          <a:sp3d/>
+        </p:spPr>
+        <p:style>
+          <a:lnRef idx="0">
+            <a:scrgbClr r="0" g="0" b="0"/>
+          </a:lnRef>
+          <a:fillRef idx="0">
+            <a:scrgbClr r="0" g="0" b="0"/>
+          </a:fillRef>
+          <a:effectRef idx="0">
+            <a:scrgbClr r="0" g="0" b="0"/>
+          </a:effectRef>
+          <a:fontRef idx="none"/>
+        </p:style>
+        <p:txBody>
+          <a:bodyPr rot="0" spcFirstLastPara="1" vertOverflow="overflow" horzOverflow="overflow" vert="horz" wrap="none" lIns="45718" tIns="45718" rIns="45718" bIns="45718" numCol="1" spcCol="38100" rtlCol="0" anchor="t">
+            <a:spAutoFit/>
+          </a:bodyPr>
+          <a:lstStyle/>
+          <a:p>
+            <a:pPr marL="0" marR="0" indent="0" algn="l" defTabSz="914400" rtl="0" fontAlgn="auto" latinLnBrk="0" hangingPunct="0">
+              <a:lnSpc>
+                <a:spcPct val="90000"/>
+              </a:lnSpc>
+              <a:spcBef>
+                <a:spcPts val="800"/>
+              </a:spcBef>
+              <a:spcAft>
+                <a:spcPts val="0"/>
+              </a:spcAft>
+              <a:buClrTx/>
+              <a:buSzTx/>
+              <a:buFontTx/>
+              <a:buNone/>
+              <a:tabLst/>
+            </a:pPr>
+            <a:r>
+              <a:rPr kumimoji="0" lang="en-US" sz="2000" b="0" i="0" u="none" strike="noStrike" cap="none" spc="0" normalizeH="0" baseline="0" dirty="0">
+                <a:ln>
+                  <a:noFill/>
+                </a:ln>
+                <a:solidFill>
+                  <a:schemeClr val="bg1"/>
+                </a:solidFill>
+                <a:effectLst/>
+                <a:uFillTx/>
+                <a:latin typeface="+mn-lt"/>
+                <a:ea typeface="+mn-ea"/>
+                <a:cs typeface="+mn-cs"/>
+                <a:sym typeface="AccordAlternate Bold"/>
+              </a:rPr>
+              <a:t>OS</a:t>
+            </a:r>
+          </a:p>
+        </p:txBody>
+      </p:sp>
+      <p:sp>
+        <p:nvSpPr>
+          <p:cNvPr id="5" name="TextBox 4">
+            <a:extLst>
+              <a:ext uri="{FF2B5EF4-FFF2-40B4-BE49-F238E27FC236}">
+                <a16:creationId xmlns:a16="http://schemas.microsoft.com/office/drawing/2014/main" id="{33B890B4-D6C1-4239-8FB5-4F36A25A88D3}"/>
+              </a:ext>
+            </a:extLst>
+          </p:cNvPr>
+          <p:cNvSpPr txBox="1"/>
+          <p:nvPr/>
+        </p:nvSpPr>
+        <p:spPr>
+          <a:xfrm>
+            <a:off x="457809" y="4745811"/>
+            <a:ext cx="731928" cy="471920"/>
+          </a:xfrm>
+          <a:prstGeom prst="rect">
+            <a:avLst/>
+          </a:prstGeom>
+          <a:noFill/>
+          <a:ln w="12700" cap="flat">
+            <a:noFill/>
+            <a:miter lim="400000"/>
+          </a:ln>
+          <a:effectLst/>
+          <a:sp3d/>
+        </p:spPr>
+        <p:style>
+          <a:lnRef idx="0">
+            <a:scrgbClr r="0" g="0" b="0"/>
+          </a:lnRef>
+          <a:fillRef idx="0">
+            <a:scrgbClr r="0" g="0" b="0"/>
+          </a:fillRef>
+          <a:effectRef idx="0">
+            <a:scrgbClr r="0" g="0" b="0"/>
+          </a:effectRef>
+          <a:fontRef idx="none"/>
+        </p:style>
+        <p:txBody>
+          <a:bodyPr rot="0" spcFirstLastPara="1" vertOverflow="overflow" horzOverflow="overflow" vert="horz" wrap="none" lIns="45718" tIns="45718" rIns="45718" bIns="45718" numCol="1" spcCol="38100" rtlCol="0" anchor="t">
+            <a:spAutoFit/>
+          </a:bodyPr>
+          <a:lstStyle/>
+          <a:p>
+            <a:pPr marL="0" marR="0" indent="0" algn="l" defTabSz="914400" rtl="0" fontAlgn="auto" latinLnBrk="0" hangingPunct="0">
+              <a:lnSpc>
+                <a:spcPct val="90000"/>
+              </a:lnSpc>
+              <a:spcBef>
+                <a:spcPts val="800"/>
+              </a:spcBef>
+              <a:spcAft>
+                <a:spcPts val="0"/>
+              </a:spcAft>
+              <a:buClrTx/>
+              <a:buSzTx/>
+              <a:buFontTx/>
+              <a:buNone/>
+              <a:tabLst/>
+            </a:pPr>
+            <a:r>
+              <a:rPr kumimoji="0" lang="en-US" sz="2000" b="0" i="0" u="none" strike="noStrike" cap="none" spc="0" normalizeH="0" baseline="0" dirty="0">
+                <a:ln>
+                  <a:noFill/>
+                </a:ln>
+                <a:solidFill>
+                  <a:schemeClr val="bg1"/>
+                </a:solidFill>
+                <a:effectLst/>
+                <a:uFillTx/>
+                <a:latin typeface="+mn-lt"/>
+                <a:ea typeface="+mn-ea"/>
+                <a:cs typeface="+mn-cs"/>
+                <a:sym typeface="AccordAlternate Bold"/>
+              </a:rPr>
+              <a:t>Driver</a:t>
+            </a:r>
+          </a:p>
+        </p:txBody>
+      </p:sp>
+      <p:sp>
+        <p:nvSpPr>
+          <p:cNvPr id="7" name="TextBox 6">
+            <a:extLst>
+              <a:ext uri="{FF2B5EF4-FFF2-40B4-BE49-F238E27FC236}">
+                <a16:creationId xmlns:a16="http://schemas.microsoft.com/office/drawing/2014/main" id="{C3F95400-AAD7-45F1-A17C-97B1DA80812D}"/>
+              </a:ext>
+            </a:extLst>
+          </p:cNvPr>
+          <p:cNvSpPr txBox="1"/>
+          <p:nvPr/>
+        </p:nvSpPr>
+        <p:spPr>
+          <a:xfrm>
+            <a:off x="1287893" y="5130940"/>
+            <a:ext cx="891136" cy="333421"/>
+          </a:xfrm>
+          <a:prstGeom prst="rect">
+            <a:avLst/>
+          </a:prstGeom>
+          <a:noFill/>
+          <a:ln w="12700" cap="flat">
+            <a:noFill/>
+            <a:miter lim="400000"/>
+          </a:ln>
+          <a:effectLst/>
+          <a:sp3d/>
+        </p:spPr>
+        <p:style>
+          <a:lnRef idx="0">
+            <a:scrgbClr r="0" g="0" b="0"/>
+          </a:lnRef>
+          <a:fillRef idx="0">
+            <a:scrgbClr r="0" g="0" b="0"/>
+          </a:fillRef>
+          <a:effectRef idx="0">
+            <a:scrgbClr r="0" g="0" b="0"/>
+          </a:effectRef>
+          <a:fontRef idx="none"/>
+        </p:style>
+        <p:txBody>
+          <a:bodyPr rot="0" spcFirstLastPara="1" vertOverflow="overflow" horzOverflow="overflow" vert="horz" wrap="square" lIns="45718" tIns="45718" rIns="45718" bIns="45718" numCol="1" spcCol="38100" rtlCol="0" anchor="t">
+            <a:spAutoFit/>
+          </a:bodyPr>
+          <a:lstStyle/>
+          <a:p>
+            <a:pPr marL="0" marR="0" indent="0" algn="l" defTabSz="914400" rtl="0" fontAlgn="auto" latinLnBrk="0" hangingPunct="0">
+              <a:lnSpc>
+                <a:spcPct val="90000"/>
+              </a:lnSpc>
+              <a:spcBef>
+                <a:spcPts val="800"/>
+              </a:spcBef>
+              <a:spcAft>
+                <a:spcPts val="0"/>
+              </a:spcAft>
+              <a:buClrTx/>
+              <a:buSzTx/>
+              <a:buFontTx/>
+              <a:buNone/>
+              <a:tabLst/>
+            </a:pPr>
+            <a:r>
+              <a:rPr kumimoji="0" lang="en-US" sz="1000" b="0" i="0" u="none" strike="noStrike" cap="none" spc="0" normalizeH="0" baseline="0" dirty="0">
+                <a:ln>
+                  <a:noFill/>
+                </a:ln>
+                <a:solidFill>
+                  <a:schemeClr val="bg1"/>
+                </a:solidFill>
+                <a:effectLst/>
+                <a:uFillTx/>
+                <a:latin typeface="+mn-lt"/>
+                <a:ea typeface="+mn-ea"/>
+                <a:cs typeface="+mn-cs"/>
+                <a:sym typeface="AccordAlternate Bold"/>
+              </a:rPr>
+              <a:t>MAC address</a:t>
+            </a:r>
+          </a:p>
+        </p:txBody>
+      </p:sp>
+    </p:spTree>
+    <p:extLst>
+      <p:ext uri="{BB962C8B-B14F-4D97-AF65-F5344CB8AC3E}">
+        <p14:creationId xmlns:p14="http://schemas.microsoft.com/office/powerpoint/2010/main" val="3925842093"/>
+      </p:ext>
+    </p:extLst>
+  </p:cSld>
+  <p:clrMapOvr>
+    <a:masterClrMapping/>
+  </p:clrMapOvr>
+  <p:transition spd="med"/>
+</p:sld>
+</file>
+
+<file path=ppt/slides/slide20.xml><?xml version="1.0" encoding="utf-8"?>
 <p:sld xmlns:a="http://schemas.openxmlformats.org/drawingml/2006/main" xmlns:r="http://schemas.openxmlformats.org/officeDocument/2006/relationships" xmlns:p="http://schemas.openxmlformats.org/presentationml/2006/main">
   <p:cSld>
     <p:spTree>
@@ -6400,7 +8344,7 @@
 </p:sld>
 </file>
 
-<file path=ppt/slides/slide16.xml><?xml version="1.0" encoding="utf-8"?>
+<file path=ppt/slides/slide21.xml><?xml version="1.0" encoding="utf-8"?>
 <p:sld xmlns:a="http://schemas.openxmlformats.org/drawingml/2006/main" xmlns:r="http://schemas.openxmlformats.org/officeDocument/2006/relationships" xmlns:p="http://schemas.openxmlformats.org/presentationml/2006/main">
   <p:cSld>
     <p:spTree>
@@ -6556,7 +8500,7 @@
 </p:sld>
 </file>
 
-<file path=ppt/slides/slide17.xml><?xml version="1.0" encoding="utf-8"?>
+<file path=ppt/slides/slide22.xml><?xml version="1.0" encoding="utf-8"?>
 <p:sld xmlns:a="http://schemas.openxmlformats.org/drawingml/2006/main" xmlns:r="http://schemas.openxmlformats.org/officeDocument/2006/relationships" xmlns:p="http://schemas.openxmlformats.org/presentationml/2006/main">
   <p:cSld>
     <p:spTree>
@@ -7062,7 +9006,74 @@
 </p:sld>
 </file>
 
-<file path=ppt/slides/slide18.xml><?xml version="1.0" encoding="utf-8"?>
+<file path=ppt/slides/slide23.xml><?xml version="1.0" encoding="utf-8"?>
+<p:sld xmlns:a="http://schemas.openxmlformats.org/drawingml/2006/main" xmlns:r="http://schemas.openxmlformats.org/officeDocument/2006/relationships" xmlns:p="http://schemas.openxmlformats.org/presentationml/2006/main">
+  <p:cSld>
+    <p:spTree>
+      <p:nvGrpSpPr>
+        <p:cNvPr id="1" name=""/>
+        <p:cNvGrpSpPr/>
+        <p:nvPr/>
+      </p:nvGrpSpPr>
+      <p:grpSpPr>
+        <a:xfrm>
+          <a:off x="0" y="0"/>
+          <a:ext cx="0" cy="0"/>
+          <a:chOff x="0" y="0"/>
+          <a:chExt cx="0" cy="0"/>
+        </a:xfrm>
+      </p:grpSpPr>
+      <p:sp>
+        <p:nvSpPr>
+          <p:cNvPr id="3" name="Title 2">
+            <a:extLst>
+              <a:ext uri="{FF2B5EF4-FFF2-40B4-BE49-F238E27FC236}">
+                <a16:creationId xmlns:a16="http://schemas.microsoft.com/office/drawing/2014/main" id="{2DDAC821-55EE-4A40-B8B7-6B13F4B9DE25}"/>
+              </a:ext>
+            </a:extLst>
+          </p:cNvPr>
+          <p:cNvSpPr>
+            <a:spLocks noGrp="1"/>
+          </p:cNvSpPr>
+          <p:nvPr>
+            <p:ph type="title"/>
+          </p:nvPr>
+        </p:nvSpPr>
+        <p:spPr>
+          <a:xfrm>
+            <a:off x="0" y="0"/>
+            <a:ext cx="12192000" cy="6858000"/>
+          </a:xfrm>
+        </p:spPr>
+        <p:txBody>
+          <a:bodyPr>
+            <a:normAutofit/>
+          </a:bodyPr>
+          <a:lstStyle/>
+          <a:p>
+            <a:pPr algn="ctr"/>
+            <a:r>
+              <a:rPr lang="en-US" dirty="0"/>
+              <a:t>Q&amp;A</a:t>
+            </a:r>
+          </a:p>
+        </p:txBody>
+      </p:sp>
+    </p:spTree>
+    <p:extLst>
+      <p:ext uri="{BB962C8B-B14F-4D97-AF65-F5344CB8AC3E}">
+        <p14:creationId xmlns:p14="http://schemas.microsoft.com/office/powerpoint/2010/main" val="318896683"/>
+      </p:ext>
+    </p:extLst>
+  </p:cSld>
+  <p:clrMapOvr>
+    <a:masterClrMapping/>
+  </p:clrMapOvr>
+  <p:transition spd="med"/>
+</p:sld>
+</file>
+
+<file path=ppt/slides/slide24.xml><?xml version="1.0" encoding="utf-8"?>
 <p:sld xmlns:a="http://schemas.openxmlformats.org/drawingml/2006/main" xmlns:r="http://schemas.openxmlformats.org/officeDocument/2006/relationships" xmlns:p="http://schemas.openxmlformats.org/presentationml/2006/main">
   <p:cSld>
     <p:spTree>
@@ -7196,7 +9207,7 @@
 </p:sld>
 </file>
 
-<file path=ppt/slides/slide19.xml><?xml version="1.0" encoding="utf-8"?>
+<file path=ppt/slides/slide25.xml><?xml version="1.0" encoding="utf-8"?>
 <p:sld xmlns:a="http://schemas.openxmlformats.org/drawingml/2006/main" xmlns:r="http://schemas.openxmlformats.org/officeDocument/2006/relationships" xmlns:p="http://schemas.openxmlformats.org/presentationml/2006/main">
   <p:cSld>
     <p:spTree>
@@ -7451,658 +9462,7 @@
 </p:sld>
 </file>
 
-<file path=ppt/slides/slide2.xml><?xml version="1.0" encoding="utf-8"?>
-<p:sld xmlns:a="http://schemas.openxmlformats.org/drawingml/2006/main" xmlns:r="http://schemas.openxmlformats.org/officeDocument/2006/relationships" xmlns:p="http://schemas.openxmlformats.org/presentationml/2006/main">
-  <p:cSld>
-    <p:spTree>
-      <p:nvGrpSpPr>
-        <p:cNvPr id="1" name=""/>
-        <p:cNvGrpSpPr/>
-        <p:nvPr/>
-      </p:nvGrpSpPr>
-      <p:grpSpPr>
-        <a:xfrm>
-          <a:off x="0" y="0"/>
-          <a:ext cx="0" cy="0"/>
-          <a:chOff x="0" y="0"/>
-          <a:chExt cx="0" cy="0"/>
-        </a:xfrm>
-      </p:grpSpPr>
-      <p:sp>
-        <p:nvSpPr>
-          <p:cNvPr id="4" name="Title 3">
-            <a:extLst>
-              <a:ext uri="{FF2B5EF4-FFF2-40B4-BE49-F238E27FC236}">
-                <a16:creationId xmlns:a16="http://schemas.microsoft.com/office/drawing/2014/main" id="{CC5E2F0B-67F5-49A0-BA6A-1B76D496ADA6}"/>
-              </a:ext>
-            </a:extLst>
-          </p:cNvPr>
-          <p:cNvSpPr>
-            <a:spLocks noGrp="1"/>
-          </p:cNvSpPr>
-          <p:nvPr>
-            <p:ph type="title"/>
-          </p:nvPr>
-        </p:nvSpPr>
-        <p:spPr/>
-        <p:txBody>
-          <a:bodyPr/>
-          <a:lstStyle/>
-          <a:p>
-            <a:r>
-              <a:rPr lang="en-US" dirty="0"/>
-              <a:t>Preface – TCP/</a:t>
-            </a:r>
-            <a:r>
-              <a:rPr lang="en-US" dirty="0" err="1"/>
-              <a:t>ip</a:t>
-            </a:r>
-            <a:r>
-              <a:rPr lang="en-US" dirty="0"/>
-              <a:t> model</a:t>
-            </a:r>
-          </a:p>
-        </p:txBody>
-      </p:sp>
-      <p:pic>
-        <p:nvPicPr>
-          <p:cNvPr id="6146" name="Picture 2">
-            <a:extLst>
-              <a:ext uri="{FF2B5EF4-FFF2-40B4-BE49-F238E27FC236}">
-                <a16:creationId xmlns:a16="http://schemas.microsoft.com/office/drawing/2014/main" id="{BCFCF19F-FBBD-4870-B5F7-381B71BF1857}"/>
-              </a:ext>
-            </a:extLst>
-          </p:cNvPr>
-          <p:cNvPicPr>
-            <a:picLocks noChangeAspect="1" noChangeArrowheads="1"/>
-          </p:cNvPicPr>
-          <p:nvPr/>
-        </p:nvPicPr>
-        <p:blipFill>
-          <a:blip r:embed="rId2">
-            <a:extLst>
-              <a:ext uri="{28A0092B-C50C-407E-A947-70E740481C1C}">
-                <a14:useLocalDpi xmlns:a14="http://schemas.microsoft.com/office/drawing/2010/main" val="0"/>
-              </a:ext>
-            </a:extLst>
-          </a:blip>
-          <a:srcRect/>
-          <a:stretch>
-            <a:fillRect/>
-          </a:stretch>
-        </p:blipFill>
-        <p:spPr bwMode="auto">
-          <a:xfrm>
-            <a:off x="1162656" y="2110100"/>
-            <a:ext cx="5838903" cy="3447496"/>
-          </a:xfrm>
-          <a:prstGeom prst="rect">
-            <a:avLst/>
-          </a:prstGeom>
-          <a:noFill/>
-          <a:extLst>
-            <a:ext uri="{909E8E84-426E-40DD-AFC4-6F175D3DCCD1}">
-              <a14:hiddenFill xmlns:a14="http://schemas.microsoft.com/office/drawing/2010/main">
-                <a:solidFill>
-                  <a:srgbClr val="FFFFFF"/>
-                </a:solidFill>
-              </a14:hiddenFill>
-            </a:ext>
-          </a:extLst>
-        </p:spPr>
-      </p:pic>
-      <p:pic>
-        <p:nvPicPr>
-          <p:cNvPr id="11" name="Picture 10">
-            <a:extLst>
-              <a:ext uri="{FF2B5EF4-FFF2-40B4-BE49-F238E27FC236}">
-                <a16:creationId xmlns:a16="http://schemas.microsoft.com/office/drawing/2014/main" id="{BD014446-6F64-4073-923A-A649DBC36759}"/>
-              </a:ext>
-            </a:extLst>
-          </p:cNvPr>
-          <p:cNvPicPr>
-            <a:picLocks noChangeAspect="1"/>
-          </p:cNvPicPr>
-          <p:nvPr/>
-        </p:nvPicPr>
-        <p:blipFill>
-          <a:blip r:embed="rId3"/>
-          <a:stretch>
-            <a:fillRect/>
-          </a:stretch>
-        </p:blipFill>
-        <p:spPr>
-          <a:xfrm>
-            <a:off x="5023873" y="1279702"/>
-            <a:ext cx="6423829" cy="4947384"/>
-          </a:xfrm>
-          <a:prstGeom prst="rect">
-            <a:avLst/>
-          </a:prstGeom>
-        </p:spPr>
-      </p:pic>
-      <p:cxnSp>
-        <p:nvCxnSpPr>
-          <p:cNvPr id="6" name="Straight Connector 5">
-            <a:extLst>
-              <a:ext uri="{FF2B5EF4-FFF2-40B4-BE49-F238E27FC236}">
-                <a16:creationId xmlns:a16="http://schemas.microsoft.com/office/drawing/2014/main" id="{0DC7290E-500A-4B2A-983F-5DD05ED9C14A}"/>
-              </a:ext>
-            </a:extLst>
-          </p:cNvPr>
-          <p:cNvCxnSpPr/>
-          <p:nvPr/>
-        </p:nvCxnSpPr>
-        <p:spPr>
-          <a:xfrm flipH="1">
-            <a:off x="4161939" y="2593670"/>
-            <a:ext cx="1723868" cy="0"/>
-          </a:xfrm>
-          <a:prstGeom prst="line">
-            <a:avLst/>
-          </a:prstGeom>
-          <a:noFill/>
-          <a:ln w="25400" cap="flat">
-            <a:solidFill>
-              <a:schemeClr val="bg1"/>
-            </a:solidFill>
-            <a:prstDash val="dash"/>
-            <a:round/>
-          </a:ln>
-          <a:effectLst/>
-          <a:sp3d/>
-        </p:spPr>
-        <p:style>
-          <a:lnRef idx="0">
-            <a:scrgbClr r="0" g="0" b="0"/>
-          </a:lnRef>
-          <a:fillRef idx="0">
-            <a:scrgbClr r="0" g="0" b="0"/>
-          </a:fillRef>
-          <a:effectRef idx="0">
-            <a:scrgbClr r="0" g="0" b="0"/>
-          </a:effectRef>
-          <a:fontRef idx="none"/>
-        </p:style>
-      </p:cxnSp>
-      <p:cxnSp>
-        <p:nvCxnSpPr>
-          <p:cNvPr id="8" name="Straight Connector 7">
-            <a:extLst>
-              <a:ext uri="{FF2B5EF4-FFF2-40B4-BE49-F238E27FC236}">
-                <a16:creationId xmlns:a16="http://schemas.microsoft.com/office/drawing/2014/main" id="{4AB201F0-212E-4800-A2C0-517854707DE3}"/>
-              </a:ext>
-            </a:extLst>
-          </p:cNvPr>
-          <p:cNvCxnSpPr/>
-          <p:nvPr/>
-        </p:nvCxnSpPr>
-        <p:spPr>
-          <a:xfrm flipH="1">
-            <a:off x="4161939" y="3474342"/>
-            <a:ext cx="1723868" cy="0"/>
-          </a:xfrm>
-          <a:prstGeom prst="line">
-            <a:avLst/>
-          </a:prstGeom>
-          <a:noFill/>
-          <a:ln w="25400" cap="flat">
-            <a:solidFill>
-              <a:schemeClr val="bg1"/>
-            </a:solidFill>
-            <a:prstDash val="dash"/>
-            <a:round/>
-          </a:ln>
-          <a:effectLst/>
-          <a:sp3d/>
-        </p:spPr>
-        <p:style>
-          <a:lnRef idx="0">
-            <a:scrgbClr r="0" g="0" b="0"/>
-          </a:lnRef>
-          <a:fillRef idx="0">
-            <a:scrgbClr r="0" g="0" b="0"/>
-          </a:fillRef>
-          <a:effectRef idx="0">
-            <a:scrgbClr r="0" g="0" b="0"/>
-          </a:effectRef>
-          <a:fontRef idx="none"/>
-        </p:style>
-      </p:cxnSp>
-      <p:cxnSp>
-        <p:nvCxnSpPr>
-          <p:cNvPr id="9" name="Straight Connector 8">
-            <a:extLst>
-              <a:ext uri="{FF2B5EF4-FFF2-40B4-BE49-F238E27FC236}">
-                <a16:creationId xmlns:a16="http://schemas.microsoft.com/office/drawing/2014/main" id="{B63AD307-1F49-41E3-8A5F-BCBCCD512528}"/>
-              </a:ext>
-            </a:extLst>
-          </p:cNvPr>
-          <p:cNvCxnSpPr/>
-          <p:nvPr/>
-        </p:nvCxnSpPr>
-        <p:spPr>
-          <a:xfrm flipH="1">
-            <a:off x="4161939" y="4253830"/>
-            <a:ext cx="1723868" cy="0"/>
-          </a:xfrm>
-          <a:prstGeom prst="line">
-            <a:avLst/>
-          </a:prstGeom>
-          <a:noFill/>
-          <a:ln w="25400" cap="flat">
-            <a:solidFill>
-              <a:schemeClr val="bg1"/>
-            </a:solidFill>
-            <a:prstDash val="dash"/>
-            <a:round/>
-          </a:ln>
-          <a:effectLst/>
-          <a:sp3d/>
-        </p:spPr>
-        <p:style>
-          <a:lnRef idx="0">
-            <a:scrgbClr r="0" g="0" b="0"/>
-          </a:lnRef>
-          <a:fillRef idx="0">
-            <a:scrgbClr r="0" g="0" b="0"/>
-          </a:fillRef>
-          <a:effectRef idx="0">
-            <a:scrgbClr r="0" g="0" b="0"/>
-          </a:effectRef>
-          <a:fontRef idx="none"/>
-        </p:style>
-      </p:cxnSp>
-      <p:cxnSp>
-        <p:nvCxnSpPr>
-          <p:cNvPr id="10" name="Straight Connector 9">
-            <a:extLst>
-              <a:ext uri="{FF2B5EF4-FFF2-40B4-BE49-F238E27FC236}">
-                <a16:creationId xmlns:a16="http://schemas.microsoft.com/office/drawing/2014/main" id="{11E5E8C8-10CB-4AAC-97BD-B420E413D3E5}"/>
-              </a:ext>
-            </a:extLst>
-          </p:cNvPr>
-          <p:cNvCxnSpPr>
-            <a:cxnSpLocks/>
-          </p:cNvCxnSpPr>
-          <p:nvPr/>
-        </p:nvCxnSpPr>
-        <p:spPr>
-          <a:xfrm flipH="1">
-            <a:off x="4903952" y="5108269"/>
-            <a:ext cx="981855" cy="0"/>
-          </a:xfrm>
-          <a:prstGeom prst="line">
-            <a:avLst/>
-          </a:prstGeom>
-          <a:noFill/>
-          <a:ln w="25400" cap="flat">
-            <a:solidFill>
-              <a:schemeClr val="bg1"/>
-            </a:solidFill>
-            <a:prstDash val="dash"/>
-            <a:round/>
-          </a:ln>
-          <a:effectLst/>
-          <a:sp3d/>
-        </p:spPr>
-        <p:style>
-          <a:lnRef idx="0">
-            <a:scrgbClr r="0" g="0" b="0"/>
-          </a:lnRef>
-          <a:fillRef idx="0">
-            <a:scrgbClr r="0" g="0" b="0"/>
-          </a:fillRef>
-          <a:effectRef idx="0">
-            <a:scrgbClr r="0" g="0" b="0"/>
-          </a:effectRef>
-          <a:fontRef idx="none"/>
-        </p:style>
-      </p:cxnSp>
-      <p:sp>
-        <p:nvSpPr>
-          <p:cNvPr id="2" name="Left Brace 1">
-            <a:extLst>
-              <a:ext uri="{FF2B5EF4-FFF2-40B4-BE49-F238E27FC236}">
-                <a16:creationId xmlns:a16="http://schemas.microsoft.com/office/drawing/2014/main" id="{4E8BD736-8846-4E8C-B149-D4CA2ADE2D7A}"/>
-              </a:ext>
-            </a:extLst>
-          </p:cNvPr>
-          <p:cNvSpPr/>
-          <p:nvPr/>
-        </p:nvSpPr>
-        <p:spPr>
-          <a:xfrm>
-            <a:off x="1273290" y="2992594"/>
-            <a:ext cx="623523" cy="1586961"/>
-          </a:xfrm>
-          <a:prstGeom prst="leftBrace">
-            <a:avLst>
-              <a:gd name="adj1" fmla="val 8333"/>
-              <a:gd name="adj2" fmla="val 50000"/>
-            </a:avLst>
-          </a:prstGeom>
-          <a:noFill/>
-          <a:ln w="25400" cap="flat">
-            <a:solidFill>
-              <a:schemeClr val="bg1"/>
-            </a:solidFill>
-            <a:prstDash val="solid"/>
-            <a:round/>
-          </a:ln>
-          <a:effectLst/>
-          <a:sp3d/>
-        </p:spPr>
-        <p:style>
-          <a:lnRef idx="0">
-            <a:scrgbClr r="0" g="0" b="0"/>
-          </a:lnRef>
-          <a:fillRef idx="0">
-            <a:scrgbClr r="0" g="0" b="0"/>
-          </a:fillRef>
-          <a:effectRef idx="0">
-            <a:scrgbClr r="0" g="0" b="0"/>
-          </a:effectRef>
-          <a:fontRef idx="none"/>
-        </p:style>
-        <p:txBody>
-          <a:bodyPr rot="0" spcFirstLastPara="1" vertOverflow="overflow" horzOverflow="overflow" vert="horz" wrap="square" lIns="91439" tIns="45719" rIns="91439" bIns="45719" numCol="1" spcCol="38100" rtlCol="0" anchor="t">
-            <a:noAutofit/>
-          </a:bodyPr>
-          <a:lstStyle/>
-          <a:p>
-            <a:pPr marL="0" marR="0" indent="0" algn="l" defTabSz="914400" rtl="0" fontAlgn="auto" latinLnBrk="1" hangingPunct="0">
-              <a:lnSpc>
-                <a:spcPct val="100000"/>
-              </a:lnSpc>
-              <a:spcBef>
-                <a:spcPts val="0"/>
-              </a:spcBef>
-              <a:spcAft>
-                <a:spcPts val="0"/>
-              </a:spcAft>
-              <a:buClrTx/>
-              <a:buSzTx/>
-              <a:buFontTx/>
-              <a:buNone/>
-              <a:tabLst/>
-            </a:pPr>
-            <a:endParaRPr kumimoji="0" lang="en-US" sz="1800" b="0" i="0" u="none" strike="noStrike" cap="none" spc="0" normalizeH="0" baseline="0">
-              <a:ln>
-                <a:solidFill>
-                  <a:schemeClr val="bg1"/>
-                </a:solidFill>
-              </a:ln>
-              <a:solidFill>
-                <a:srgbClr val="000000"/>
-              </a:solidFill>
-              <a:effectLst/>
-              <a:uFillTx/>
-            </a:endParaRPr>
-          </a:p>
-        </p:txBody>
-      </p:sp>
-      <p:sp>
-        <p:nvSpPr>
-          <p:cNvPr id="3" name="TextBox 2">
-            <a:extLst>
-              <a:ext uri="{FF2B5EF4-FFF2-40B4-BE49-F238E27FC236}">
-                <a16:creationId xmlns:a16="http://schemas.microsoft.com/office/drawing/2014/main" id="{14504B72-C2C4-41CD-82C7-4E10132DE658}"/>
-              </a:ext>
-            </a:extLst>
-          </p:cNvPr>
-          <p:cNvSpPr txBox="1"/>
-          <p:nvPr/>
-        </p:nvSpPr>
-        <p:spPr>
-          <a:xfrm>
-            <a:off x="633338" y="3517434"/>
-            <a:ext cx="380869" cy="471920"/>
-          </a:xfrm>
-          <a:prstGeom prst="rect">
-            <a:avLst/>
-          </a:prstGeom>
-          <a:noFill/>
-          <a:ln w="12700" cap="flat">
-            <a:noFill/>
-            <a:miter lim="400000"/>
-          </a:ln>
-          <a:effectLst/>
-          <a:sp3d/>
-        </p:spPr>
-        <p:style>
-          <a:lnRef idx="0">
-            <a:scrgbClr r="0" g="0" b="0"/>
-          </a:lnRef>
-          <a:fillRef idx="0">
-            <a:scrgbClr r="0" g="0" b="0"/>
-          </a:fillRef>
-          <a:effectRef idx="0">
-            <a:scrgbClr r="0" g="0" b="0"/>
-          </a:effectRef>
-          <a:fontRef idx="none"/>
-        </p:style>
-        <p:txBody>
-          <a:bodyPr rot="0" spcFirstLastPara="1" vertOverflow="overflow" horzOverflow="overflow" vert="horz" wrap="none" lIns="45718" tIns="45718" rIns="45718" bIns="45718" numCol="1" spcCol="38100" rtlCol="0" anchor="t">
-            <a:spAutoFit/>
-          </a:bodyPr>
-          <a:lstStyle/>
-          <a:p>
-            <a:pPr marL="0" marR="0" indent="0" algn="l" defTabSz="914400" rtl="0" fontAlgn="auto" latinLnBrk="0" hangingPunct="0">
-              <a:lnSpc>
-                <a:spcPct val="90000"/>
-              </a:lnSpc>
-              <a:spcBef>
-                <a:spcPts val="800"/>
-              </a:spcBef>
-              <a:spcAft>
-                <a:spcPts val="0"/>
-              </a:spcAft>
-              <a:buClrTx/>
-              <a:buSzTx/>
-              <a:buFontTx/>
-              <a:buNone/>
-              <a:tabLst/>
-            </a:pPr>
-            <a:r>
-              <a:rPr kumimoji="0" lang="en-US" sz="2000" b="0" i="0" u="none" strike="noStrike" cap="none" spc="0" normalizeH="0" baseline="0" dirty="0">
-                <a:ln>
-                  <a:noFill/>
-                </a:ln>
-                <a:solidFill>
-                  <a:schemeClr val="bg1"/>
-                </a:solidFill>
-                <a:effectLst/>
-                <a:uFillTx/>
-                <a:latin typeface="+mn-lt"/>
-                <a:ea typeface="+mn-ea"/>
-                <a:cs typeface="+mn-cs"/>
-                <a:sym typeface="AccordAlternate Bold"/>
-              </a:rPr>
-              <a:t>OS</a:t>
-            </a:r>
-          </a:p>
-        </p:txBody>
-      </p:sp>
-      <p:sp>
-        <p:nvSpPr>
-          <p:cNvPr id="5" name="TextBox 4">
-            <a:extLst>
-              <a:ext uri="{FF2B5EF4-FFF2-40B4-BE49-F238E27FC236}">
-                <a16:creationId xmlns:a16="http://schemas.microsoft.com/office/drawing/2014/main" id="{33B890B4-D6C1-4239-8FB5-4F36A25A88D3}"/>
-              </a:ext>
-            </a:extLst>
-          </p:cNvPr>
-          <p:cNvSpPr txBox="1"/>
-          <p:nvPr/>
-        </p:nvSpPr>
-        <p:spPr>
-          <a:xfrm>
-            <a:off x="457809" y="4745811"/>
-            <a:ext cx="731928" cy="471920"/>
-          </a:xfrm>
-          <a:prstGeom prst="rect">
-            <a:avLst/>
-          </a:prstGeom>
-          <a:noFill/>
-          <a:ln w="12700" cap="flat">
-            <a:noFill/>
-            <a:miter lim="400000"/>
-          </a:ln>
-          <a:effectLst/>
-          <a:sp3d/>
-        </p:spPr>
-        <p:style>
-          <a:lnRef idx="0">
-            <a:scrgbClr r="0" g="0" b="0"/>
-          </a:lnRef>
-          <a:fillRef idx="0">
-            <a:scrgbClr r="0" g="0" b="0"/>
-          </a:fillRef>
-          <a:effectRef idx="0">
-            <a:scrgbClr r="0" g="0" b="0"/>
-          </a:effectRef>
-          <a:fontRef idx="none"/>
-        </p:style>
-        <p:txBody>
-          <a:bodyPr rot="0" spcFirstLastPara="1" vertOverflow="overflow" horzOverflow="overflow" vert="horz" wrap="none" lIns="45718" tIns="45718" rIns="45718" bIns="45718" numCol="1" spcCol="38100" rtlCol="0" anchor="t">
-            <a:spAutoFit/>
-          </a:bodyPr>
-          <a:lstStyle/>
-          <a:p>
-            <a:pPr marL="0" marR="0" indent="0" algn="l" defTabSz="914400" rtl="0" fontAlgn="auto" latinLnBrk="0" hangingPunct="0">
-              <a:lnSpc>
-                <a:spcPct val="90000"/>
-              </a:lnSpc>
-              <a:spcBef>
-                <a:spcPts val="800"/>
-              </a:spcBef>
-              <a:spcAft>
-                <a:spcPts val="0"/>
-              </a:spcAft>
-              <a:buClrTx/>
-              <a:buSzTx/>
-              <a:buFontTx/>
-              <a:buNone/>
-              <a:tabLst/>
-            </a:pPr>
-            <a:r>
-              <a:rPr kumimoji="0" lang="en-US" sz="2000" b="0" i="0" u="none" strike="noStrike" cap="none" spc="0" normalizeH="0" baseline="0" dirty="0">
-                <a:ln>
-                  <a:noFill/>
-                </a:ln>
-                <a:solidFill>
-                  <a:schemeClr val="bg1"/>
-                </a:solidFill>
-                <a:effectLst/>
-                <a:uFillTx/>
-                <a:latin typeface="+mn-lt"/>
-                <a:ea typeface="+mn-ea"/>
-                <a:cs typeface="+mn-cs"/>
-                <a:sym typeface="AccordAlternate Bold"/>
-              </a:rPr>
-              <a:t>Driver</a:t>
-            </a:r>
-          </a:p>
-        </p:txBody>
-      </p:sp>
-      <p:sp>
-        <p:nvSpPr>
-          <p:cNvPr id="7" name="TextBox 6">
-            <a:extLst>
-              <a:ext uri="{FF2B5EF4-FFF2-40B4-BE49-F238E27FC236}">
-                <a16:creationId xmlns:a16="http://schemas.microsoft.com/office/drawing/2014/main" id="{C3F95400-AAD7-45F1-A17C-97B1DA80812D}"/>
-              </a:ext>
-            </a:extLst>
-          </p:cNvPr>
-          <p:cNvSpPr txBox="1"/>
-          <p:nvPr/>
-        </p:nvSpPr>
-        <p:spPr>
-          <a:xfrm>
-            <a:off x="1287893" y="5130940"/>
-            <a:ext cx="891136" cy="333421"/>
-          </a:xfrm>
-          <a:prstGeom prst="rect">
-            <a:avLst/>
-          </a:prstGeom>
-          <a:noFill/>
-          <a:ln w="12700" cap="flat">
-            <a:noFill/>
-            <a:miter lim="400000"/>
-          </a:ln>
-          <a:effectLst/>
-          <a:sp3d/>
-        </p:spPr>
-        <p:style>
-          <a:lnRef idx="0">
-            <a:scrgbClr r="0" g="0" b="0"/>
-          </a:lnRef>
-          <a:fillRef idx="0">
-            <a:scrgbClr r="0" g="0" b="0"/>
-          </a:fillRef>
-          <a:effectRef idx="0">
-            <a:scrgbClr r="0" g="0" b="0"/>
-          </a:effectRef>
-          <a:fontRef idx="none"/>
-        </p:style>
-        <p:txBody>
-          <a:bodyPr rot="0" spcFirstLastPara="1" vertOverflow="overflow" horzOverflow="overflow" vert="horz" wrap="square" lIns="45718" tIns="45718" rIns="45718" bIns="45718" numCol="1" spcCol="38100" rtlCol="0" anchor="t">
-            <a:spAutoFit/>
-          </a:bodyPr>
-          <a:lstStyle/>
-          <a:p>
-            <a:pPr marL="0" marR="0" indent="0" algn="l" defTabSz="914400" rtl="0" fontAlgn="auto" latinLnBrk="0" hangingPunct="0">
-              <a:lnSpc>
-                <a:spcPct val="90000"/>
-              </a:lnSpc>
-              <a:spcBef>
-                <a:spcPts val="800"/>
-              </a:spcBef>
-              <a:spcAft>
-                <a:spcPts val="0"/>
-              </a:spcAft>
-              <a:buClrTx/>
-              <a:buSzTx/>
-              <a:buFontTx/>
-              <a:buNone/>
-              <a:tabLst/>
-            </a:pPr>
-            <a:r>
-              <a:rPr kumimoji="0" lang="en-US" sz="1000" b="0" i="0" u="none" strike="noStrike" cap="none" spc="0" normalizeH="0" baseline="0" dirty="0">
-                <a:ln>
-                  <a:noFill/>
-                </a:ln>
-                <a:solidFill>
-                  <a:schemeClr val="bg1"/>
-                </a:solidFill>
-                <a:effectLst/>
-                <a:uFillTx/>
-                <a:latin typeface="+mn-lt"/>
-                <a:ea typeface="+mn-ea"/>
-                <a:cs typeface="+mn-cs"/>
-                <a:sym typeface="AccordAlternate Bold"/>
-              </a:rPr>
-              <a:t>MAC address</a:t>
-            </a:r>
-          </a:p>
-        </p:txBody>
-      </p:sp>
-    </p:spTree>
-    <p:extLst>
-      <p:ext uri="{BB962C8B-B14F-4D97-AF65-F5344CB8AC3E}">
-        <p14:creationId xmlns:p14="http://schemas.microsoft.com/office/powerpoint/2010/main" val="3925842093"/>
-      </p:ext>
-    </p:extLst>
-  </p:cSld>
-  <p:clrMapOvr>
-    <a:masterClrMapping/>
-  </p:clrMapOvr>
-  <p:transition spd="med"/>
-</p:sld>
-</file>
-
-<file path=ppt/slides/slide20.xml><?xml version="1.0" encoding="utf-8"?>
+<file path=ppt/slides/slide26.xml><?xml version="1.0" encoding="utf-8"?>
 <p:sld xmlns:a="http://schemas.openxmlformats.org/drawingml/2006/main" xmlns:r="http://schemas.openxmlformats.org/officeDocument/2006/relationships" xmlns:p="http://schemas.openxmlformats.org/presentationml/2006/main">
   <p:cSld>
     <p:spTree>
@@ -8218,7 +9578,7 @@
 </p:sld>
 </file>
 
-<file path=ppt/slides/slide21.xml><?xml version="1.0" encoding="utf-8"?>
+<file path=ppt/slides/slide27.xml><?xml version="1.0" encoding="utf-8"?>
 <p:sld xmlns:a="http://schemas.openxmlformats.org/drawingml/2006/main" xmlns:r="http://schemas.openxmlformats.org/officeDocument/2006/relationships" xmlns:p="http://schemas.openxmlformats.org/presentationml/2006/main">
   <p:cSld>
     <p:spTree>
@@ -8361,7 +9721,7 @@
 </p:sld>
 </file>
 
-<file path=ppt/slides/slide22.xml><?xml version="1.0" encoding="utf-8"?>
+<file path=ppt/slides/slide28.xml><?xml version="1.0" encoding="utf-8"?>
 <p:sld xmlns:a="http://schemas.openxmlformats.org/drawingml/2006/main" xmlns:r="http://schemas.openxmlformats.org/officeDocument/2006/relationships" xmlns:p="http://schemas.openxmlformats.org/presentationml/2006/main">
   <p:cSld>
     <p:spTree>
@@ -8518,7 +9878,7 @@
 </p:sld>
 </file>
 
-<file path=ppt/slides/slide23.xml><?xml version="1.0" encoding="utf-8"?>
+<file path=ppt/slides/slide29.xml><?xml version="1.0" encoding="utf-8"?>
 <p:sld xmlns:a="http://schemas.openxmlformats.org/drawingml/2006/main" xmlns:r="http://schemas.openxmlformats.org/officeDocument/2006/relationships" xmlns:p="http://schemas.openxmlformats.org/presentationml/2006/main">
   <p:cSld>
     <p:spTree>
@@ -8641,7 +10001,442 @@
 </p:sld>
 </file>
 
-<file path=ppt/slides/slide24.xml><?xml version="1.0" encoding="utf-8"?>
+<file path=ppt/slides/slide3.xml><?xml version="1.0" encoding="utf-8"?>
+<p:sld xmlns:a="http://schemas.openxmlformats.org/drawingml/2006/main" xmlns:r="http://schemas.openxmlformats.org/officeDocument/2006/relationships" xmlns:p="http://schemas.openxmlformats.org/presentationml/2006/main">
+  <p:cSld>
+    <p:spTree>
+      <p:nvGrpSpPr>
+        <p:cNvPr id="1" name=""/>
+        <p:cNvGrpSpPr/>
+        <p:nvPr/>
+      </p:nvGrpSpPr>
+      <p:grpSpPr>
+        <a:xfrm>
+          <a:off x="0" y="0"/>
+          <a:ext cx="0" cy="0"/>
+          <a:chOff x="0" y="0"/>
+          <a:chExt cx="0" cy="0"/>
+        </a:xfrm>
+      </p:grpSpPr>
+      <p:sp>
+        <p:nvSpPr>
+          <p:cNvPr id="4" name="Title 3">
+            <a:extLst>
+              <a:ext uri="{FF2B5EF4-FFF2-40B4-BE49-F238E27FC236}">
+                <a16:creationId xmlns:a16="http://schemas.microsoft.com/office/drawing/2014/main" id="{CC5E2F0B-67F5-49A0-BA6A-1B76D496ADA6}"/>
+              </a:ext>
+            </a:extLst>
+          </p:cNvPr>
+          <p:cNvSpPr>
+            <a:spLocks noGrp="1"/>
+          </p:cNvSpPr>
+          <p:nvPr>
+            <p:ph type="title"/>
+          </p:nvPr>
+        </p:nvSpPr>
+        <p:spPr/>
+        <p:txBody>
+          <a:bodyPr/>
+          <a:lstStyle/>
+          <a:p>
+            <a:r>
+              <a:rPr lang="en-US" dirty="0"/>
+              <a:t>Preface – TCP/</a:t>
+            </a:r>
+            <a:r>
+              <a:rPr lang="en-US" dirty="0" err="1"/>
+              <a:t>ip</a:t>
+            </a:r>
+            <a:r>
+              <a:rPr lang="en-US" dirty="0"/>
+              <a:t> model</a:t>
+            </a:r>
+          </a:p>
+        </p:txBody>
+      </p:sp>
+      <p:pic>
+        <p:nvPicPr>
+          <p:cNvPr id="3" name="Picture 2">
+            <a:extLst>
+              <a:ext uri="{FF2B5EF4-FFF2-40B4-BE49-F238E27FC236}">
+                <a16:creationId xmlns:a16="http://schemas.microsoft.com/office/drawing/2014/main" id="{8D5572CE-1F12-498C-84D0-64345B971797}"/>
+              </a:ext>
+            </a:extLst>
+          </p:cNvPr>
+          <p:cNvPicPr>
+            <a:picLocks noChangeAspect="1"/>
+          </p:cNvPicPr>
+          <p:nvPr/>
+        </p:nvPicPr>
+        <p:blipFill>
+          <a:blip r:embed="rId2"/>
+          <a:stretch>
+            <a:fillRect/>
+          </a:stretch>
+        </p:blipFill>
+        <p:spPr>
+          <a:xfrm>
+            <a:off x="1257300" y="1452562"/>
+            <a:ext cx="9677400" cy="3952875"/>
+          </a:xfrm>
+          <a:prstGeom prst="rect">
+            <a:avLst/>
+          </a:prstGeom>
+        </p:spPr>
+      </p:pic>
+      <p:sp>
+        <p:nvSpPr>
+          <p:cNvPr id="5" name="Rectangle 4">
+            <a:extLst>
+              <a:ext uri="{FF2B5EF4-FFF2-40B4-BE49-F238E27FC236}">
+                <a16:creationId xmlns:a16="http://schemas.microsoft.com/office/drawing/2014/main" id="{DD2DE777-618F-4671-9892-011ABA36B168}"/>
+              </a:ext>
+            </a:extLst>
+          </p:cNvPr>
+          <p:cNvSpPr/>
+          <p:nvPr/>
+        </p:nvSpPr>
+        <p:spPr>
+          <a:xfrm>
+            <a:off x="4520379" y="4208926"/>
+            <a:ext cx="958645" cy="646327"/>
+          </a:xfrm>
+          <a:prstGeom prst="rect">
+            <a:avLst/>
+          </a:prstGeom>
+          <a:solidFill>
+            <a:srgbClr val="CCCCFF"/>
+          </a:solidFill>
+          <a:ln w="50800" cap="flat">
+            <a:solidFill>
+              <a:srgbClr val="ACADDA"/>
+            </a:solidFill>
+            <a:prstDash val="solid"/>
+            <a:round/>
+          </a:ln>
+          <a:effectLst/>
+          <a:sp3d/>
+        </p:spPr>
+        <p:style>
+          <a:lnRef idx="0">
+            <a:scrgbClr r="0" g="0" b="0"/>
+          </a:lnRef>
+          <a:fillRef idx="0">
+            <a:scrgbClr r="0" g="0" b="0"/>
+          </a:fillRef>
+          <a:effectRef idx="0">
+            <a:scrgbClr r="0" g="0" b="0"/>
+          </a:effectRef>
+          <a:fontRef idx="none"/>
+        </p:style>
+        <p:txBody>
+          <a:bodyPr rot="0" spcFirstLastPara="1" vertOverflow="overflow" horzOverflow="overflow" vert="horz" wrap="square" lIns="45718" tIns="45718" rIns="45718" bIns="45718" numCol="1" spcCol="38100" rtlCol="0" anchor="ctr">
+            <a:spAutoFit/>
+          </a:bodyPr>
+          <a:lstStyle/>
+          <a:p>
+            <a:pPr marL="0" marR="0" indent="0" algn="ctr" defTabSz="914400" rtl="0" fontAlgn="auto" latinLnBrk="0" hangingPunct="0">
+              <a:lnSpc>
+                <a:spcPct val="100000"/>
+              </a:lnSpc>
+              <a:spcBef>
+                <a:spcPts val="0"/>
+              </a:spcBef>
+              <a:spcAft>
+                <a:spcPts val="0"/>
+              </a:spcAft>
+              <a:buClrTx/>
+              <a:buSzTx/>
+              <a:buFontTx/>
+              <a:buNone/>
+              <a:tabLst/>
+            </a:pPr>
+            <a:r>
+              <a:rPr kumimoji="0" lang="en-US" sz="1800" b="0" i="0" u="none" strike="noStrike" cap="all" spc="0" normalizeH="0" baseline="0" dirty="0">
+                <a:ln>
+                  <a:noFill/>
+                </a:ln>
+                <a:solidFill>
+                  <a:schemeClr val="bg1"/>
+                </a:solidFill>
+                <a:effectLst/>
+                <a:uFillTx/>
+                <a:latin typeface="AccordAlternate Regular"/>
+                <a:ea typeface="AccordAlternate Regular"/>
+                <a:cs typeface="AccordAlternate Regular"/>
+                <a:sym typeface="AccordAlternate Regular"/>
+              </a:rPr>
+              <a:t>Route table</a:t>
+            </a:r>
+          </a:p>
+        </p:txBody>
+      </p:sp>
+      <p:sp>
+        <p:nvSpPr>
+          <p:cNvPr id="8" name="Rectangle 7">
+            <a:extLst>
+              <a:ext uri="{FF2B5EF4-FFF2-40B4-BE49-F238E27FC236}">
+                <a16:creationId xmlns:a16="http://schemas.microsoft.com/office/drawing/2014/main" id="{F13C3E7C-CBAC-4790-830C-7A3726BF4393}"/>
+              </a:ext>
+            </a:extLst>
+          </p:cNvPr>
+          <p:cNvSpPr/>
+          <p:nvPr/>
+        </p:nvSpPr>
+        <p:spPr>
+          <a:xfrm>
+            <a:off x="6779956" y="4208927"/>
+            <a:ext cx="958645" cy="646327"/>
+          </a:xfrm>
+          <a:prstGeom prst="rect">
+            <a:avLst/>
+          </a:prstGeom>
+          <a:solidFill>
+            <a:srgbClr val="CCCCFF"/>
+          </a:solidFill>
+          <a:ln w="50800" cap="flat">
+            <a:solidFill>
+              <a:srgbClr val="ACADDA"/>
+            </a:solidFill>
+            <a:prstDash val="solid"/>
+            <a:round/>
+          </a:ln>
+          <a:effectLst/>
+          <a:sp3d/>
+        </p:spPr>
+        <p:style>
+          <a:lnRef idx="0">
+            <a:scrgbClr r="0" g="0" b="0"/>
+          </a:lnRef>
+          <a:fillRef idx="0">
+            <a:scrgbClr r="0" g="0" b="0"/>
+          </a:fillRef>
+          <a:effectRef idx="0">
+            <a:scrgbClr r="0" g="0" b="0"/>
+          </a:effectRef>
+          <a:fontRef idx="none"/>
+        </p:style>
+        <p:txBody>
+          <a:bodyPr rot="0" spcFirstLastPara="1" vertOverflow="overflow" horzOverflow="overflow" vert="horz" wrap="square" lIns="45718" tIns="45718" rIns="45718" bIns="45718" numCol="1" spcCol="38100" rtlCol="0" anchor="ctr">
+            <a:spAutoFit/>
+          </a:bodyPr>
+          <a:lstStyle/>
+          <a:p>
+            <a:pPr marL="0" marR="0" indent="0" algn="ctr" defTabSz="914400" rtl="0" fontAlgn="auto" latinLnBrk="0" hangingPunct="0">
+              <a:lnSpc>
+                <a:spcPct val="100000"/>
+              </a:lnSpc>
+              <a:spcBef>
+                <a:spcPts val="0"/>
+              </a:spcBef>
+              <a:spcAft>
+                <a:spcPts val="0"/>
+              </a:spcAft>
+              <a:buClrTx/>
+              <a:buSzTx/>
+              <a:buFontTx/>
+              <a:buNone/>
+              <a:tabLst/>
+            </a:pPr>
+            <a:r>
+              <a:rPr kumimoji="0" lang="en-US" sz="1800" b="0" i="0" u="none" strike="noStrike" cap="all" spc="0" normalizeH="0" baseline="0" dirty="0">
+                <a:ln>
+                  <a:noFill/>
+                </a:ln>
+                <a:solidFill>
+                  <a:schemeClr val="bg1"/>
+                </a:solidFill>
+                <a:effectLst/>
+                <a:uFillTx/>
+                <a:latin typeface="AccordAlternate Regular"/>
+                <a:ea typeface="AccordAlternate Regular"/>
+                <a:cs typeface="AccordAlternate Regular"/>
+                <a:sym typeface="AccordAlternate Regular"/>
+              </a:rPr>
+              <a:t>Route table</a:t>
+            </a:r>
+          </a:p>
+        </p:txBody>
+      </p:sp>
+      <p:sp>
+        <p:nvSpPr>
+          <p:cNvPr id="6" name="Rectangle 5">
+            <a:extLst>
+              <a:ext uri="{FF2B5EF4-FFF2-40B4-BE49-F238E27FC236}">
+                <a16:creationId xmlns:a16="http://schemas.microsoft.com/office/drawing/2014/main" id="{AB5B08F1-963F-4F7C-B308-56B5BEB1CA44}"/>
+              </a:ext>
+            </a:extLst>
+          </p:cNvPr>
+          <p:cNvSpPr/>
+          <p:nvPr/>
+        </p:nvSpPr>
+        <p:spPr>
+          <a:xfrm>
+            <a:off x="4587114" y="5590103"/>
+            <a:ext cx="3151487" cy="400105"/>
+          </a:xfrm>
+          <a:prstGeom prst="rect">
+            <a:avLst/>
+          </a:prstGeom>
+          <a:solidFill>
+            <a:srgbClr val="CCCCFF"/>
+          </a:solidFill>
+          <a:ln w="25400" cap="flat">
+            <a:solidFill>
+              <a:srgbClr val="ACADDA"/>
+            </a:solidFill>
+            <a:prstDash val="solid"/>
+            <a:round/>
+          </a:ln>
+          <a:effectLst/>
+          <a:sp3d/>
+        </p:spPr>
+        <p:style>
+          <a:lnRef idx="0">
+            <a:scrgbClr r="0" g="0" b="0"/>
+          </a:lnRef>
+          <a:fillRef idx="0">
+            <a:scrgbClr r="0" g="0" b="0"/>
+          </a:fillRef>
+          <a:effectRef idx="0">
+            <a:scrgbClr r="0" g="0" b="0"/>
+          </a:effectRef>
+          <a:fontRef idx="none"/>
+        </p:style>
+        <p:txBody>
+          <a:bodyPr rot="0" spcFirstLastPara="1" vertOverflow="overflow" horzOverflow="overflow" vert="horz" wrap="square" lIns="45718" tIns="45718" rIns="45718" bIns="45718" numCol="1" spcCol="38100" rtlCol="0" anchor="ctr">
+            <a:spAutoFit/>
+          </a:bodyPr>
+          <a:lstStyle/>
+          <a:p>
+            <a:pPr algn="ctr">
+              <a:lnSpc>
+                <a:spcPct val="100000"/>
+              </a:lnSpc>
+              <a:spcBef>
+                <a:spcPts val="0"/>
+              </a:spcBef>
+            </a:pPr>
+            <a:r>
+              <a:rPr lang="en-US" dirty="0">
+                <a:solidFill>
+                  <a:schemeClr val="bg1"/>
+                </a:solidFill>
+              </a:rPr>
+              <a:t>Border Gateway Protocol</a:t>
+            </a:r>
+          </a:p>
+        </p:txBody>
+      </p:sp>
+      <p:cxnSp>
+        <p:nvCxnSpPr>
+          <p:cNvPr id="9" name="Straight Arrow Connector 8">
+            <a:extLst>
+              <a:ext uri="{FF2B5EF4-FFF2-40B4-BE49-F238E27FC236}">
+                <a16:creationId xmlns:a16="http://schemas.microsoft.com/office/drawing/2014/main" id="{C12CB9FD-BB6D-4D3D-B158-3B5502D6F2A8}"/>
+              </a:ext>
+            </a:extLst>
+          </p:cNvPr>
+          <p:cNvCxnSpPr>
+            <a:cxnSpLocks/>
+          </p:cNvCxnSpPr>
+          <p:nvPr/>
+        </p:nvCxnSpPr>
+        <p:spPr>
+          <a:xfrm flipV="1">
+            <a:off x="4989094" y="4855253"/>
+            <a:ext cx="1" cy="734850"/>
+          </a:xfrm>
+          <a:prstGeom prst="straightConnector1">
+            <a:avLst/>
+          </a:prstGeom>
+          <a:noFill/>
+          <a:ln w="25400" cap="flat">
+            <a:solidFill>
+              <a:schemeClr val="bg1"/>
+            </a:solidFill>
+            <a:prstDash val="solid"/>
+            <a:round/>
+            <a:tailEnd type="triangle"/>
+          </a:ln>
+          <a:effectLst/>
+          <a:sp3d/>
+        </p:spPr>
+        <p:style>
+          <a:lnRef idx="0">
+            <a:scrgbClr r="0" g="0" b="0"/>
+          </a:lnRef>
+          <a:fillRef idx="0">
+            <a:scrgbClr r="0" g="0" b="0"/>
+          </a:fillRef>
+          <a:effectRef idx="0">
+            <a:scrgbClr r="0" g="0" b="0"/>
+          </a:effectRef>
+          <a:fontRef idx="none"/>
+        </p:style>
+      </p:cxnSp>
+      <p:cxnSp>
+        <p:nvCxnSpPr>
+          <p:cNvPr id="10" name="Straight Arrow Connector 9">
+            <a:extLst>
+              <a:ext uri="{FF2B5EF4-FFF2-40B4-BE49-F238E27FC236}">
+                <a16:creationId xmlns:a16="http://schemas.microsoft.com/office/drawing/2014/main" id="{F4839233-FD9C-4B3C-9E97-10FFCA83357F}"/>
+              </a:ext>
+            </a:extLst>
+          </p:cNvPr>
+          <p:cNvCxnSpPr>
+            <a:cxnSpLocks/>
+          </p:cNvCxnSpPr>
+          <p:nvPr/>
+        </p:nvCxnSpPr>
+        <p:spPr>
+          <a:xfrm flipV="1">
+            <a:off x="7259277" y="4855253"/>
+            <a:ext cx="1" cy="734850"/>
+          </a:xfrm>
+          <a:prstGeom prst="straightConnector1">
+            <a:avLst/>
+          </a:prstGeom>
+          <a:noFill/>
+          <a:ln w="25400" cap="flat">
+            <a:solidFill>
+              <a:schemeClr val="bg1"/>
+            </a:solidFill>
+            <a:prstDash val="solid"/>
+            <a:round/>
+            <a:tailEnd type="triangle"/>
+          </a:ln>
+          <a:effectLst/>
+          <a:sp3d/>
+        </p:spPr>
+        <p:style>
+          <a:lnRef idx="0">
+            <a:scrgbClr r="0" g="0" b="0"/>
+          </a:lnRef>
+          <a:fillRef idx="0">
+            <a:scrgbClr r="0" g="0" b="0"/>
+          </a:fillRef>
+          <a:effectRef idx="0">
+            <a:scrgbClr r="0" g="0" b="0"/>
+          </a:effectRef>
+          <a:fontRef idx="none"/>
+        </p:style>
+      </p:cxnSp>
+    </p:spTree>
+    <p:extLst>
+      <p:ext uri="{BB962C8B-B14F-4D97-AF65-F5344CB8AC3E}">
+        <p14:creationId xmlns:p14="http://schemas.microsoft.com/office/powerpoint/2010/main" val="2517687178"/>
+      </p:ext>
+    </p:extLst>
+  </p:cSld>
+  <p:clrMapOvr>
+    <a:masterClrMapping/>
+  </p:clrMapOvr>
+  <p:transition spd="med"/>
+</p:sld>
+</file>
+
+<file path=ppt/slides/slide30.xml><?xml version="1.0" encoding="utf-8"?>
 <p:sld xmlns:a="http://schemas.openxmlformats.org/drawingml/2006/main" xmlns:r="http://schemas.openxmlformats.org/officeDocument/2006/relationships" xmlns:p="http://schemas.openxmlformats.org/presentationml/2006/main">
   <p:cSld>
     <p:spTree>
@@ -9105,7 +10900,7 @@
 </p:sld>
 </file>
 
-<file path=ppt/slides/slide25.xml><?xml version="1.0" encoding="utf-8"?>
+<file path=ppt/slides/slide31.xml><?xml version="1.0" encoding="utf-8"?>
 <p:sld xmlns:a="http://schemas.openxmlformats.org/drawingml/2006/main" xmlns:r="http://schemas.openxmlformats.org/officeDocument/2006/relationships" xmlns:p="http://schemas.openxmlformats.org/presentationml/2006/main">
   <p:cSld>
     <p:spTree>
@@ -9540,7 +11335,7 @@
 </p:sld>
 </file>
 
-<file path=ppt/slides/slide26.xml><?xml version="1.0" encoding="utf-8"?>
+<file path=ppt/slides/slide32.xml><?xml version="1.0" encoding="utf-8"?>
 <p:sld xmlns:a="http://schemas.openxmlformats.org/drawingml/2006/main" xmlns:r="http://schemas.openxmlformats.org/officeDocument/2006/relationships" xmlns:p="http://schemas.openxmlformats.org/presentationml/2006/main">
   <p:cSld>
     <p:spTree>
@@ -9680,7 +11475,7 @@
 </p:sld>
 </file>
 
-<file path=ppt/slides/slide27.xml><?xml version="1.0" encoding="utf-8"?>
+<file path=ppt/slides/slide33.xml><?xml version="1.0" encoding="utf-8"?>
 <p:sld xmlns:a="http://schemas.openxmlformats.org/drawingml/2006/main" xmlns:r="http://schemas.openxmlformats.org/officeDocument/2006/relationships" xmlns:p="http://schemas.openxmlformats.org/presentationml/2006/main">
   <p:cSld>
     <p:spTree>
@@ -9817,7 +11612,7 @@
 </p:sld>
 </file>
 
-<file path=ppt/slides/slide28.xml><?xml version="1.0" encoding="utf-8"?>
+<file path=ppt/slides/slide34.xml><?xml version="1.0" encoding="utf-8"?>
 <p:sld xmlns:a="http://schemas.openxmlformats.org/drawingml/2006/main" xmlns:r="http://schemas.openxmlformats.org/officeDocument/2006/relationships" xmlns:p="http://schemas.openxmlformats.org/presentationml/2006/main">
   <p:cSld>
     <p:spTree>
@@ -9925,7 +11720,74 @@
 </p:sld>
 </file>
 
-<file path=ppt/slides/slide29.xml><?xml version="1.0" encoding="utf-8"?>
+<file path=ppt/slides/slide35.xml><?xml version="1.0" encoding="utf-8"?>
+<p:sld xmlns:a="http://schemas.openxmlformats.org/drawingml/2006/main" xmlns:r="http://schemas.openxmlformats.org/officeDocument/2006/relationships" xmlns:p="http://schemas.openxmlformats.org/presentationml/2006/main">
+  <p:cSld>
+    <p:spTree>
+      <p:nvGrpSpPr>
+        <p:cNvPr id="1" name=""/>
+        <p:cNvGrpSpPr/>
+        <p:nvPr/>
+      </p:nvGrpSpPr>
+      <p:grpSpPr>
+        <a:xfrm>
+          <a:off x="0" y="0"/>
+          <a:ext cx="0" cy="0"/>
+          <a:chOff x="0" y="0"/>
+          <a:chExt cx="0" cy="0"/>
+        </a:xfrm>
+      </p:grpSpPr>
+      <p:sp>
+        <p:nvSpPr>
+          <p:cNvPr id="3" name="Title 2">
+            <a:extLst>
+              <a:ext uri="{FF2B5EF4-FFF2-40B4-BE49-F238E27FC236}">
+                <a16:creationId xmlns:a16="http://schemas.microsoft.com/office/drawing/2014/main" id="{2DDAC821-55EE-4A40-B8B7-6B13F4B9DE25}"/>
+              </a:ext>
+            </a:extLst>
+          </p:cNvPr>
+          <p:cNvSpPr>
+            <a:spLocks noGrp="1"/>
+          </p:cNvSpPr>
+          <p:nvPr>
+            <p:ph type="title"/>
+          </p:nvPr>
+        </p:nvSpPr>
+        <p:spPr>
+          <a:xfrm>
+            <a:off x="0" y="0"/>
+            <a:ext cx="12192000" cy="6858000"/>
+          </a:xfrm>
+        </p:spPr>
+        <p:txBody>
+          <a:bodyPr>
+            <a:normAutofit/>
+          </a:bodyPr>
+          <a:lstStyle/>
+          <a:p>
+            <a:pPr algn="ctr"/>
+            <a:r>
+              <a:rPr lang="en-US" dirty="0"/>
+              <a:t>Q&amp;A</a:t>
+            </a:r>
+          </a:p>
+        </p:txBody>
+      </p:sp>
+    </p:spTree>
+    <p:extLst>
+      <p:ext uri="{BB962C8B-B14F-4D97-AF65-F5344CB8AC3E}">
+        <p14:creationId xmlns:p14="http://schemas.microsoft.com/office/powerpoint/2010/main" val="3062381873"/>
+      </p:ext>
+    </p:extLst>
+  </p:cSld>
+  <p:clrMapOvr>
+    <a:masterClrMapping/>
+  </p:clrMapOvr>
+  <p:transition spd="med"/>
+</p:sld>
+</file>
+
+<file path=ppt/slides/slide36.xml><?xml version="1.0" encoding="utf-8"?>
 <p:sld xmlns:a="http://schemas.openxmlformats.org/drawingml/2006/main" xmlns:r="http://schemas.openxmlformats.org/officeDocument/2006/relationships" xmlns:p="http://schemas.openxmlformats.org/presentationml/2006/main">
   <p:cSld>
     <p:spTree>
@@ -10059,7 +11921,7 @@
 </p:sld>
 </file>
 
-<file path=ppt/slides/slide3.xml><?xml version="1.0" encoding="utf-8"?>
+<file path=ppt/slides/slide37.xml><?xml version="1.0" encoding="utf-8"?>
 <p:sld xmlns:a="http://schemas.openxmlformats.org/drawingml/2006/main" xmlns:r="http://schemas.openxmlformats.org/officeDocument/2006/relationships" xmlns:p="http://schemas.openxmlformats.org/presentationml/2006/main">
   <p:cSld>
     <p:spTree>
@@ -10081,7 +11943,7 @@
           <p:cNvPr id="4" name="Title 3">
             <a:extLst>
               <a:ext uri="{FF2B5EF4-FFF2-40B4-BE49-F238E27FC236}">
-                <a16:creationId xmlns:a16="http://schemas.microsoft.com/office/drawing/2014/main" id="{CC5E2F0B-67F5-49A0-BA6A-1B76D496ADA6}"/>
+                <a16:creationId xmlns:a16="http://schemas.microsoft.com/office/drawing/2014/main" id="{0B5E89EB-6726-48BB-A178-4BC22FD7EFD1}"/>
               </a:ext>
             </a:extLst>
           </p:cNvPr>
@@ -10099,391 +11961,96 @@
           <a:p>
             <a:r>
               <a:rPr lang="en-US" dirty="0"/>
-              <a:t>Preface – TCP/</a:t>
-            </a:r>
-            <a:r>
-              <a:rPr lang="en-US" dirty="0" err="1"/>
-              <a:t>ip</a:t>
-            </a:r>
-            <a:r>
-              <a:rPr lang="en-US" dirty="0"/>
-              <a:t> model</a:t>
+              <a:t>Lab time</a:t>
+            </a:r>
+          </a:p>
+        </p:txBody>
+      </p:sp>
+      <p:sp>
+        <p:nvSpPr>
+          <p:cNvPr id="5" name="Text Placeholder 4">
+            <a:extLst>
+              <a:ext uri="{FF2B5EF4-FFF2-40B4-BE49-F238E27FC236}">
+                <a16:creationId xmlns:a16="http://schemas.microsoft.com/office/drawing/2014/main" id="{D609D132-43E9-4C95-A4F8-5420DDE3FF85}"/>
+              </a:ext>
+            </a:extLst>
+          </p:cNvPr>
+          <p:cNvSpPr>
+            <a:spLocks noGrp="1"/>
+          </p:cNvSpPr>
+          <p:nvPr>
+            <p:ph type="body" sz="half" idx="1"/>
+          </p:nvPr>
+        </p:nvSpPr>
+        <p:spPr/>
+        <p:txBody>
+          <a:bodyPr/>
+          <a:lstStyle/>
+          <a:p>
+            <a:r>
+              <a:rPr lang="en-US" dirty="0"/>
+              <a:t>Time for you to practice</a:t>
+            </a:r>
+          </a:p>
+          <a:p>
+            <a:r>
+              <a:rPr lang="en-US" dirty="0"/>
+              <a:t>Lab Exercise - Part I to IV</a:t>
             </a:r>
           </a:p>
         </p:txBody>
       </p:sp>
       <p:pic>
         <p:nvPicPr>
-          <p:cNvPr id="3" name="Picture 2">
+          <p:cNvPr id="3074" name="Picture 2" descr="Резултат с изображение за „lab icon“">
             <a:extLst>
               <a:ext uri="{FF2B5EF4-FFF2-40B4-BE49-F238E27FC236}">
-                <a16:creationId xmlns:a16="http://schemas.microsoft.com/office/drawing/2014/main" id="{8D5572CE-1F12-498C-84D0-64345B971797}"/>
+                <a16:creationId xmlns:a16="http://schemas.microsoft.com/office/drawing/2014/main" id="{DB125463-2385-4C5D-B052-E4497080ABDC}"/>
               </a:ext>
             </a:extLst>
           </p:cNvPr>
           <p:cNvPicPr>
-            <a:picLocks noChangeAspect="1"/>
+            <a:picLocks noChangeAspect="1" noChangeArrowheads="1"/>
           </p:cNvPicPr>
           <p:nvPr/>
         </p:nvPicPr>
         <p:blipFill>
-          <a:blip r:embed="rId2"/>
+          <a:blip r:embed="rId2">
+            <a:extLst>
+              <a:ext uri="{28A0092B-C50C-407E-A947-70E740481C1C}">
+                <a14:useLocalDpi xmlns:a14="http://schemas.microsoft.com/office/drawing/2010/main" val="0"/>
+              </a:ext>
+            </a:extLst>
+          </a:blip>
+          <a:srcRect/>
           <a:stretch>
             <a:fillRect/>
           </a:stretch>
         </p:blipFill>
-        <p:spPr>
+        <p:spPr bwMode="auto">
           <a:xfrm>
-            <a:off x="1257300" y="1452562"/>
-            <a:ext cx="9677400" cy="3952875"/>
+            <a:off x="5280995" y="1648884"/>
+            <a:ext cx="2291591" cy="2291591"/>
           </a:xfrm>
           <a:prstGeom prst="rect">
             <a:avLst/>
           </a:prstGeom>
+          <a:noFill/>
+          <a:extLst>
+            <a:ext uri="{909E8E84-426E-40DD-AFC4-6F175D3DCCD1}">
+              <a14:hiddenFill xmlns:a14="http://schemas.microsoft.com/office/drawing/2010/main">
+                <a:solidFill>
+                  <a:srgbClr val="FFFFFF"/>
+                </a:solidFill>
+              </a14:hiddenFill>
+            </a:ext>
+          </a:extLst>
         </p:spPr>
       </p:pic>
-      <p:sp>
-        <p:nvSpPr>
-          <p:cNvPr id="5" name="Rectangle 4">
-            <a:extLst>
-              <a:ext uri="{FF2B5EF4-FFF2-40B4-BE49-F238E27FC236}">
-                <a16:creationId xmlns:a16="http://schemas.microsoft.com/office/drawing/2014/main" id="{DD2DE777-618F-4671-9892-011ABA36B168}"/>
-              </a:ext>
-            </a:extLst>
-          </p:cNvPr>
-          <p:cNvSpPr/>
-          <p:nvPr/>
-        </p:nvSpPr>
-        <p:spPr>
-          <a:xfrm>
-            <a:off x="4520379" y="4208926"/>
-            <a:ext cx="958645" cy="646327"/>
-          </a:xfrm>
-          <a:prstGeom prst="rect">
-            <a:avLst/>
-          </a:prstGeom>
-          <a:solidFill>
-            <a:srgbClr val="CCCCFF"/>
-          </a:solidFill>
-          <a:ln w="50800" cap="flat">
-            <a:solidFill>
-              <a:srgbClr val="ACADDA"/>
-            </a:solidFill>
-            <a:prstDash val="solid"/>
-            <a:round/>
-          </a:ln>
-          <a:effectLst/>
-          <a:sp3d/>
-        </p:spPr>
-        <p:style>
-          <a:lnRef idx="0">
-            <a:scrgbClr r="0" g="0" b="0"/>
-          </a:lnRef>
-          <a:fillRef idx="0">
-            <a:scrgbClr r="0" g="0" b="0"/>
-          </a:fillRef>
-          <a:effectRef idx="0">
-            <a:scrgbClr r="0" g="0" b="0"/>
-          </a:effectRef>
-          <a:fontRef idx="none"/>
-        </p:style>
-        <p:txBody>
-          <a:bodyPr rot="0" spcFirstLastPara="1" vertOverflow="overflow" horzOverflow="overflow" vert="horz" wrap="square" lIns="45718" tIns="45718" rIns="45718" bIns="45718" numCol="1" spcCol="38100" rtlCol="0" anchor="ctr">
-            <a:spAutoFit/>
-          </a:bodyPr>
-          <a:lstStyle/>
-          <a:p>
-            <a:pPr marL="0" marR="0" indent="0" algn="ctr" defTabSz="914400" rtl="0" fontAlgn="auto" latinLnBrk="0" hangingPunct="0">
-              <a:lnSpc>
-                <a:spcPct val="100000"/>
-              </a:lnSpc>
-              <a:spcBef>
-                <a:spcPts val="0"/>
-              </a:spcBef>
-              <a:spcAft>
-                <a:spcPts val="0"/>
-              </a:spcAft>
-              <a:buClrTx/>
-              <a:buSzTx/>
-              <a:buFontTx/>
-              <a:buNone/>
-              <a:tabLst/>
-            </a:pPr>
-            <a:r>
-              <a:rPr kumimoji="0" lang="en-US" sz="1800" b="0" i="0" u="none" strike="noStrike" cap="all" spc="0" normalizeH="0" baseline="0" dirty="0">
-                <a:ln>
-                  <a:noFill/>
-                </a:ln>
-                <a:solidFill>
-                  <a:schemeClr val="bg1"/>
-                </a:solidFill>
-                <a:effectLst/>
-                <a:uFillTx/>
-                <a:latin typeface="AccordAlternate Regular"/>
-                <a:ea typeface="AccordAlternate Regular"/>
-                <a:cs typeface="AccordAlternate Regular"/>
-                <a:sym typeface="AccordAlternate Regular"/>
-              </a:rPr>
-              <a:t>Route table</a:t>
-            </a:r>
-          </a:p>
-        </p:txBody>
-      </p:sp>
-      <p:sp>
-        <p:nvSpPr>
-          <p:cNvPr id="8" name="Rectangle 7">
-            <a:extLst>
-              <a:ext uri="{FF2B5EF4-FFF2-40B4-BE49-F238E27FC236}">
-                <a16:creationId xmlns:a16="http://schemas.microsoft.com/office/drawing/2014/main" id="{F13C3E7C-CBAC-4790-830C-7A3726BF4393}"/>
-              </a:ext>
-            </a:extLst>
-          </p:cNvPr>
-          <p:cNvSpPr/>
-          <p:nvPr/>
-        </p:nvSpPr>
-        <p:spPr>
-          <a:xfrm>
-            <a:off x="6779956" y="4208927"/>
-            <a:ext cx="958645" cy="646327"/>
-          </a:xfrm>
-          <a:prstGeom prst="rect">
-            <a:avLst/>
-          </a:prstGeom>
-          <a:solidFill>
-            <a:srgbClr val="CCCCFF"/>
-          </a:solidFill>
-          <a:ln w="50800" cap="flat">
-            <a:solidFill>
-              <a:srgbClr val="ACADDA"/>
-            </a:solidFill>
-            <a:prstDash val="solid"/>
-            <a:round/>
-          </a:ln>
-          <a:effectLst/>
-          <a:sp3d/>
-        </p:spPr>
-        <p:style>
-          <a:lnRef idx="0">
-            <a:scrgbClr r="0" g="0" b="0"/>
-          </a:lnRef>
-          <a:fillRef idx="0">
-            <a:scrgbClr r="0" g="0" b="0"/>
-          </a:fillRef>
-          <a:effectRef idx="0">
-            <a:scrgbClr r="0" g="0" b="0"/>
-          </a:effectRef>
-          <a:fontRef idx="none"/>
-        </p:style>
-        <p:txBody>
-          <a:bodyPr rot="0" spcFirstLastPara="1" vertOverflow="overflow" horzOverflow="overflow" vert="horz" wrap="square" lIns="45718" tIns="45718" rIns="45718" bIns="45718" numCol="1" spcCol="38100" rtlCol="0" anchor="ctr">
-            <a:spAutoFit/>
-          </a:bodyPr>
-          <a:lstStyle/>
-          <a:p>
-            <a:pPr marL="0" marR="0" indent="0" algn="ctr" defTabSz="914400" rtl="0" fontAlgn="auto" latinLnBrk="0" hangingPunct="0">
-              <a:lnSpc>
-                <a:spcPct val="100000"/>
-              </a:lnSpc>
-              <a:spcBef>
-                <a:spcPts val="0"/>
-              </a:spcBef>
-              <a:spcAft>
-                <a:spcPts val="0"/>
-              </a:spcAft>
-              <a:buClrTx/>
-              <a:buSzTx/>
-              <a:buFontTx/>
-              <a:buNone/>
-              <a:tabLst/>
-            </a:pPr>
-            <a:r>
-              <a:rPr kumimoji="0" lang="en-US" sz="1800" b="0" i="0" u="none" strike="noStrike" cap="all" spc="0" normalizeH="0" baseline="0" dirty="0">
-                <a:ln>
-                  <a:noFill/>
-                </a:ln>
-                <a:solidFill>
-                  <a:schemeClr val="bg1"/>
-                </a:solidFill>
-                <a:effectLst/>
-                <a:uFillTx/>
-                <a:latin typeface="AccordAlternate Regular"/>
-                <a:ea typeface="AccordAlternate Regular"/>
-                <a:cs typeface="AccordAlternate Regular"/>
-                <a:sym typeface="AccordAlternate Regular"/>
-              </a:rPr>
-              <a:t>Route table</a:t>
-            </a:r>
-          </a:p>
-        </p:txBody>
-      </p:sp>
-      <p:sp>
-        <p:nvSpPr>
-          <p:cNvPr id="6" name="Rectangle 5">
-            <a:extLst>
-              <a:ext uri="{FF2B5EF4-FFF2-40B4-BE49-F238E27FC236}">
-                <a16:creationId xmlns:a16="http://schemas.microsoft.com/office/drawing/2014/main" id="{AB5B08F1-963F-4F7C-B308-56B5BEB1CA44}"/>
-              </a:ext>
-            </a:extLst>
-          </p:cNvPr>
-          <p:cNvSpPr/>
-          <p:nvPr/>
-        </p:nvSpPr>
-        <p:spPr>
-          <a:xfrm>
-            <a:off x="4587114" y="5590103"/>
-            <a:ext cx="3151487" cy="400105"/>
-          </a:xfrm>
-          <a:prstGeom prst="rect">
-            <a:avLst/>
-          </a:prstGeom>
-          <a:solidFill>
-            <a:srgbClr val="CCCCFF"/>
-          </a:solidFill>
-          <a:ln w="25400" cap="flat">
-            <a:solidFill>
-              <a:srgbClr val="ACADDA"/>
-            </a:solidFill>
-            <a:prstDash val="solid"/>
-            <a:round/>
-          </a:ln>
-          <a:effectLst/>
-          <a:sp3d/>
-        </p:spPr>
-        <p:style>
-          <a:lnRef idx="0">
-            <a:scrgbClr r="0" g="0" b="0"/>
-          </a:lnRef>
-          <a:fillRef idx="0">
-            <a:scrgbClr r="0" g="0" b="0"/>
-          </a:fillRef>
-          <a:effectRef idx="0">
-            <a:scrgbClr r="0" g="0" b="0"/>
-          </a:effectRef>
-          <a:fontRef idx="none"/>
-        </p:style>
-        <p:txBody>
-          <a:bodyPr rot="0" spcFirstLastPara="1" vertOverflow="overflow" horzOverflow="overflow" vert="horz" wrap="square" lIns="45718" tIns="45718" rIns="45718" bIns="45718" numCol="1" spcCol="38100" rtlCol="0" anchor="ctr">
-            <a:spAutoFit/>
-          </a:bodyPr>
-          <a:lstStyle/>
-          <a:p>
-            <a:pPr algn="ctr">
-              <a:lnSpc>
-                <a:spcPct val="100000"/>
-              </a:lnSpc>
-              <a:spcBef>
-                <a:spcPts val="0"/>
-              </a:spcBef>
-            </a:pPr>
-            <a:r>
-              <a:rPr lang="en-US" dirty="0">
-                <a:solidFill>
-                  <a:schemeClr val="bg1"/>
-                </a:solidFill>
-              </a:rPr>
-              <a:t>Border Gateway Protocol</a:t>
-            </a:r>
-          </a:p>
-        </p:txBody>
-      </p:sp>
-      <p:cxnSp>
-        <p:nvCxnSpPr>
-          <p:cNvPr id="9" name="Straight Arrow Connector 8">
-            <a:extLst>
-              <a:ext uri="{FF2B5EF4-FFF2-40B4-BE49-F238E27FC236}">
-                <a16:creationId xmlns:a16="http://schemas.microsoft.com/office/drawing/2014/main" id="{C12CB9FD-BB6D-4D3D-B158-3B5502D6F2A8}"/>
-              </a:ext>
-            </a:extLst>
-          </p:cNvPr>
-          <p:cNvCxnSpPr>
-            <a:cxnSpLocks/>
-          </p:cNvCxnSpPr>
-          <p:nvPr/>
-        </p:nvCxnSpPr>
-        <p:spPr>
-          <a:xfrm flipV="1">
-            <a:off x="4989094" y="4855253"/>
-            <a:ext cx="1" cy="734850"/>
-          </a:xfrm>
-          <a:prstGeom prst="straightConnector1">
-            <a:avLst/>
-          </a:prstGeom>
-          <a:noFill/>
-          <a:ln w="25400" cap="flat">
-            <a:solidFill>
-              <a:schemeClr val="bg1"/>
-            </a:solidFill>
-            <a:prstDash val="solid"/>
-            <a:round/>
-            <a:tailEnd type="triangle"/>
-          </a:ln>
-          <a:effectLst/>
-          <a:sp3d/>
-        </p:spPr>
-        <p:style>
-          <a:lnRef idx="0">
-            <a:scrgbClr r="0" g="0" b="0"/>
-          </a:lnRef>
-          <a:fillRef idx="0">
-            <a:scrgbClr r="0" g="0" b="0"/>
-          </a:fillRef>
-          <a:effectRef idx="0">
-            <a:scrgbClr r="0" g="0" b="0"/>
-          </a:effectRef>
-          <a:fontRef idx="none"/>
-        </p:style>
-      </p:cxnSp>
-      <p:cxnSp>
-        <p:nvCxnSpPr>
-          <p:cNvPr id="10" name="Straight Arrow Connector 9">
-            <a:extLst>
-              <a:ext uri="{FF2B5EF4-FFF2-40B4-BE49-F238E27FC236}">
-                <a16:creationId xmlns:a16="http://schemas.microsoft.com/office/drawing/2014/main" id="{F4839233-FD9C-4B3C-9E97-10FFCA83357F}"/>
-              </a:ext>
-            </a:extLst>
-          </p:cNvPr>
-          <p:cNvCxnSpPr>
-            <a:cxnSpLocks/>
-          </p:cNvCxnSpPr>
-          <p:nvPr/>
-        </p:nvCxnSpPr>
-        <p:spPr>
-          <a:xfrm flipV="1">
-            <a:off x="7259277" y="4855253"/>
-            <a:ext cx="1" cy="734850"/>
-          </a:xfrm>
-          <a:prstGeom prst="straightConnector1">
-            <a:avLst/>
-          </a:prstGeom>
-          <a:noFill/>
-          <a:ln w="25400" cap="flat">
-            <a:solidFill>
-              <a:schemeClr val="bg1"/>
-            </a:solidFill>
-            <a:prstDash val="solid"/>
-            <a:round/>
-            <a:tailEnd type="triangle"/>
-          </a:ln>
-          <a:effectLst/>
-          <a:sp3d/>
-        </p:spPr>
-        <p:style>
-          <a:lnRef idx="0">
-            <a:scrgbClr r="0" g="0" b="0"/>
-          </a:lnRef>
-          <a:fillRef idx="0">
-            <a:scrgbClr r="0" g="0" b="0"/>
-          </a:fillRef>
-          <a:effectRef idx="0">
-            <a:scrgbClr r="0" g="0" b="0"/>
-          </a:effectRef>
-          <a:fontRef idx="none"/>
-        </p:style>
-      </p:cxnSp>
     </p:spTree>
     <p:extLst>
       <p:ext uri="{BB962C8B-B14F-4D97-AF65-F5344CB8AC3E}">
-        <p14:creationId xmlns:p14="http://schemas.microsoft.com/office/powerpoint/2010/main" val="2517687178"/>
+        <p14:creationId xmlns:p14="http://schemas.microsoft.com/office/powerpoint/2010/main" val="3492329810"/>
       </p:ext>
     </p:extLst>
   </p:cSld>
@@ -10494,7 +12061,7 @@
 </p:sld>
 </file>
 
-<file path=ppt/slides/slide30.xml><?xml version="1.0" encoding="utf-8"?>
+<file path=ppt/slides/slide38.xml><?xml version="1.0" encoding="utf-8"?>
 <p:sld xmlns:a="http://schemas.openxmlformats.org/drawingml/2006/main" xmlns:r="http://schemas.openxmlformats.org/officeDocument/2006/relationships" xmlns:p="http://schemas.openxmlformats.org/presentationml/2006/main">
   <p:cSld>
     <p:spTree>
@@ -10689,7 +12256,7 @@
 </p:sld>
 </file>
 
-<file path=ppt/slides/slide31.xml><?xml version="1.0" encoding="utf-8"?>
+<file path=ppt/slides/slide39.xml><?xml version="1.0" encoding="utf-8"?>
 <p:sld xmlns:a="http://schemas.openxmlformats.org/drawingml/2006/main" xmlns:r="http://schemas.openxmlformats.org/officeDocument/2006/relationships" xmlns:p="http://schemas.openxmlformats.org/presentationml/2006/main">
   <p:cSld>
     <p:spTree>
@@ -10795,7 +12362,10 @@
             </a:r>
           </a:p>
           <a:p>
-            <a:endParaRPr lang="en-US" dirty="0"/>
+            <a:r>
+              <a:rPr lang="en-US" dirty="0"/>
+              <a:t>Default - Outbound: All, Inbound: None</a:t>
+            </a:r>
           </a:p>
         </p:txBody>
       </p:sp>
@@ -10821,7 +12391,7 @@
         </p:blipFill>
         <p:spPr>
           <a:xfrm>
-            <a:off x="2520791" y="4546614"/>
+            <a:off x="2520791" y="4856857"/>
             <a:ext cx="7445385" cy="1150720"/>
           </a:xfrm>
           <a:prstGeom prst="rect">
@@ -10843,7 +12413,7 @@
 </p:sld>
 </file>
 
-<file path=ppt/slides/slide32.xml><?xml version="1.0" encoding="utf-8"?>
+<file path=ppt/slides/slide4.xml><?xml version="1.0" encoding="utf-8"?>
 <p:sld xmlns:a="http://schemas.openxmlformats.org/drawingml/2006/main" xmlns:r="http://schemas.openxmlformats.org/officeDocument/2006/relationships" xmlns:p="http://schemas.openxmlformats.org/presentationml/2006/main">
   <p:cSld>
     <p:spTree>
@@ -10882,6 +12452,165 @@
           <a:lstStyle/>
           <a:p>
             <a:r>
+              <a:rPr lang="en-US" dirty="0" err="1"/>
+              <a:t>ip</a:t>
+            </a:r>
+            <a:r>
+              <a:rPr lang="en-US" dirty="0"/>
+              <a:t> addresses</a:t>
+            </a:r>
+          </a:p>
+        </p:txBody>
+      </p:sp>
+      <p:sp>
+        <p:nvSpPr>
+          <p:cNvPr id="5" name="Text Placeholder 4">
+            <a:extLst>
+              <a:ext uri="{FF2B5EF4-FFF2-40B4-BE49-F238E27FC236}">
+                <a16:creationId xmlns:a16="http://schemas.microsoft.com/office/drawing/2014/main" id="{820F42A9-79D7-4349-9926-4AF55D7A6A29}"/>
+              </a:ext>
+            </a:extLst>
+          </p:cNvPr>
+          <p:cNvSpPr>
+            <a:spLocks noGrp="1"/>
+          </p:cNvSpPr>
+          <p:nvPr>
+            <p:ph type="body" idx="1"/>
+          </p:nvPr>
+        </p:nvSpPr>
+        <p:spPr/>
+        <p:txBody>
+          <a:bodyPr>
+            <a:normAutofit/>
+          </a:bodyPr>
+          <a:lstStyle/>
+          <a:p>
+            <a:r>
+              <a:rPr lang="en-US" dirty="0"/>
+              <a:t>Internet Protocol v4 address is 32bit number (IPv6 128 bit)</a:t>
+            </a:r>
+          </a:p>
+          <a:p>
+            <a:r>
+              <a:rPr lang="en-US" dirty="0"/>
+              <a:t>Address space is 2</a:t>
+            </a:r>
+            <a:r>
+              <a:rPr lang="en-US" baseline="30000" dirty="0"/>
+              <a:t>32</a:t>
+            </a:r>
+            <a:r>
+              <a:rPr lang="en-US" dirty="0"/>
+              <a:t> = 4,294,967,296 IPs</a:t>
+            </a:r>
+          </a:p>
+          <a:p>
+            <a:r>
+              <a:rPr lang="en-US" dirty="0"/>
+              <a:t>IP Notation: 0.0.0.0 to 255.255.255.255</a:t>
+            </a:r>
+          </a:p>
+          <a:p>
+            <a:r>
+              <a:rPr lang="en-US" dirty="0"/>
+              <a:t>Subnet mask – number of bits dedicated for </a:t>
+            </a:r>
+            <a:r>
+              <a:rPr lang="en-US" b="1" dirty="0"/>
+              <a:t>network</a:t>
+            </a:r>
+            <a:r>
+              <a:rPr lang="en-US" dirty="0"/>
+              <a:t> address (subnet)</a:t>
+            </a:r>
+          </a:p>
+          <a:p>
+            <a:r>
+              <a:rPr lang="en-US" dirty="0"/>
+              <a:t>CIDR Notation: /0 to /32</a:t>
+            </a:r>
+          </a:p>
+          <a:p>
+            <a:r>
+              <a:rPr lang="en-US" dirty="0"/>
+              <a:t>Remaining part is for </a:t>
+            </a:r>
+            <a:r>
+              <a:rPr lang="en-US" b="1" dirty="0"/>
+              <a:t>host</a:t>
+            </a:r>
+            <a:r>
+              <a:rPr lang="en-US" dirty="0"/>
+              <a:t> address</a:t>
+            </a:r>
+          </a:p>
+          <a:p>
+            <a:endParaRPr lang="en-US" dirty="0"/>
+          </a:p>
+          <a:p>
+            <a:pPr marL="0" indent="0">
+              <a:buNone/>
+            </a:pPr>
+            <a:r>
+              <a:rPr lang="en-US" dirty="0"/>
+              <a:t>Example of CIDR Block: 10.0.0.0/24</a:t>
+            </a:r>
+          </a:p>
+        </p:txBody>
+      </p:sp>
+    </p:spTree>
+    <p:extLst>
+      <p:ext uri="{BB962C8B-B14F-4D97-AF65-F5344CB8AC3E}">
+        <p14:creationId xmlns:p14="http://schemas.microsoft.com/office/powerpoint/2010/main" val="3395705266"/>
+      </p:ext>
+    </p:extLst>
+  </p:cSld>
+  <p:clrMapOvr>
+    <a:masterClrMapping/>
+  </p:clrMapOvr>
+  <p:transition spd="med"/>
+</p:sld>
+</file>
+
+<file path=ppt/slides/slide40.xml><?xml version="1.0" encoding="utf-8"?>
+<p:sld xmlns:a="http://schemas.openxmlformats.org/drawingml/2006/main" xmlns:r="http://schemas.openxmlformats.org/officeDocument/2006/relationships" xmlns:p="http://schemas.openxmlformats.org/presentationml/2006/main">
+  <p:cSld>
+    <p:spTree>
+      <p:nvGrpSpPr>
+        <p:cNvPr id="1" name=""/>
+        <p:cNvGrpSpPr/>
+        <p:nvPr/>
+      </p:nvGrpSpPr>
+      <p:grpSpPr>
+        <a:xfrm>
+          <a:off x="0" y="0"/>
+          <a:ext cx="0" cy="0"/>
+          <a:chOff x="0" y="0"/>
+          <a:chExt cx="0" cy="0"/>
+        </a:xfrm>
+      </p:grpSpPr>
+      <p:sp>
+        <p:nvSpPr>
+          <p:cNvPr id="4" name="Title 3">
+            <a:extLst>
+              <a:ext uri="{FF2B5EF4-FFF2-40B4-BE49-F238E27FC236}">
+                <a16:creationId xmlns:a16="http://schemas.microsoft.com/office/drawing/2014/main" id="{CC5E2F0B-67F5-49A0-BA6A-1B76D496ADA6}"/>
+              </a:ext>
+            </a:extLst>
+          </p:cNvPr>
+          <p:cNvSpPr>
+            <a:spLocks noGrp="1"/>
+          </p:cNvSpPr>
+          <p:nvPr>
+            <p:ph type="title"/>
+          </p:nvPr>
+        </p:nvSpPr>
+        <p:spPr/>
+        <p:txBody>
+          <a:bodyPr/>
+          <a:lstStyle/>
+          <a:p>
+            <a:r>
               <a:rPr lang="en-US" dirty="0"/>
               <a:t>Network ACLs</a:t>
             </a:r>
@@ -10950,6 +12679,12 @@
             <a:r>
               <a:rPr lang="en-US" dirty="0"/>
               <a:t>Provides prevention from too bread access</a:t>
+            </a:r>
+          </a:p>
+          <a:p>
+            <a:r>
+              <a:rPr lang="en-US" dirty="0"/>
+              <a:t>Default – Outbound: Allow All, Inbound: Allow All</a:t>
             </a:r>
           </a:p>
           <a:p>
@@ -10979,7 +12714,7 @@
         </p:blipFill>
         <p:spPr>
           <a:xfrm>
-            <a:off x="2548582" y="4157961"/>
+            <a:off x="2548582" y="4541682"/>
             <a:ext cx="7094835" cy="1539373"/>
           </a:xfrm>
           <a:prstGeom prst="rect">
@@ -11001,7 +12736,7 @@
 </p:sld>
 </file>
 
-<file path=ppt/slides/slide33.xml><?xml version="1.0" encoding="utf-8"?>
+<file path=ppt/slides/slide41.xml><?xml version="1.0" encoding="utf-8"?>
 <p:sld xmlns:a="http://schemas.openxmlformats.org/drawingml/2006/main" xmlns:r="http://schemas.openxmlformats.org/officeDocument/2006/relationships" xmlns:p="http://schemas.openxmlformats.org/presentationml/2006/main">
   <p:cSld>
     <p:spTree>
@@ -11113,7 +12848,7 @@
 </p:sld>
 </file>
 
-<file path=ppt/slides/slide34.xml><?xml version="1.0" encoding="utf-8"?>
+<file path=ppt/slides/slide42.xml><?xml version="1.0" encoding="utf-8"?>
 <p:sld xmlns:a="http://schemas.openxmlformats.org/drawingml/2006/main" xmlns:r="http://schemas.openxmlformats.org/officeDocument/2006/relationships" xmlns:p="http://schemas.openxmlformats.org/presentationml/2006/main">
   <p:cSld>
     <p:spTree>
@@ -11210,7 +12945,7 @@
     </p:spTree>
     <p:extLst>
       <p:ext uri="{BB962C8B-B14F-4D97-AF65-F5344CB8AC3E}">
-        <p14:creationId xmlns:p14="http://schemas.microsoft.com/office/powerpoint/2010/main" val="2213253566"/>
+        <p14:creationId xmlns:p14="http://schemas.microsoft.com/office/powerpoint/2010/main" val="1951644381"/>
       </p:ext>
     </p:extLst>
   </p:cSld>
@@ -11221,7 +12956,74 @@
 </p:sld>
 </file>
 
-<file path=ppt/slides/slide35.xml><?xml version="1.0" encoding="utf-8"?>
+<file path=ppt/slides/slide43.xml><?xml version="1.0" encoding="utf-8"?>
+<p:sld xmlns:a="http://schemas.openxmlformats.org/drawingml/2006/main" xmlns:r="http://schemas.openxmlformats.org/officeDocument/2006/relationships" xmlns:p="http://schemas.openxmlformats.org/presentationml/2006/main">
+  <p:cSld>
+    <p:spTree>
+      <p:nvGrpSpPr>
+        <p:cNvPr id="1" name=""/>
+        <p:cNvGrpSpPr/>
+        <p:nvPr/>
+      </p:nvGrpSpPr>
+      <p:grpSpPr>
+        <a:xfrm>
+          <a:off x="0" y="0"/>
+          <a:ext cx="0" cy="0"/>
+          <a:chOff x="0" y="0"/>
+          <a:chExt cx="0" cy="0"/>
+        </a:xfrm>
+      </p:grpSpPr>
+      <p:sp>
+        <p:nvSpPr>
+          <p:cNvPr id="3" name="Title 2">
+            <a:extLst>
+              <a:ext uri="{FF2B5EF4-FFF2-40B4-BE49-F238E27FC236}">
+                <a16:creationId xmlns:a16="http://schemas.microsoft.com/office/drawing/2014/main" id="{2DDAC821-55EE-4A40-B8B7-6B13F4B9DE25}"/>
+              </a:ext>
+            </a:extLst>
+          </p:cNvPr>
+          <p:cNvSpPr>
+            <a:spLocks noGrp="1"/>
+          </p:cNvSpPr>
+          <p:nvPr>
+            <p:ph type="title"/>
+          </p:nvPr>
+        </p:nvSpPr>
+        <p:spPr>
+          <a:xfrm>
+            <a:off x="0" y="0"/>
+            <a:ext cx="12192000" cy="6858000"/>
+          </a:xfrm>
+        </p:spPr>
+        <p:txBody>
+          <a:bodyPr>
+            <a:normAutofit/>
+          </a:bodyPr>
+          <a:lstStyle/>
+          <a:p>
+            <a:pPr algn="ctr"/>
+            <a:r>
+              <a:rPr lang="en-US" dirty="0"/>
+              <a:t>Q&amp;A</a:t>
+            </a:r>
+          </a:p>
+        </p:txBody>
+      </p:sp>
+    </p:spTree>
+    <p:extLst>
+      <p:ext uri="{BB962C8B-B14F-4D97-AF65-F5344CB8AC3E}">
+        <p14:creationId xmlns:p14="http://schemas.microsoft.com/office/powerpoint/2010/main" val="1082862941"/>
+      </p:ext>
+    </p:extLst>
+  </p:cSld>
+  <p:clrMapOvr>
+    <a:masterClrMapping/>
+  </p:clrMapOvr>
+  <p:transition spd="med"/>
+</p:sld>
+</file>
+
+<file path=ppt/slides/slide44.xml><?xml version="1.0" encoding="utf-8"?>
 <p:sld xmlns:a="http://schemas.openxmlformats.org/drawingml/2006/main" xmlns:r="http://schemas.openxmlformats.org/officeDocument/2006/relationships" xmlns:p="http://schemas.openxmlformats.org/presentationml/2006/main">
   <p:cSld>
     <p:spTree>
@@ -11355,7 +13157,7 @@
 </p:sld>
 </file>
 
-<file path=ppt/slides/slide36.xml><?xml version="1.0" encoding="utf-8"?>
+<file path=ppt/slides/slide45.xml><?xml version="1.0" encoding="utf-8"?>
 <p:sld xmlns:a="http://schemas.openxmlformats.org/drawingml/2006/main" xmlns:r="http://schemas.openxmlformats.org/officeDocument/2006/relationships" xmlns:p="http://schemas.openxmlformats.org/presentationml/2006/main">
   <p:cSld>
     <p:spTree>
@@ -11425,8 +13227,13 @@
           <a:p>
             <a:r>
               <a:rPr lang="en-US" dirty="0"/>
-              <a:t>Endpoints and Endpoint Service (Illustration?)</a:t>
-            </a:r>
+              <a:t>Endpoints and </a:t>
+            </a:r>
+            <a:r>
+              <a:rPr lang="en-US"/>
+              <a:t>Endpoint Service</a:t>
+            </a:r>
+            <a:endParaRPr lang="en-US" dirty="0"/>
           </a:p>
           <a:p>
             <a:pPr lvl="1"/>
@@ -11550,7 +13357,7 @@
 </p:sld>
 </file>
 
-<file path=ppt/slides/slide37.xml><?xml version="1.0" encoding="utf-8"?>
+<file path=ppt/slides/slide46.xml><?xml version="1.0" encoding="utf-8"?>
 <p:sld xmlns:a="http://schemas.openxmlformats.org/drawingml/2006/main" xmlns:r="http://schemas.openxmlformats.org/officeDocument/2006/relationships" xmlns:p="http://schemas.openxmlformats.org/presentationml/2006/main">
   <p:cSld>
     <p:spTree>
@@ -11620,6 +13427,15 @@
               <a:rPr lang="en-US" dirty="0"/>
               <a:t>Time for you to practice</a:t>
             </a:r>
+          </a:p>
+          <a:p>
+            <a:r>
+              <a:rPr lang="en-US" dirty="0"/>
+              <a:t>Lab Exercise - Part V and VI</a:t>
+            </a:r>
+          </a:p>
+          <a:p>
+            <a:endParaRPr lang="en-US" dirty="0"/>
           </a:p>
         </p:txBody>
       </p:sp>
@@ -11673,166 +13489,7 @@
     </p:spTree>
     <p:extLst>
       <p:ext uri="{BB962C8B-B14F-4D97-AF65-F5344CB8AC3E}">
-        <p14:creationId xmlns:p14="http://schemas.microsoft.com/office/powerpoint/2010/main" val="3492329810"/>
-      </p:ext>
-    </p:extLst>
-  </p:cSld>
-  <p:clrMapOvr>
-    <a:masterClrMapping/>
-  </p:clrMapOvr>
-  <p:transition spd="med"/>
-</p:sld>
-</file>
-
-<file path=ppt/slides/slide4.xml><?xml version="1.0" encoding="utf-8"?>
-<p:sld xmlns:a="http://schemas.openxmlformats.org/drawingml/2006/main" xmlns:r="http://schemas.openxmlformats.org/officeDocument/2006/relationships" xmlns:p="http://schemas.openxmlformats.org/presentationml/2006/main">
-  <p:cSld>
-    <p:spTree>
-      <p:nvGrpSpPr>
-        <p:cNvPr id="1" name=""/>
-        <p:cNvGrpSpPr/>
-        <p:nvPr/>
-      </p:nvGrpSpPr>
-      <p:grpSpPr>
-        <a:xfrm>
-          <a:off x="0" y="0"/>
-          <a:ext cx="0" cy="0"/>
-          <a:chOff x="0" y="0"/>
-          <a:chExt cx="0" cy="0"/>
-        </a:xfrm>
-      </p:grpSpPr>
-      <p:sp>
-        <p:nvSpPr>
-          <p:cNvPr id="4" name="Title 3">
-            <a:extLst>
-              <a:ext uri="{FF2B5EF4-FFF2-40B4-BE49-F238E27FC236}">
-                <a16:creationId xmlns:a16="http://schemas.microsoft.com/office/drawing/2014/main" id="{CC5E2F0B-67F5-49A0-BA6A-1B76D496ADA6}"/>
-              </a:ext>
-            </a:extLst>
-          </p:cNvPr>
-          <p:cNvSpPr>
-            <a:spLocks noGrp="1"/>
-          </p:cNvSpPr>
-          <p:nvPr>
-            <p:ph type="title"/>
-          </p:nvPr>
-        </p:nvSpPr>
-        <p:spPr/>
-        <p:txBody>
-          <a:bodyPr/>
-          <a:lstStyle/>
-          <a:p>
-            <a:r>
-              <a:rPr lang="en-US" dirty="0" err="1"/>
-              <a:t>ip</a:t>
-            </a:r>
-            <a:r>
-              <a:rPr lang="en-US" dirty="0"/>
-              <a:t> addresses</a:t>
-            </a:r>
-          </a:p>
-        </p:txBody>
-      </p:sp>
-      <p:sp>
-        <p:nvSpPr>
-          <p:cNvPr id="5" name="Text Placeholder 4">
-            <a:extLst>
-              <a:ext uri="{FF2B5EF4-FFF2-40B4-BE49-F238E27FC236}">
-                <a16:creationId xmlns:a16="http://schemas.microsoft.com/office/drawing/2014/main" id="{820F42A9-79D7-4349-9926-4AF55D7A6A29}"/>
-              </a:ext>
-            </a:extLst>
-          </p:cNvPr>
-          <p:cNvSpPr>
-            <a:spLocks noGrp="1"/>
-          </p:cNvSpPr>
-          <p:nvPr>
-            <p:ph type="body" idx="1"/>
-          </p:nvPr>
-        </p:nvSpPr>
-        <p:spPr/>
-        <p:txBody>
-          <a:bodyPr>
-            <a:normAutofit/>
-          </a:bodyPr>
-          <a:lstStyle/>
-          <a:p>
-            <a:r>
-              <a:rPr lang="en-US" dirty="0"/>
-              <a:t>Internet Protocol v4 address is 32bit number (IPv6 128 bit)</a:t>
-            </a:r>
-          </a:p>
-          <a:p>
-            <a:r>
-              <a:rPr lang="en-US" dirty="0"/>
-              <a:t>Address space is 2</a:t>
-            </a:r>
-            <a:r>
-              <a:rPr lang="en-US" baseline="30000" dirty="0"/>
-              <a:t>32</a:t>
-            </a:r>
-            <a:r>
-              <a:rPr lang="en-US" dirty="0"/>
-              <a:t> = 4,294,967,296 IPs</a:t>
-            </a:r>
-          </a:p>
-          <a:p>
-            <a:r>
-              <a:rPr lang="en-US" dirty="0"/>
-              <a:t>IP Notation: 0.0.0.0 to 255.255.255.255</a:t>
-            </a:r>
-          </a:p>
-          <a:p>
-            <a:r>
-              <a:rPr lang="en-US" dirty="0"/>
-              <a:t>Subnet mask – number of bits dedicated for </a:t>
-            </a:r>
-            <a:r>
-              <a:rPr lang="en-US" b="1" dirty="0"/>
-              <a:t>network</a:t>
-            </a:r>
-            <a:r>
-              <a:rPr lang="en-US" dirty="0"/>
-              <a:t> address (subnet)</a:t>
-            </a:r>
-          </a:p>
-          <a:p>
-            <a:r>
-              <a:rPr lang="en-US" dirty="0"/>
-              <a:t>CIDR Notation: /0 to /32</a:t>
-            </a:r>
-          </a:p>
-          <a:p>
-            <a:r>
-              <a:rPr lang="en-US" dirty="0"/>
-              <a:t>Remaining part is for </a:t>
-            </a:r>
-            <a:r>
-              <a:rPr lang="en-US" b="1" dirty="0"/>
-              <a:t>host</a:t>
-            </a:r>
-            <a:r>
-              <a:rPr lang="en-US" dirty="0"/>
-              <a:t> address</a:t>
-            </a:r>
-          </a:p>
-          <a:p>
-            <a:endParaRPr lang="en-US" dirty="0"/>
-          </a:p>
-          <a:p>
-            <a:pPr marL="0" indent="0">
-              <a:buNone/>
-            </a:pPr>
-            <a:r>
-              <a:rPr lang="en-US" dirty="0"/>
-              <a:t>Example of CIDR Block: 10.0.0.0/24</a:t>
-            </a:r>
-          </a:p>
-        </p:txBody>
-      </p:sp>
-    </p:spTree>
-    <p:extLst>
-      <p:ext uri="{BB962C8B-B14F-4D97-AF65-F5344CB8AC3E}">
-        <p14:creationId xmlns:p14="http://schemas.microsoft.com/office/powerpoint/2010/main" val="3395705266"/>
+        <p14:creationId xmlns:p14="http://schemas.microsoft.com/office/powerpoint/2010/main" val="874971887"/>
       </p:ext>
     </p:extLst>
   </p:cSld>
@@ -11923,10 +13580,7 @@
             <a:pPr marL="0" indent="0">
               <a:buNone/>
             </a:pPr>
-            <a:r>
-              <a:rPr lang="en-US" dirty="0"/>
-              <a:t>CIDR block:       10.0.0.10/24</a:t>
-            </a:r>
+            <a:endParaRPr lang="en-US" dirty="0"/>
           </a:p>
           <a:p>
             <a:pPr marL="0" indent="0">
@@ -11934,7 +13588,7 @@
             </a:pPr>
             <a:r>
               <a:rPr lang="en-US" dirty="0"/>
-              <a:t>IP address:           10.0.0.10 = 00001010.00000000.00000000.00001010</a:t>
+              <a:t>CIDR block:           10.0.0.0/24 = 00001010.00000000.00000000.00000000</a:t>
             </a:r>
           </a:p>
           <a:p>
@@ -11943,7 +13597,7 @@
             </a:pPr>
             <a:r>
               <a:rPr lang="en-US" dirty="0"/>
-              <a:t>Mask: /24 = 255.255.255.0 = 11111111.11111111.11111111.00000000</a:t>
+              <a:t>Mask:     /24 = 255.255.255.0 = 11111111.11111111.11111111.00000000</a:t>
             </a:r>
           </a:p>
           <a:p>
@@ -11952,7 +13606,7 @@
             </a:pPr>
             <a:r>
               <a:rPr lang="en-US" dirty="0"/>
-              <a:t>Hosts:            2</a:t>
+              <a:t>Hosts:                 2</a:t>
             </a:r>
             <a:r>
               <a:rPr lang="en-US" baseline="30000" dirty="0"/>
@@ -11968,7 +13622,7 @@
             </a:r>
             <a:r>
               <a:rPr lang="en-US" dirty="0"/>
-              <a:t>=256 = {00001010.00000000.00000000.00000000 - 	                                         			                00001010.00000000.00000000.11111111}=</a:t>
+              <a:t>=256 ={00001010.00000000.00000000.00000000 -</a:t>
             </a:r>
           </a:p>
           <a:p>
@@ -11977,7 +13631,16 @@
             </a:pPr>
             <a:r>
               <a:rPr lang="en-US" dirty="0"/>
-              <a:t>				={10.0.0.0 - 10.0.0.255}</a:t>
+              <a:t>	              		        00001010.00000000.00000000.11111111}=</a:t>
+            </a:r>
+          </a:p>
+          <a:p>
+            <a:pPr marL="0" indent="0">
+              <a:buNone/>
+            </a:pPr>
+            <a:r>
+              <a:rPr lang="en-US" dirty="0"/>
+              <a:t>				    ={10.0.0.0 - 10.0.0.255}</a:t>
             </a:r>
           </a:p>
           <a:p>
@@ -11992,7 +13655,7 @@
             </a:pPr>
             <a:r>
               <a:rPr lang="en-US" dirty="0"/>
-              <a:t>Hosts in 10.0.0.10/24 are from 10.0.0.0 to 10.0.0.255</a:t>
+              <a:t>Hosts in 10.0.0.0/24 are from 10.0.0.0 to 10.0.0.255</a:t>
             </a:r>
           </a:p>
         </p:txBody>
@@ -12011,7 +13674,7 @@
         </p:nvSpPr>
         <p:spPr>
           <a:xfrm rot="5400000">
-            <a:off x="6675354" y="94045"/>
+            <a:off x="6993757" y="94045"/>
             <a:ext cx="324290" cy="4077346"/>
           </a:xfrm>
           <a:prstGeom prst="leftBrace">
@@ -12092,7 +13755,7 @@
         </p:nvSpPr>
         <p:spPr>
           <a:xfrm rot="5400000">
-            <a:off x="9472723" y="1496538"/>
+            <a:off x="9791126" y="1496538"/>
             <a:ext cx="324291" cy="1272363"/>
           </a:xfrm>
           <a:prstGeom prst="leftBrace">
@@ -12294,7 +13957,14 @@
           <a:p>
             <a:r>
               <a:rPr lang="en-US" dirty="0"/>
-              <a:t>Classless Inter-Domain Routing (CIDR) </a:t>
+              <a:t>Classless Inter-Domain Routing (CIDR)</a:t>
+            </a:r>
+          </a:p>
+          <a:p>
+            <a:pPr lvl="1"/>
+            <a:r>
+              <a:rPr lang="en-US" dirty="0"/>
+              <a:t>Fixes issues with previous Classful addressing</a:t>
             </a:r>
           </a:p>
           <a:p>
@@ -12360,7 +14030,7 @@
           <a:p>
             <a:r>
               <a:rPr lang="en-US" dirty="0"/>
-              <a:t>Private networks</a:t>
+              <a:t>NETWORKs and HOSTS SUBNET1</a:t>
             </a:r>
           </a:p>
         </p:txBody>
@@ -12388,49 +14058,312 @@
           </a:bodyPr>
           <a:lstStyle/>
           <a:p>
-            <a:r>
-              <a:rPr lang="en-US" dirty="0"/>
-              <a:t>Originated from IPv4 address exhaustion but now used for security</a:t>
-            </a:r>
-          </a:p>
-          <a:p>
-            <a:r>
-              <a:rPr lang="en-US" dirty="0"/>
-              <a:t>IP addresses reserved for Private networks</a:t>
-            </a:r>
-          </a:p>
-          <a:p>
-            <a:pPr lvl="1"/>
-            <a:r>
-              <a:rPr lang="en-US" dirty="0"/>
-              <a:t>10.0.0.0/8 , 172.16.0.0/12  or 192.168.0.0/16</a:t>
-            </a:r>
-          </a:p>
-          <a:p>
-            <a:r>
-              <a:rPr lang="en-US" dirty="0"/>
-              <a:t>Private IP packets not routed in Internet</a:t>
-            </a:r>
-          </a:p>
-          <a:p>
-            <a:r>
-              <a:rPr lang="en-US" dirty="0"/>
-              <a:t>Network address translation (NAT) between Private networks and Internet (or other Private networks)</a:t>
-            </a:r>
-          </a:p>
-          <a:p>
-            <a:pPr lvl="1"/>
-            <a:r>
-              <a:rPr lang="en-US" dirty="0"/>
-              <a:t>Mapping between IP addresses from different address spaces</a:t>
-            </a:r>
+            <a:pPr marL="0" indent="0">
+              <a:buNone/>
+            </a:pPr>
+            <a:r>
+              <a:rPr lang="en-US" dirty="0"/>
+              <a:t>                                                                   Network (26bits)           Hosts (6bits)</a:t>
+            </a:r>
+          </a:p>
+          <a:p>
+            <a:pPr marL="0" indent="0">
+              <a:buNone/>
+            </a:pPr>
+            <a:endParaRPr lang="en-US" dirty="0"/>
+          </a:p>
+          <a:p>
+            <a:pPr marL="0" indent="0">
+              <a:buNone/>
+            </a:pPr>
+            <a:r>
+              <a:rPr lang="en-US" dirty="0"/>
+              <a:t>CIDR block:           10.0.0.0/26 = 00001010.00000000.00000000.</a:t>
+            </a:r>
+            <a:r>
+              <a:rPr lang="en-US" dirty="0">
+                <a:solidFill>
+                  <a:srgbClr val="C00000"/>
+                </a:solidFill>
+              </a:rPr>
+              <a:t>00</a:t>
+            </a:r>
+            <a:r>
+              <a:rPr lang="en-US" dirty="0"/>
+              <a:t>000000</a:t>
+            </a:r>
+          </a:p>
+          <a:p>
+            <a:pPr marL="0" indent="0">
+              <a:buNone/>
+            </a:pPr>
+            <a:r>
+              <a:rPr lang="en-US" dirty="0"/>
+              <a:t>Mask: /26 = 255.255.255.192 = 11111111.11111111.11111111.</a:t>
+            </a:r>
+            <a:r>
+              <a:rPr lang="en-US" dirty="0">
+                <a:solidFill>
+                  <a:srgbClr val="C00000"/>
+                </a:solidFill>
+              </a:rPr>
+              <a:t>11</a:t>
+            </a:r>
+            <a:r>
+              <a:rPr lang="en-US" dirty="0"/>
+              <a:t>000000</a:t>
+            </a:r>
+          </a:p>
+          <a:p>
+            <a:pPr marL="0" indent="0">
+              <a:buNone/>
+            </a:pPr>
+            <a:r>
+              <a:rPr lang="en-US" dirty="0"/>
+              <a:t>Hosts:                  2</a:t>
+            </a:r>
+            <a:r>
+              <a:rPr lang="en-US" baseline="30000" dirty="0"/>
+              <a:t>32-26</a:t>
+            </a:r>
+            <a:r>
+              <a:rPr lang="en-US" dirty="0"/>
+              <a:t>=2</a:t>
+            </a:r>
+            <a:r>
+              <a:rPr lang="en-US" baseline="30000" dirty="0"/>
+              <a:t>6</a:t>
+            </a:r>
+            <a:r>
+              <a:rPr lang="en-US" dirty="0"/>
+              <a:t>=64  ={00001010.00000000.00000000.</a:t>
+            </a:r>
+            <a:r>
+              <a:rPr lang="en-US" dirty="0">
+                <a:solidFill>
+                  <a:srgbClr val="C00000"/>
+                </a:solidFill>
+              </a:rPr>
+              <a:t>00</a:t>
+            </a:r>
+            <a:r>
+              <a:rPr lang="en-US" dirty="0"/>
+              <a:t>000000 -</a:t>
+            </a:r>
+          </a:p>
+          <a:p>
+            <a:pPr marL="0" indent="0">
+              <a:buNone/>
+            </a:pPr>
+            <a:r>
+              <a:rPr lang="en-US" dirty="0"/>
+              <a:t>			                    00001010.00000000.00000000.</a:t>
+            </a:r>
+            <a:r>
+              <a:rPr lang="en-US" dirty="0">
+                <a:solidFill>
+                  <a:srgbClr val="C00000"/>
+                </a:solidFill>
+              </a:rPr>
+              <a:t>00</a:t>
+            </a:r>
+            <a:r>
+              <a:rPr lang="en-US" dirty="0"/>
+              <a:t>111111}=</a:t>
+            </a:r>
+          </a:p>
+          <a:p>
+            <a:pPr marL="0" indent="0">
+              <a:buNone/>
+            </a:pPr>
+            <a:r>
+              <a:rPr lang="en-US" dirty="0"/>
+              <a:t>				   ={10.0.0.0 - 10.0.0.63}</a:t>
+            </a:r>
+          </a:p>
+          <a:p>
+            <a:pPr marL="0" indent="0">
+              <a:buNone/>
+            </a:pPr>
+            <a:endParaRPr lang="en-US" dirty="0"/>
+          </a:p>
+          <a:p>
+            <a:pPr marL="0" indent="0">
+              <a:buNone/>
+            </a:pPr>
+            <a:r>
+              <a:rPr lang="en-US" dirty="0"/>
+              <a:t>Hosts in 10.0.0.0/26 are from 10.0.0.0 to 10.0.0.63</a:t>
+            </a:r>
+          </a:p>
+        </p:txBody>
+      </p:sp>
+      <p:sp>
+        <p:nvSpPr>
+          <p:cNvPr id="3" name="Left Brace 2">
+            <a:extLst>
+              <a:ext uri="{FF2B5EF4-FFF2-40B4-BE49-F238E27FC236}">
+                <a16:creationId xmlns:a16="http://schemas.microsoft.com/office/drawing/2014/main" id="{5B73840E-4324-4075-B595-9F9659BA9698}"/>
+              </a:ext>
+            </a:extLst>
+          </p:cNvPr>
+          <p:cNvSpPr/>
+          <p:nvPr/>
+        </p:nvSpPr>
+        <p:spPr>
+          <a:xfrm rot="5400000">
+            <a:off x="7267351" y="-177771"/>
+            <a:ext cx="324296" cy="4523015"/>
+          </a:xfrm>
+          <a:prstGeom prst="leftBrace">
+            <a:avLst>
+              <a:gd name="adj1" fmla="val 8332"/>
+              <a:gd name="adj2" fmla="val 52172"/>
+            </a:avLst>
+          </a:prstGeom>
+          <a:noFill/>
+          <a:ln w="25400" cap="flat">
+            <a:solidFill>
+              <a:srgbClr val="666666"/>
+            </a:solidFill>
+            <a:prstDash val="solid"/>
+            <a:round/>
+          </a:ln>
+          <a:effectLst/>
+          <a:sp3d/>
+        </p:spPr>
+        <p:style>
+          <a:lnRef idx="0">
+            <a:scrgbClr r="0" g="0" b="0"/>
+          </a:lnRef>
+          <a:fillRef idx="0">
+            <a:scrgbClr r="0" g="0" b="0"/>
+          </a:fillRef>
+          <a:effectRef idx="0">
+            <a:scrgbClr r="0" g="0" b="0"/>
+          </a:effectRef>
+          <a:fontRef idx="none"/>
+        </p:style>
+        <p:txBody>
+          <a:bodyPr rot="0" spcFirstLastPara="1" vertOverflow="overflow" horzOverflow="overflow" vert="horz" wrap="square" lIns="91439" tIns="45719" rIns="91439" bIns="45719" numCol="1" spcCol="38100" rtlCol="0" anchor="t">
+            <a:noAutofit/>
+          </a:bodyPr>
+          <a:lstStyle/>
+          <a:p>
+            <a:pPr marL="0" marR="0" indent="0" algn="l" defTabSz="914400" rtl="0" fontAlgn="auto" latinLnBrk="1" hangingPunct="0">
+              <a:lnSpc>
+                <a:spcPct val="100000"/>
+              </a:lnSpc>
+              <a:spcBef>
+                <a:spcPts val="0"/>
+              </a:spcBef>
+              <a:spcAft>
+                <a:spcPts val="0"/>
+              </a:spcAft>
+              <a:buClrTx/>
+              <a:buSzTx/>
+              <a:buFontTx/>
+              <a:buNone/>
+              <a:tabLst/>
+            </a:pPr>
+            <a:endParaRPr kumimoji="0" lang="en-US" sz="1800" b="0" i="0" u="none" strike="noStrike" cap="none" spc="0" normalizeH="0" baseline="0" dirty="0">
+              <a:ln>
+                <a:noFill/>
+              </a:ln>
+              <a:solidFill>
+                <a:srgbClr val="000000"/>
+              </a:solidFill>
+              <a:effectLst/>
+              <a:uFillTx/>
+            </a:endParaRPr>
+          </a:p>
+        </p:txBody>
+      </p:sp>
+      <p:sp>
+        <p:nvSpPr>
+          <p:cNvPr id="6" name="Left Brace 5">
+            <a:extLst>
+              <a:ext uri="{FF2B5EF4-FFF2-40B4-BE49-F238E27FC236}">
+                <a16:creationId xmlns:a16="http://schemas.microsoft.com/office/drawing/2014/main" id="{F658BFF4-2D83-4BD9-A02B-207F37C480EB}"/>
+              </a:ext>
+            </a:extLst>
+          </p:cNvPr>
+          <p:cNvSpPr/>
+          <p:nvPr/>
+        </p:nvSpPr>
+        <p:spPr>
+          <a:xfrm rot="5400000">
+            <a:off x="10059537" y="1610210"/>
+            <a:ext cx="324295" cy="947056"/>
+          </a:xfrm>
+          <a:prstGeom prst="leftBrace">
+            <a:avLst>
+              <a:gd name="adj1" fmla="val 8332"/>
+              <a:gd name="adj2" fmla="val 52172"/>
+            </a:avLst>
+          </a:prstGeom>
+          <a:noFill/>
+          <a:ln w="25400" cap="flat">
+            <a:solidFill>
+              <a:srgbClr val="666666"/>
+            </a:solidFill>
+            <a:prstDash val="solid"/>
+            <a:round/>
+          </a:ln>
+          <a:effectLst/>
+          <a:sp3d/>
+        </p:spPr>
+        <p:style>
+          <a:lnRef idx="0">
+            <a:scrgbClr r="0" g="0" b="0"/>
+          </a:lnRef>
+          <a:fillRef idx="0">
+            <a:scrgbClr r="0" g="0" b="0"/>
+          </a:fillRef>
+          <a:effectRef idx="0">
+            <a:scrgbClr r="0" g="0" b="0"/>
+          </a:effectRef>
+          <a:fontRef idx="none"/>
+        </p:style>
+        <p:txBody>
+          <a:bodyPr rot="0" spcFirstLastPara="1" vertOverflow="overflow" horzOverflow="overflow" vert="horz" wrap="square" lIns="91439" tIns="45719" rIns="91439" bIns="45719" numCol="1" spcCol="38100" rtlCol="0" anchor="t">
+            <a:noAutofit/>
+          </a:bodyPr>
+          <a:lstStyle/>
+          <a:p>
+            <a:pPr marL="0" marR="0" indent="0" algn="l" defTabSz="914400" rtl="0" fontAlgn="auto" latinLnBrk="1" hangingPunct="0">
+              <a:lnSpc>
+                <a:spcPct val="100000"/>
+              </a:lnSpc>
+              <a:spcBef>
+                <a:spcPts val="0"/>
+              </a:spcBef>
+              <a:spcAft>
+                <a:spcPts val="0"/>
+              </a:spcAft>
+              <a:buClrTx/>
+              <a:buSzTx/>
+              <a:buFontTx/>
+              <a:buNone/>
+              <a:tabLst/>
+            </a:pPr>
+            <a:endParaRPr kumimoji="0" lang="en-US" sz="1800" b="0" i="0" u="none" strike="noStrike" cap="none" spc="0" normalizeH="0" baseline="0" dirty="0">
+              <a:ln>
+                <a:noFill/>
+              </a:ln>
+              <a:solidFill>
+                <a:srgbClr val="000000"/>
+              </a:solidFill>
+              <a:effectLst/>
+              <a:uFillTx/>
+            </a:endParaRPr>
           </a:p>
         </p:txBody>
       </p:sp>
     </p:spTree>
     <p:extLst>
       <p:ext uri="{BB962C8B-B14F-4D97-AF65-F5344CB8AC3E}">
-        <p14:creationId xmlns:p14="http://schemas.microsoft.com/office/powerpoint/2010/main" val="3020914967"/>
+        <p14:creationId xmlns:p14="http://schemas.microsoft.com/office/powerpoint/2010/main" val="3371638670"/>
       </p:ext>
     </p:extLst>
   </p:cSld>
@@ -12463,7 +14396,7 @@
           <p:cNvPr id="4" name="Title 3">
             <a:extLst>
               <a:ext uri="{FF2B5EF4-FFF2-40B4-BE49-F238E27FC236}">
-                <a16:creationId xmlns:a16="http://schemas.microsoft.com/office/drawing/2014/main" id="{0B5E89EB-6726-48BB-A178-4BC22FD7EFD1}"/>
+                <a16:creationId xmlns:a16="http://schemas.microsoft.com/office/drawing/2014/main" id="{CC5E2F0B-67F5-49A0-BA6A-1B76D496ADA6}"/>
               </a:ext>
             </a:extLst>
           </p:cNvPr>
@@ -12481,7 +14414,7 @@
           <a:p>
             <a:r>
               <a:rPr lang="en-US" dirty="0"/>
-              <a:t>AWS VPC</a:t>
+              <a:t>NETWORKs and HOSTS SUBNET2</a:t>
             </a:r>
           </a:p>
         </p:txBody>
@@ -12491,7 +14424,7 @@
           <p:cNvPr id="5" name="Text Placeholder 4">
             <a:extLst>
               <a:ext uri="{FF2B5EF4-FFF2-40B4-BE49-F238E27FC236}">
-                <a16:creationId xmlns:a16="http://schemas.microsoft.com/office/drawing/2014/main" id="{D609D132-43E9-4C95-A4F8-5420DDE3FF85}"/>
+                <a16:creationId xmlns:a16="http://schemas.microsoft.com/office/drawing/2014/main" id="{820F42A9-79D7-4349-9926-4AF55D7A6A29}"/>
               </a:ext>
             </a:extLst>
           </p:cNvPr>
@@ -12499,100 +14432,322 @@
             <a:spLocks noGrp="1"/>
           </p:cNvSpPr>
           <p:nvPr>
-            <p:ph type="body" sz="half" idx="1"/>
+            <p:ph type="body" idx="1"/>
           </p:nvPr>
         </p:nvSpPr>
         <p:spPr/>
         <p:txBody>
-          <a:bodyPr/>
+          <a:bodyPr>
+            <a:normAutofit/>
+          </a:bodyPr>
           <a:lstStyle/>
           <a:p>
-            <a:r>
-              <a:rPr lang="en-US" dirty="0"/>
-              <a:t>What is VPC?</a:t>
-            </a:r>
-          </a:p>
-          <a:p>
-            <a:r>
-              <a:rPr lang="en-US" dirty="0"/>
-              <a:t>Deployment</a:t>
-            </a:r>
-          </a:p>
-          <a:p>
-            <a:r>
-              <a:rPr lang="en-US" dirty="0"/>
-              <a:t>CIDR blocks</a:t>
-            </a:r>
-          </a:p>
-          <a:p>
-            <a:r>
-              <a:rPr lang="en-US" dirty="0" err="1"/>
-              <a:t>Single,Multi</a:t>
-            </a:r>
-            <a:r>
-              <a:rPr lang="en-US" dirty="0"/>
-              <a:t>-VPC and Multi-account setup</a:t>
-            </a:r>
-          </a:p>
-          <a:p>
-            <a:r>
-              <a:rPr lang="en-US" dirty="0"/>
-              <a:t>Accounts and VPC management</a:t>
+            <a:pPr marL="0" indent="0">
+              <a:buNone/>
+            </a:pPr>
+            <a:r>
+              <a:rPr lang="en-US" dirty="0"/>
+              <a:t>                                                                   Network (26bits)           Hosts (6bits)</a:t>
+            </a:r>
+          </a:p>
+          <a:p>
+            <a:pPr marL="0" indent="0">
+              <a:buNone/>
+            </a:pPr>
+            <a:endParaRPr lang="en-US" dirty="0"/>
+          </a:p>
+          <a:p>
+            <a:pPr marL="0" indent="0">
+              <a:buNone/>
+            </a:pPr>
+            <a:r>
+              <a:rPr lang="en-US" dirty="0"/>
+              <a:t>CIDR block:         10.0.0.64/26 = 00001010.00000000.00000000.</a:t>
+            </a:r>
+            <a:r>
+              <a:rPr lang="en-US" dirty="0">
+                <a:solidFill>
+                  <a:srgbClr val="C00000"/>
+                </a:solidFill>
+              </a:rPr>
+              <a:t>01</a:t>
+            </a:r>
+            <a:r>
+              <a:rPr lang="en-US" dirty="0"/>
+              <a:t>000000</a:t>
+            </a:r>
+          </a:p>
+          <a:p>
+            <a:pPr marL="0" indent="0">
+              <a:buNone/>
+            </a:pPr>
+            <a:r>
+              <a:rPr lang="en-US" dirty="0"/>
+              <a:t>Mask: /26 = 255.255.255.192 = 11111111.11111111.11111111.</a:t>
+            </a:r>
+            <a:r>
+              <a:rPr lang="en-US" dirty="0">
+                <a:solidFill>
+                  <a:srgbClr val="C00000"/>
+                </a:solidFill>
+              </a:rPr>
+              <a:t>11</a:t>
+            </a:r>
+            <a:r>
+              <a:rPr lang="en-US" dirty="0"/>
+              <a:t>000000</a:t>
+            </a:r>
+          </a:p>
+          <a:p>
+            <a:pPr marL="0" indent="0">
+              <a:buNone/>
+            </a:pPr>
+            <a:r>
+              <a:rPr lang="en-US" dirty="0"/>
+              <a:t>Hosts:                  2</a:t>
+            </a:r>
+            <a:r>
+              <a:rPr lang="en-US" baseline="30000" dirty="0"/>
+              <a:t>32-26</a:t>
+            </a:r>
+            <a:r>
+              <a:rPr lang="en-US" dirty="0"/>
+              <a:t>=2</a:t>
+            </a:r>
+            <a:r>
+              <a:rPr lang="en-US" baseline="30000" dirty="0"/>
+              <a:t>6</a:t>
+            </a:r>
+            <a:r>
+              <a:rPr lang="en-US" dirty="0"/>
+              <a:t>=64  ={00001010.00000000.00000000.</a:t>
+            </a:r>
+            <a:r>
+              <a:rPr lang="en-US" dirty="0">
+                <a:solidFill>
+                  <a:srgbClr val="C00000"/>
+                </a:solidFill>
+              </a:rPr>
+              <a:t>01</a:t>
+            </a:r>
+            <a:r>
+              <a:rPr lang="en-US" dirty="0"/>
+              <a:t>000000 -</a:t>
+            </a:r>
+          </a:p>
+          <a:p>
+            <a:pPr marL="0" indent="0">
+              <a:buNone/>
+            </a:pPr>
+            <a:r>
+              <a:rPr lang="en-US" dirty="0"/>
+              <a:t>			                    00001010.00000000.00000000.</a:t>
+            </a:r>
+            <a:r>
+              <a:rPr lang="en-US" dirty="0">
+                <a:solidFill>
+                  <a:srgbClr val="C00000"/>
+                </a:solidFill>
+              </a:rPr>
+              <a:t>01</a:t>
+            </a:r>
+            <a:r>
+              <a:rPr lang="en-US" dirty="0"/>
+              <a:t>111111}=</a:t>
+            </a:r>
+          </a:p>
+          <a:p>
+            <a:pPr marL="0" indent="0">
+              <a:buNone/>
+            </a:pPr>
+            <a:r>
+              <a:rPr lang="en-US" dirty="0"/>
+              <a:t>				   ={10.0.0.64 - 10.0.0.127}</a:t>
+            </a:r>
+          </a:p>
+          <a:p>
+            <a:pPr marL="0" indent="0">
+              <a:buNone/>
+            </a:pPr>
+            <a:endParaRPr lang="en-US" dirty="0"/>
+          </a:p>
+          <a:p>
+            <a:pPr marL="0" indent="0">
+              <a:buNone/>
+            </a:pPr>
+            <a:r>
+              <a:rPr lang="en-US" dirty="0"/>
+              <a:t>Hosts in 10.0.0.0/26 are from 10.0.0.64 to 10.0.0.127</a:t>
             </a:r>
           </a:p>
         </p:txBody>
       </p:sp>
-      <p:pic>
-        <p:nvPicPr>
-          <p:cNvPr id="1026" name="Picture 2">
+      <p:sp>
+        <p:nvSpPr>
+          <p:cNvPr id="3" name="Left Brace 2">
             <a:extLst>
               <a:ext uri="{FF2B5EF4-FFF2-40B4-BE49-F238E27FC236}">
-                <a16:creationId xmlns:a16="http://schemas.microsoft.com/office/drawing/2014/main" id="{9D2BCE8C-300F-4D80-8C47-BCD75D92A86D}"/>
+                <a16:creationId xmlns:a16="http://schemas.microsoft.com/office/drawing/2014/main" id="{5B73840E-4324-4075-B595-9F9659BA9698}"/>
               </a:ext>
             </a:extLst>
           </p:cNvPr>
-          <p:cNvPicPr>
-            <a:picLocks noChangeAspect="1" noChangeArrowheads="1"/>
-          </p:cNvPicPr>
+          <p:cNvSpPr/>
           <p:nvPr/>
-        </p:nvPicPr>
-        <p:blipFill>
-          <a:blip r:embed="rId2">
+        </p:nvSpPr>
+        <p:spPr>
+          <a:xfrm rot="5400000">
+            <a:off x="7267351" y="-177771"/>
+            <a:ext cx="324296" cy="4523015"/>
+          </a:xfrm>
+          <a:prstGeom prst="leftBrace">
+            <a:avLst>
+              <a:gd name="adj1" fmla="val 8332"/>
+              <a:gd name="adj2" fmla="val 52172"/>
+            </a:avLst>
+          </a:prstGeom>
+          <a:noFill/>
+          <a:ln w="25400" cap="flat">
+            <a:solidFill>
+              <a:srgbClr val="666666"/>
+            </a:solidFill>
+            <a:prstDash val="solid"/>
+            <a:round/>
+          </a:ln>
+          <a:effectLst/>
+          <a:sp3d/>
+        </p:spPr>
+        <p:style>
+          <a:lnRef idx="0">
+            <a:scrgbClr r="0" g="0" b="0"/>
+          </a:lnRef>
+          <a:fillRef idx="0">
+            <a:scrgbClr r="0" g="0" b="0"/>
+          </a:fillRef>
+          <a:effectRef idx="0">
+            <a:scrgbClr r="0" g="0" b="0"/>
+          </a:effectRef>
+          <a:fontRef idx="none"/>
+        </p:style>
+        <p:txBody>
+          <a:bodyPr rot="0" spcFirstLastPara="1" vertOverflow="overflow" horzOverflow="overflow" vert="horz" wrap="square" lIns="91439" tIns="45719" rIns="91439" bIns="45719" numCol="1" spcCol="38100" rtlCol="0" anchor="t">
+            <a:noAutofit/>
+          </a:bodyPr>
+          <a:lstStyle/>
+          <a:p>
+            <a:pPr marL="0" marR="0" indent="0" algn="l" defTabSz="914400" rtl="0" fontAlgn="auto" latinLnBrk="1" hangingPunct="0">
+              <a:lnSpc>
+                <a:spcPct val="100000"/>
+              </a:lnSpc>
+              <a:spcBef>
+                <a:spcPts val="0"/>
+              </a:spcBef>
+              <a:spcAft>
+                <a:spcPts val="0"/>
+              </a:spcAft>
+              <a:buClrTx/>
+              <a:buSzTx/>
+              <a:buFontTx/>
+              <a:buNone/>
+              <a:tabLst/>
+            </a:pPr>
+            <a:endParaRPr kumimoji="0" lang="en-US" sz="1800" b="0" i="0" u="none" strike="noStrike" cap="none" spc="0" normalizeH="0" baseline="0" dirty="0">
+              <a:ln>
+                <a:noFill/>
+              </a:ln>
+              <a:solidFill>
+                <a:srgbClr val="000000"/>
+              </a:solidFill>
+              <a:effectLst/>
+              <a:uFillTx/>
+            </a:endParaRPr>
+          </a:p>
+        </p:txBody>
+      </p:sp>
+      <p:sp>
+        <p:nvSpPr>
+          <p:cNvPr id="6" name="Left Brace 5">
             <a:extLst>
-              <a:ext uri="{28A0092B-C50C-407E-A947-70E740481C1C}">
-                <a14:useLocalDpi xmlns:a14="http://schemas.microsoft.com/office/drawing/2010/main" val="0"/>
+              <a:ext uri="{FF2B5EF4-FFF2-40B4-BE49-F238E27FC236}">
+                <a16:creationId xmlns:a16="http://schemas.microsoft.com/office/drawing/2014/main" id="{F658BFF4-2D83-4BD9-A02B-207F37C480EB}"/>
               </a:ext>
             </a:extLst>
-          </a:blip>
-          <a:srcRect/>
-          <a:stretch>
-            <a:fillRect/>
-          </a:stretch>
-        </p:blipFill>
-        <p:spPr bwMode="auto">
-          <a:xfrm>
-            <a:off x="5293896" y="222890"/>
-            <a:ext cx="4120816" cy="4120816"/>
+          </p:cNvPr>
+          <p:cNvSpPr/>
+          <p:nvPr/>
+        </p:nvSpPr>
+        <p:spPr>
+          <a:xfrm rot="5400000">
+            <a:off x="10059537" y="1610210"/>
+            <a:ext cx="324295" cy="947056"/>
           </a:xfrm>
-          <a:prstGeom prst="rect">
-            <a:avLst/>
+          <a:prstGeom prst="leftBrace">
+            <a:avLst>
+              <a:gd name="adj1" fmla="val 8332"/>
+              <a:gd name="adj2" fmla="val 52172"/>
+            </a:avLst>
           </a:prstGeom>
           <a:noFill/>
-          <a:extLst>
-            <a:ext uri="{909E8E84-426E-40DD-AFC4-6F175D3DCCD1}">
-              <a14:hiddenFill xmlns:a14="http://schemas.microsoft.com/office/drawing/2010/main">
-                <a:solidFill>
-                  <a:srgbClr val="FFFFFF"/>
-                </a:solidFill>
-              </a14:hiddenFill>
-            </a:ext>
-          </a:extLst>
+          <a:ln w="25400" cap="flat">
+            <a:solidFill>
+              <a:srgbClr val="666666"/>
+            </a:solidFill>
+            <a:prstDash val="solid"/>
+            <a:round/>
+          </a:ln>
+          <a:effectLst/>
+          <a:sp3d/>
         </p:spPr>
-      </p:pic>
+        <p:style>
+          <a:lnRef idx="0">
+            <a:scrgbClr r="0" g="0" b="0"/>
+          </a:lnRef>
+          <a:fillRef idx="0">
+            <a:scrgbClr r="0" g="0" b="0"/>
+          </a:fillRef>
+          <a:effectRef idx="0">
+            <a:scrgbClr r="0" g="0" b="0"/>
+          </a:effectRef>
+          <a:fontRef idx="none"/>
+        </p:style>
+        <p:txBody>
+          <a:bodyPr rot="0" spcFirstLastPara="1" vertOverflow="overflow" horzOverflow="overflow" vert="horz" wrap="square" lIns="91439" tIns="45719" rIns="91439" bIns="45719" numCol="1" spcCol="38100" rtlCol="0" anchor="t">
+            <a:noAutofit/>
+          </a:bodyPr>
+          <a:lstStyle/>
+          <a:p>
+            <a:pPr marL="0" marR="0" indent="0" algn="l" defTabSz="914400" rtl="0" fontAlgn="auto" latinLnBrk="1" hangingPunct="0">
+              <a:lnSpc>
+                <a:spcPct val="100000"/>
+              </a:lnSpc>
+              <a:spcBef>
+                <a:spcPts val="0"/>
+              </a:spcBef>
+              <a:spcAft>
+                <a:spcPts val="0"/>
+              </a:spcAft>
+              <a:buClrTx/>
+              <a:buSzTx/>
+              <a:buFontTx/>
+              <a:buNone/>
+              <a:tabLst/>
+            </a:pPr>
+            <a:endParaRPr kumimoji="0" lang="en-US" sz="1800" b="0" i="0" u="none" strike="noStrike" cap="none" spc="0" normalizeH="0" baseline="0" dirty="0">
+              <a:ln>
+                <a:noFill/>
+              </a:ln>
+              <a:solidFill>
+                <a:srgbClr val="000000"/>
+              </a:solidFill>
+              <a:effectLst/>
+              <a:uFillTx/>
+            </a:endParaRPr>
+          </a:p>
+        </p:txBody>
+      </p:sp>
     </p:spTree>
     <p:extLst>
       <p:ext uri="{BB962C8B-B14F-4D97-AF65-F5344CB8AC3E}">
-        <p14:creationId xmlns:p14="http://schemas.microsoft.com/office/powerpoint/2010/main" val="4220228028"/>
+        <p14:creationId xmlns:p14="http://schemas.microsoft.com/office/powerpoint/2010/main" val="710237627"/>
       </p:ext>
     </p:extLst>
   </p:cSld>
@@ -12625,7 +14780,7 @@
           <p:cNvPr id="4" name="Title 3">
             <a:extLst>
               <a:ext uri="{FF2B5EF4-FFF2-40B4-BE49-F238E27FC236}">
-                <a16:creationId xmlns:a16="http://schemas.microsoft.com/office/drawing/2014/main" id="{DF5F6649-48D7-4E9B-98EA-8A431F049DBE}"/>
+                <a16:creationId xmlns:a16="http://schemas.microsoft.com/office/drawing/2014/main" id="{CC5E2F0B-67F5-49A0-BA6A-1B76D496ADA6}"/>
               </a:ext>
             </a:extLst>
           </p:cNvPr>
@@ -12638,14 +14793,12 @@
         </p:nvSpPr>
         <p:spPr/>
         <p:txBody>
-          <a:bodyPr>
-            <a:normAutofit/>
-          </a:bodyPr>
+          <a:bodyPr/>
           <a:lstStyle/>
           <a:p>
             <a:r>
               <a:rPr lang="en-US" dirty="0"/>
-              <a:t>What is VPC?</a:t>
+              <a:t>NETWORKs and HOSTS SUBNET3</a:t>
             </a:r>
           </a:p>
         </p:txBody>
@@ -12655,7 +14808,7 @@
           <p:cNvPr id="5" name="Text Placeholder 4">
             <a:extLst>
               <a:ext uri="{FF2B5EF4-FFF2-40B4-BE49-F238E27FC236}">
-                <a16:creationId xmlns:a16="http://schemas.microsoft.com/office/drawing/2014/main" id="{54BF426A-51D6-44C7-81E3-E520C705BAEC}"/>
+                <a16:creationId xmlns:a16="http://schemas.microsoft.com/office/drawing/2014/main" id="{820F42A9-79D7-4349-9926-4AF55D7A6A29}"/>
               </a:ext>
             </a:extLst>
           </p:cNvPr>
@@ -12668,7 +14821,9 @@
         </p:nvSpPr>
         <p:spPr/>
         <p:txBody>
-          <a:bodyPr/>
+          <a:bodyPr>
+            <a:normAutofit/>
+          </a:bodyPr>
           <a:lstStyle/>
           <a:p>
             <a:pPr marL="0" indent="0">
@@ -12676,7 +14831,7 @@
             </a:pPr>
             <a:r>
               <a:rPr lang="en-US" dirty="0"/>
-              <a:t>Amazon Virtual Private Cloud</a:t>
+              <a:t>                                                                   Network (26bits)           Hosts (6bits)</a:t>
             </a:r>
           </a:p>
           <a:p>
@@ -12686,9 +14841,112 @@
             <a:endParaRPr lang="en-US" dirty="0"/>
           </a:p>
           <a:p>
-            <a:r>
-              <a:rPr lang="en-US" dirty="0"/>
-              <a:t>A virtual network residing in you AWS account </a:t>
+            <a:pPr marL="0" indent="0">
+              <a:buNone/>
+            </a:pPr>
+            <a:r>
+              <a:rPr lang="en-US" dirty="0"/>
+              <a:t>CIDR block:       10.0.0.128/26 = 00001010.00000000.00000000.</a:t>
+            </a:r>
+            <a:r>
+              <a:rPr lang="en-US" dirty="0">
+                <a:solidFill>
+                  <a:srgbClr val="C00000"/>
+                </a:solidFill>
+              </a:rPr>
+              <a:t>10</a:t>
+            </a:r>
+            <a:r>
+              <a:rPr lang="en-US" dirty="0"/>
+              <a:t>000000</a:t>
+            </a:r>
+          </a:p>
+          <a:p>
+            <a:pPr marL="0" indent="0">
+              <a:buNone/>
+            </a:pPr>
+            <a:r>
+              <a:rPr lang="en-US" dirty="0"/>
+              <a:t>Mask: /26 = 255.255.255.192 = 11111111.11111111.11111111.</a:t>
+            </a:r>
+            <a:r>
+              <a:rPr lang="en-US" dirty="0">
+                <a:solidFill>
+                  <a:srgbClr val="C00000"/>
+                </a:solidFill>
+              </a:rPr>
+              <a:t>11</a:t>
+            </a:r>
+            <a:r>
+              <a:rPr lang="en-US" dirty="0"/>
+              <a:t>000000</a:t>
+            </a:r>
+          </a:p>
+          <a:p>
+            <a:pPr marL="0" indent="0">
+              <a:buNone/>
+            </a:pPr>
+            <a:r>
+              <a:rPr lang="en-US" dirty="0"/>
+              <a:t>Hosts:                  2</a:t>
+            </a:r>
+            <a:r>
+              <a:rPr lang="en-US" baseline="30000" dirty="0"/>
+              <a:t>32-26</a:t>
+            </a:r>
+            <a:r>
+              <a:rPr lang="en-US" dirty="0"/>
+              <a:t>=2</a:t>
+            </a:r>
+            <a:r>
+              <a:rPr lang="en-US" baseline="30000" dirty="0"/>
+              <a:t>6</a:t>
+            </a:r>
+            <a:r>
+              <a:rPr lang="en-US" dirty="0"/>
+              <a:t>=64  ={00001010.00000000.00000000.</a:t>
+            </a:r>
+            <a:r>
+              <a:rPr lang="en-US" dirty="0">
+                <a:solidFill>
+                  <a:srgbClr val="C00000"/>
+                </a:solidFill>
+              </a:rPr>
+              <a:t>10</a:t>
+            </a:r>
+            <a:r>
+              <a:rPr lang="en-US" dirty="0"/>
+              <a:t>000000 -</a:t>
+            </a:r>
+          </a:p>
+          <a:p>
+            <a:pPr marL="0" indent="0">
+              <a:buNone/>
+            </a:pPr>
+            <a:r>
+              <a:rPr lang="en-US" dirty="0"/>
+              <a:t>			                    00001010.00000000.00000000.</a:t>
+            </a:r>
+            <a:r>
+              <a:rPr lang="en-US" dirty="0">
+                <a:solidFill>
+                  <a:srgbClr val="C00000"/>
+                </a:solidFill>
+              </a:rPr>
+              <a:t>10</a:t>
+            </a:r>
+            <a:r>
+              <a:rPr lang="en-US" dirty="0"/>
+              <a:t>111111}=</a:t>
+            </a:r>
+          </a:p>
+          <a:p>
+            <a:pPr marL="0" indent="0">
+              <a:buNone/>
+            </a:pPr>
+            <a:r>
+              <a:rPr lang="en-US" dirty="0"/>
+              <a:t>				   ={10.0.0.128 - 10.0.0.191}</a:t>
             </a:r>
           </a:p>
           <a:p>
@@ -12698,47 +14956,182 @@
             <a:endParaRPr lang="en-US" dirty="0"/>
           </a:p>
           <a:p>
-            <a:r>
-              <a:rPr lang="en-US" dirty="0"/>
-              <a:t>Supports IPv4 &amp; IPv6</a:t>
-            </a:r>
-          </a:p>
-          <a:p>
-            <a:endParaRPr lang="en-US" dirty="0"/>
-          </a:p>
-          <a:p>
-            <a:r>
-              <a:rPr lang="en-US" dirty="0"/>
-              <a:t>Defined by CIDR block</a:t>
-            </a:r>
-          </a:p>
-          <a:p>
-            <a:endParaRPr lang="en-US" dirty="0"/>
-          </a:p>
-          <a:p>
             <a:pPr marL="0" indent="0">
               <a:buNone/>
             </a:pPr>
-            <a:endParaRPr lang="en-US" dirty="0"/>
-          </a:p>
-          <a:p>
-            <a:endParaRPr lang="en-US" dirty="0"/>
-          </a:p>
-          <a:p>
-            <a:pPr marL="0" indent="0">
+            <a:r>
+              <a:rPr lang="en-US" dirty="0"/>
+              <a:t>Hosts in 10.0.0.0/26 are from 10.0.0.128 to 10.0.0.192</a:t>
+            </a:r>
+          </a:p>
+        </p:txBody>
+      </p:sp>
+      <p:sp>
+        <p:nvSpPr>
+          <p:cNvPr id="3" name="Left Brace 2">
+            <a:extLst>
+              <a:ext uri="{FF2B5EF4-FFF2-40B4-BE49-F238E27FC236}">
+                <a16:creationId xmlns:a16="http://schemas.microsoft.com/office/drawing/2014/main" id="{5B73840E-4324-4075-B595-9F9659BA9698}"/>
+              </a:ext>
+            </a:extLst>
+          </p:cNvPr>
+          <p:cNvSpPr/>
+          <p:nvPr/>
+        </p:nvSpPr>
+        <p:spPr>
+          <a:xfrm rot="5400000">
+            <a:off x="7267351" y="-177771"/>
+            <a:ext cx="324296" cy="4523015"/>
+          </a:xfrm>
+          <a:prstGeom prst="leftBrace">
+            <a:avLst>
+              <a:gd name="adj1" fmla="val 8332"/>
+              <a:gd name="adj2" fmla="val 52172"/>
+            </a:avLst>
+          </a:prstGeom>
+          <a:noFill/>
+          <a:ln w="25400" cap="flat">
+            <a:solidFill>
+              <a:srgbClr val="666666"/>
+            </a:solidFill>
+            <a:prstDash val="solid"/>
+            <a:round/>
+          </a:ln>
+          <a:effectLst/>
+          <a:sp3d/>
+        </p:spPr>
+        <p:style>
+          <a:lnRef idx="0">
+            <a:scrgbClr r="0" g="0" b="0"/>
+          </a:lnRef>
+          <a:fillRef idx="0">
+            <a:scrgbClr r="0" g="0" b="0"/>
+          </a:fillRef>
+          <a:effectRef idx="0">
+            <a:scrgbClr r="0" g="0" b="0"/>
+          </a:effectRef>
+          <a:fontRef idx="none"/>
+        </p:style>
+        <p:txBody>
+          <a:bodyPr rot="0" spcFirstLastPara="1" vertOverflow="overflow" horzOverflow="overflow" vert="horz" wrap="square" lIns="91439" tIns="45719" rIns="91439" bIns="45719" numCol="1" spcCol="38100" rtlCol="0" anchor="t">
+            <a:noAutofit/>
+          </a:bodyPr>
+          <a:lstStyle/>
+          <a:p>
+            <a:pPr marL="0" marR="0" indent="0" algn="l" defTabSz="914400" rtl="0" fontAlgn="auto" latinLnBrk="1" hangingPunct="0">
+              <a:lnSpc>
+                <a:spcPct val="100000"/>
+              </a:lnSpc>
+              <a:spcBef>
+                <a:spcPts val="0"/>
+              </a:spcBef>
+              <a:spcAft>
+                <a:spcPts val="0"/>
+              </a:spcAft>
+              <a:buClrTx/>
+              <a:buSzTx/>
+              <a:buFontTx/>
               <a:buNone/>
+              <a:tabLst/>
             </a:pPr>
-            <a:endParaRPr lang="en-US" dirty="0"/>
-          </a:p>
-          <a:p>
-            <a:endParaRPr lang="en-US" dirty="0"/>
+            <a:endParaRPr kumimoji="0" lang="en-US" sz="1800" b="0" i="0" u="none" strike="noStrike" cap="none" spc="0" normalizeH="0" baseline="0" dirty="0">
+              <a:ln>
+                <a:noFill/>
+              </a:ln>
+              <a:solidFill>
+                <a:srgbClr val="000000"/>
+              </a:solidFill>
+              <a:effectLst/>
+              <a:uFillTx/>
+            </a:endParaRPr>
+          </a:p>
+        </p:txBody>
+      </p:sp>
+      <p:sp>
+        <p:nvSpPr>
+          <p:cNvPr id="6" name="Left Brace 5">
+            <a:extLst>
+              <a:ext uri="{FF2B5EF4-FFF2-40B4-BE49-F238E27FC236}">
+                <a16:creationId xmlns:a16="http://schemas.microsoft.com/office/drawing/2014/main" id="{F658BFF4-2D83-4BD9-A02B-207F37C480EB}"/>
+              </a:ext>
+            </a:extLst>
+          </p:cNvPr>
+          <p:cNvSpPr/>
+          <p:nvPr/>
+        </p:nvSpPr>
+        <p:spPr>
+          <a:xfrm rot="5400000">
+            <a:off x="10059537" y="1610210"/>
+            <a:ext cx="324295" cy="947056"/>
+          </a:xfrm>
+          <a:prstGeom prst="leftBrace">
+            <a:avLst>
+              <a:gd name="adj1" fmla="val 8332"/>
+              <a:gd name="adj2" fmla="val 52172"/>
+            </a:avLst>
+          </a:prstGeom>
+          <a:noFill/>
+          <a:ln w="25400" cap="flat">
+            <a:solidFill>
+              <a:srgbClr val="666666"/>
+            </a:solidFill>
+            <a:prstDash val="solid"/>
+            <a:round/>
+          </a:ln>
+          <a:effectLst/>
+          <a:sp3d/>
+        </p:spPr>
+        <p:style>
+          <a:lnRef idx="0">
+            <a:scrgbClr r="0" g="0" b="0"/>
+          </a:lnRef>
+          <a:fillRef idx="0">
+            <a:scrgbClr r="0" g="0" b="0"/>
+          </a:fillRef>
+          <a:effectRef idx="0">
+            <a:scrgbClr r="0" g="0" b="0"/>
+          </a:effectRef>
+          <a:fontRef idx="none"/>
+        </p:style>
+        <p:txBody>
+          <a:bodyPr rot="0" spcFirstLastPara="1" vertOverflow="overflow" horzOverflow="overflow" vert="horz" wrap="square" lIns="91439" tIns="45719" rIns="91439" bIns="45719" numCol="1" spcCol="38100" rtlCol="0" anchor="t">
+            <a:noAutofit/>
+          </a:bodyPr>
+          <a:lstStyle/>
+          <a:p>
+            <a:pPr marL="0" marR="0" indent="0" algn="l" defTabSz="914400" rtl="0" fontAlgn="auto" latinLnBrk="1" hangingPunct="0">
+              <a:lnSpc>
+                <a:spcPct val="100000"/>
+              </a:lnSpc>
+              <a:spcBef>
+                <a:spcPts val="0"/>
+              </a:spcBef>
+              <a:spcAft>
+                <a:spcPts val="0"/>
+              </a:spcAft>
+              <a:buClrTx/>
+              <a:buSzTx/>
+              <a:buFontTx/>
+              <a:buNone/>
+              <a:tabLst/>
+            </a:pPr>
+            <a:endParaRPr kumimoji="0" lang="en-US" sz="1800" b="0" i="0" u="none" strike="noStrike" cap="none" spc="0" normalizeH="0" baseline="0" dirty="0">
+              <a:ln>
+                <a:noFill/>
+              </a:ln>
+              <a:solidFill>
+                <a:srgbClr val="000000"/>
+              </a:solidFill>
+              <a:effectLst/>
+              <a:uFillTx/>
+            </a:endParaRPr>
           </a:p>
         </p:txBody>
       </p:sp>
     </p:spTree>
     <p:extLst>
       <p:ext uri="{BB962C8B-B14F-4D97-AF65-F5344CB8AC3E}">
-        <p14:creationId xmlns:p14="http://schemas.microsoft.com/office/powerpoint/2010/main" val="2573425930"/>
+        <p14:creationId xmlns:p14="http://schemas.microsoft.com/office/powerpoint/2010/main" val="3404890622"/>
       </p:ext>
     </p:extLst>
   </p:cSld>
@@ -15099,18 +17492,18 @@
 </file>
 
 <file path=customXml/item2.xml><?xml version="1.0" encoding="utf-8"?>
-<p:properties xmlns:p="http://schemas.microsoft.com/office/2006/metadata/properties" xmlns:xsi="http://www.w3.org/2001/XMLSchema-instance" xmlns:pc="http://schemas.microsoft.com/office/infopath/2007/PartnerControls">
-  <documentManagement/>
-</p:properties>
-</file>
-
-<file path=customXml/item3.xml><?xml version="1.0" encoding="utf-8"?>
 <?mso-contentType ?>
 <FormTemplates xmlns="http://schemas.microsoft.com/sharepoint/v3/contenttype/forms">
   <Display>DocumentLibraryForm</Display>
   <Edit>DocumentLibraryForm</Edit>
   <New>DocumentLibraryForm</New>
 </FormTemplates>
+</file>
+
+<file path=customXml/item3.xml><?xml version="1.0" encoding="utf-8"?>
+<p:properties xmlns:p="http://schemas.microsoft.com/office/2006/metadata/properties" xmlns:xsi="http://www.w3.org/2001/XMLSchema-instance" xmlns:pc="http://schemas.microsoft.com/office/infopath/2007/PartnerControls">
+  <documentManagement/>
+</p:properties>
 </file>
 
 <file path=customXml/itemProps1.xml><?xml version="1.0" encoding="utf-8"?>
@@ -15133,18 +17526,18 @@
 </file>
 
 <file path=customXml/itemProps2.xml><?xml version="1.0" encoding="utf-8"?>
+<ds:datastoreItem xmlns:ds="http://schemas.openxmlformats.org/officeDocument/2006/customXml" ds:itemID="{450D9D61-AB1C-42DB-97B3-F16948BBEDA5}">
+  <ds:schemaRefs>
+    <ds:schemaRef ds:uri="http://schemas.microsoft.com/sharepoint/v3/contenttype/forms"/>
+  </ds:schemaRefs>
+</ds:datastoreItem>
+</file>
+
+<file path=customXml/itemProps3.xml><?xml version="1.0" encoding="utf-8"?>
 <ds:datastoreItem xmlns:ds="http://schemas.openxmlformats.org/officeDocument/2006/customXml" ds:itemID="{28013F97-F744-428B-8504-911AB7D87FBC}">
   <ds:schemaRefs>
     <ds:schemaRef ds:uri="http://schemas.microsoft.com/office/2006/metadata/properties"/>
     <ds:schemaRef ds:uri="http://schemas.microsoft.com/office/infopath/2007/PartnerControls"/>
   </ds:schemaRefs>
 </ds:datastoreItem>
-</file>
-
-<file path=customXml/itemProps3.xml><?xml version="1.0" encoding="utf-8"?>
-<ds:datastoreItem xmlns:ds="http://schemas.openxmlformats.org/officeDocument/2006/customXml" ds:itemID="{450D9D61-AB1C-42DB-97B3-F16948BBEDA5}">
-  <ds:schemaRefs>
-    <ds:schemaRef ds:uri="http://schemas.microsoft.com/sharepoint/v3/contenttype/forms"/>
-  </ds:schemaRefs>
-</ds:datastoreItem>
 </file>